--- a/papers/group14_image_defogging.pptx
+++ b/papers/group14_image_defogging.pptx
@@ -107,6 +107,11 @@
       </a:defRPr>
     </a:lvl9pPr>
   </p:defaultTextStyle>
+  <p:extLst>
+    <p:ext uri="{EFAFB233-063F-42B5-8137-9DF3F51BA10A}">
+      <p15:sldGuideLst xmlns:p15="http://schemas.microsoft.com/office/powerpoint/2012/main"/>
+    </p:ext>
+  </p:extLst>
 </p:presentation>
 </file>
 
@@ -3723,7 +3728,7 @@
           </a:ln>
           <a:extLst>
             <a:ext uri="{C572A759-6A51-4108-AA02-DFA0A04FC94B}">
-              <ma14:wrappingTextBoxFlag xmlns="" xmlns:ma14="http://schemas.microsoft.com/office/mac/drawingml/2011/main" val="1"/>
+              <ma14:wrappingTextBoxFlag xmlns:ma14="http://schemas.microsoft.com/office/mac/drawingml/2011/main" xmlns="" val="1"/>
             </a:ext>
           </a:extLst>
         </p:spPr>
@@ -3797,7 +3802,7 @@
             <a:effectLst/>
             <a:extLst>
               <a:ext uri="{C572A759-6A51-4108-AA02-DFA0A04FC94B}">
-                <ma14:wrappingTextBoxFlag xmlns="" xmlns:ma14="http://schemas.microsoft.com/office/mac/drawingml/2011/main" val="1"/>
+                <ma14:wrappingTextBoxFlag xmlns:ma14="http://schemas.microsoft.com/office/mac/drawingml/2011/main" xmlns="" val="1"/>
               </a:ext>
             </a:extLst>
           </p:spPr>
@@ -3872,7 +3877,7 @@
             <a:effectLst/>
             <a:extLst>
               <a:ext uri="{C572A759-6A51-4108-AA02-DFA0A04FC94B}">
-                <ma14:wrappingTextBoxFlag xmlns="" xmlns:ma14="http://schemas.microsoft.com/office/mac/drawingml/2011/main" val="1"/>
+                <ma14:wrappingTextBoxFlag xmlns:ma14="http://schemas.microsoft.com/office/mac/drawingml/2011/main" xmlns="" val="1"/>
               </a:ext>
             </a:extLst>
           </p:spPr>
@@ -4507,7 +4512,7 @@
           <a:effectLst/>
           <a:extLst>
             <a:ext uri="{C572A759-6A51-4108-AA02-DFA0A04FC94B}">
-              <ma14:wrappingTextBoxFlag xmlns="" xmlns:ma14="http://schemas.microsoft.com/office/mac/drawingml/2011/main" val="1"/>
+              <ma14:wrappingTextBoxFlag xmlns:ma14="http://schemas.microsoft.com/office/mac/drawingml/2011/main" xmlns="" val="1"/>
             </a:ext>
           </a:extLst>
         </p:spPr>
@@ -4565,13 +4570,13 @@
   <p:clrMapOvr>
     <a:masterClrMapping/>
   </p:clrMapOvr>
-  <mc:AlternateContent xmlns:mc="http://schemas.openxmlformats.org/markup-compatibility/2006">
-    <mc:Choice xmlns:p14="http://schemas.microsoft.com/office/powerpoint/2010/main" Requires="p14">
+  <mc:AlternateContent xmlns:mc="http://schemas.openxmlformats.org/markup-compatibility/2006" xmlns:p14="http://schemas.microsoft.com/office/powerpoint/2010/main">
+    <mc:Choice Requires="p14">
       <p:transition p14:dur="300">
         <p:fade/>
       </p:transition>
     </mc:Choice>
-    <mc:Fallback>
+    <mc:Fallback xmlns="">
       <p:transition>
         <p:fade/>
       </p:transition>
@@ -5374,7 +5379,7 @@
           </a:ln>
           <a:extLst>
             <a:ext uri="{C572A759-6A51-4108-AA02-DFA0A04FC94B}">
-              <ma14:wrappingTextBoxFlag xmlns="" xmlns:ma14="http://schemas.microsoft.com/office/mac/drawingml/2011/main" val="1"/>
+              <ma14:wrappingTextBoxFlag xmlns:ma14="http://schemas.microsoft.com/office/mac/drawingml/2011/main" xmlns="" val="1"/>
             </a:ext>
           </a:extLst>
         </p:spPr>
@@ -5539,7 +5544,7 @@
             </a:ln>
             <a:extLst>
               <a:ext uri="{C572A759-6A51-4108-AA02-DFA0A04FC94B}">
-                <ma14:wrappingTextBoxFlag xmlns="" xmlns:ma14="http://schemas.microsoft.com/office/mac/drawingml/2011/main" val="1"/>
+                <ma14:wrappingTextBoxFlag xmlns:ma14="http://schemas.microsoft.com/office/mac/drawingml/2011/main" xmlns="" val="1"/>
               </a:ext>
             </a:extLst>
           </p:spPr>
@@ -5596,7 +5601,7 @@
             </a:ln>
             <a:extLst>
               <a:ext uri="{C572A759-6A51-4108-AA02-DFA0A04FC94B}">
-                <ma14:wrappingTextBoxFlag xmlns="" xmlns:ma14="http://schemas.microsoft.com/office/mac/drawingml/2011/main" val="1"/>
+                <ma14:wrappingTextBoxFlag xmlns:ma14="http://schemas.microsoft.com/office/mac/drawingml/2011/main" xmlns="" val="1"/>
               </a:ext>
             </a:extLst>
           </p:spPr>
@@ -5654,7 +5659,7 @@
             </a:ln>
             <a:extLst>
               <a:ext uri="{C572A759-6A51-4108-AA02-DFA0A04FC94B}">
-                <ma14:wrappingTextBoxFlag xmlns="" xmlns:ma14="http://schemas.microsoft.com/office/mac/drawingml/2011/main" val="1"/>
+                <ma14:wrappingTextBoxFlag xmlns:ma14="http://schemas.microsoft.com/office/mac/drawingml/2011/main" xmlns="" val="1"/>
               </a:ext>
             </a:extLst>
           </p:spPr>
@@ -5858,13 +5863,13 @@
   <p:clrMapOvr>
     <a:masterClrMapping/>
   </p:clrMapOvr>
-  <mc:AlternateContent xmlns:mc="http://schemas.openxmlformats.org/markup-compatibility/2006">
-    <mc:Choice xmlns:p14="http://schemas.microsoft.com/office/powerpoint/2010/main" Requires="p14">
+  <mc:AlternateContent xmlns:mc="http://schemas.openxmlformats.org/markup-compatibility/2006" xmlns:p14="http://schemas.microsoft.com/office/powerpoint/2010/main">
+    <mc:Choice Requires="p14">
       <p:transition p14:dur="300">
         <p:fade/>
       </p:transition>
     </mc:Choice>
-    <mc:Fallback>
+    <mc:Fallback xmlns="">
       <p:transition>
         <p:fade/>
       </p:transition>
@@ -6218,7 +6223,7 @@
             </a:ln>
             <a:extLst>
               <a:ext uri="{C572A759-6A51-4108-AA02-DFA0A04FC94B}">
-                <ma14:wrappingTextBoxFlag xmlns="" xmlns:ma14="http://schemas.microsoft.com/office/mac/drawingml/2011/main" val="1"/>
+                <ma14:wrappingTextBoxFlag xmlns:ma14="http://schemas.microsoft.com/office/mac/drawingml/2011/main" xmlns="" val="1"/>
               </a:ext>
             </a:extLst>
           </p:spPr>
@@ -6266,7 +6271,7 @@
             </a:ln>
             <a:extLst>
               <a:ext uri="{C572A759-6A51-4108-AA02-DFA0A04FC94B}">
-                <ma14:wrappingTextBoxFlag xmlns="" xmlns:ma14="http://schemas.microsoft.com/office/mac/drawingml/2011/main" val="1"/>
+                <ma14:wrappingTextBoxFlag xmlns:ma14="http://schemas.microsoft.com/office/mac/drawingml/2011/main" xmlns="" val="1"/>
               </a:ext>
             </a:extLst>
           </p:spPr>
@@ -6381,7 +6386,7 @@
             </a:ln>
             <a:extLst>
               <a:ext uri="{C572A759-6A51-4108-AA02-DFA0A04FC94B}">
-                <ma14:wrappingTextBoxFlag xmlns="" xmlns:ma14="http://schemas.microsoft.com/office/mac/drawingml/2011/main" val="1"/>
+                <ma14:wrappingTextBoxFlag xmlns:ma14="http://schemas.microsoft.com/office/mac/drawingml/2011/main" xmlns="" val="1"/>
               </a:ext>
             </a:extLst>
           </p:spPr>
@@ -6429,7 +6434,7 @@
             </a:ln>
             <a:extLst>
               <a:ext uri="{C572A759-6A51-4108-AA02-DFA0A04FC94B}">
-                <ma14:wrappingTextBoxFlag xmlns="" xmlns:ma14="http://schemas.microsoft.com/office/mac/drawingml/2011/main" val="1"/>
+                <ma14:wrappingTextBoxFlag xmlns:ma14="http://schemas.microsoft.com/office/mac/drawingml/2011/main" xmlns="" val="1"/>
               </a:ext>
             </a:extLst>
           </p:spPr>
@@ -6544,7 +6549,7 @@
             </a:ln>
             <a:extLst>
               <a:ext uri="{C572A759-6A51-4108-AA02-DFA0A04FC94B}">
-                <ma14:wrappingTextBoxFlag xmlns="" xmlns:ma14="http://schemas.microsoft.com/office/mac/drawingml/2011/main" val="1"/>
+                <ma14:wrappingTextBoxFlag xmlns:ma14="http://schemas.microsoft.com/office/mac/drawingml/2011/main" xmlns="" val="1"/>
               </a:ext>
             </a:extLst>
           </p:spPr>
@@ -6592,7 +6597,7 @@
             </a:ln>
             <a:extLst>
               <a:ext uri="{C572A759-6A51-4108-AA02-DFA0A04FC94B}">
-                <ma14:wrappingTextBoxFlag xmlns="" xmlns:ma14="http://schemas.microsoft.com/office/mac/drawingml/2011/main" val="1"/>
+                <ma14:wrappingTextBoxFlag xmlns:ma14="http://schemas.microsoft.com/office/mac/drawingml/2011/main" xmlns="" val="1"/>
               </a:ext>
             </a:extLst>
           </p:spPr>
@@ -6787,13 +6792,13 @@
   <p:clrMapOvr>
     <a:masterClrMapping/>
   </p:clrMapOvr>
-  <mc:AlternateContent xmlns:mc="http://schemas.openxmlformats.org/markup-compatibility/2006">
-    <mc:Choice xmlns:p14="http://schemas.microsoft.com/office/powerpoint/2010/main" Requires="p14">
+  <mc:AlternateContent xmlns:mc="http://schemas.openxmlformats.org/markup-compatibility/2006" xmlns:p14="http://schemas.microsoft.com/office/powerpoint/2010/main">
+    <mc:Choice Requires="p14">
       <p:transition p14:dur="300">
         <p:fade/>
       </p:transition>
     </mc:Choice>
-    <mc:Fallback>
+    <mc:Fallback xmlns="">
       <p:transition>
         <p:fade/>
       </p:transition>
@@ -7284,7 +7289,7 @@
           </a:ln>
           <a:extLst>
             <a:ext uri="{C572A759-6A51-4108-AA02-DFA0A04FC94B}">
-              <ma14:wrappingTextBoxFlag xmlns="" xmlns:ma14="http://schemas.microsoft.com/office/mac/drawingml/2011/main" val="1"/>
+              <ma14:wrappingTextBoxFlag xmlns:ma14="http://schemas.microsoft.com/office/mac/drawingml/2011/main" xmlns="" val="1"/>
             </a:ext>
           </a:extLst>
         </p:spPr>
@@ -7351,7 +7356,7 @@
           </a:ln>
           <a:extLst>
             <a:ext uri="{C572A759-6A51-4108-AA02-DFA0A04FC94B}">
-              <ma14:wrappingTextBoxFlag xmlns="" xmlns:ma14="http://schemas.microsoft.com/office/mac/drawingml/2011/main" val="1"/>
+              <ma14:wrappingTextBoxFlag xmlns:ma14="http://schemas.microsoft.com/office/mac/drawingml/2011/main" xmlns="" val="1"/>
             </a:ext>
           </a:extLst>
         </p:spPr>
@@ -7434,6 +7439,152 @@
           </a:p>
         </p:txBody>
       </p:sp>
+      <p:pic>
+        <p:nvPicPr>
+          <p:cNvPr id="2" name="图片 1">
+            <a:extLst>
+              <a:ext uri="{FF2B5EF4-FFF2-40B4-BE49-F238E27FC236}">
+                <a16:creationId xmlns:a16="http://schemas.microsoft.com/office/drawing/2014/main" id="{00A86D65-0608-403C-B39D-6B60DAD8B0C1}"/>
+              </a:ext>
+            </a:extLst>
+          </p:cNvPr>
+          <p:cNvPicPr>
+            <a:picLocks noChangeAspect="1"/>
+          </p:cNvPicPr>
+          <p:nvPr/>
+        </p:nvPicPr>
+        <p:blipFill>
+          <a:blip r:embed="rId2"/>
+          <a:stretch>
+            <a:fillRect/>
+          </a:stretch>
+        </p:blipFill>
+        <p:spPr>
+          <a:xfrm>
+            <a:off x="1326561" y="2030184"/>
+            <a:ext cx="3981450" cy="495300"/>
+          </a:xfrm>
+          <a:prstGeom prst="rect">
+            <a:avLst/>
+          </a:prstGeom>
+        </p:spPr>
+      </p:pic>
+      <p:sp>
+        <p:nvSpPr>
+          <p:cNvPr id="3" name="文本框 2">
+            <a:extLst>
+              <a:ext uri="{FF2B5EF4-FFF2-40B4-BE49-F238E27FC236}">
+                <a16:creationId xmlns:a16="http://schemas.microsoft.com/office/drawing/2014/main" id="{D4C67F39-7201-41BD-83DF-97922C35A9E3}"/>
+              </a:ext>
+            </a:extLst>
+          </p:cNvPr>
+          <p:cNvSpPr txBox="1"/>
+          <p:nvPr/>
+        </p:nvSpPr>
+        <p:spPr>
+          <a:xfrm>
+            <a:off x="510537" y="1484894"/>
+            <a:ext cx="2161169" cy="461665"/>
+          </a:xfrm>
+          <a:prstGeom prst="rect">
+            <a:avLst/>
+          </a:prstGeom>
+          <a:noFill/>
+        </p:spPr>
+        <p:txBody>
+          <a:bodyPr wrap="none" rtlCol="0">
+            <a:spAutoFit/>
+          </a:bodyPr>
+          <a:lstStyle/>
+          <a:p>
+            <a:r>
+              <a:rPr lang="en-US" altLang="zh-CN" sz="2400" b="1" dirty="0">
+                <a:latin typeface="Georgia" panose="02040502050405020303" pitchFamily="18" charset="0"/>
+              </a:rPr>
+              <a:t>The model</a:t>
+            </a:r>
+            <a:r>
+              <a:rPr lang="zh-CN" altLang="en-US" sz="2400" b="1" dirty="0">
+                <a:latin typeface="Georgia" panose="02040502050405020303" pitchFamily="18" charset="0"/>
+              </a:rPr>
+              <a:t>：</a:t>
+            </a:r>
+          </a:p>
+        </p:txBody>
+      </p:sp>
+      <p:sp>
+        <p:nvSpPr>
+          <p:cNvPr id="10" name="文本框 9">
+            <a:extLst>
+              <a:ext uri="{FF2B5EF4-FFF2-40B4-BE49-F238E27FC236}">
+                <a16:creationId xmlns:a16="http://schemas.microsoft.com/office/drawing/2014/main" id="{89BA9488-9E8F-49A1-804A-84A0D02E84D2}"/>
+              </a:ext>
+            </a:extLst>
+          </p:cNvPr>
+          <p:cNvSpPr txBox="1"/>
+          <p:nvPr/>
+        </p:nvSpPr>
+        <p:spPr>
+          <a:xfrm>
+            <a:off x="441430" y="2718882"/>
+            <a:ext cx="2540481" cy="461665"/>
+          </a:xfrm>
+          <a:prstGeom prst="rect">
+            <a:avLst/>
+          </a:prstGeom>
+          <a:noFill/>
+        </p:spPr>
+        <p:txBody>
+          <a:bodyPr wrap="square" rtlCol="0">
+            <a:spAutoFit/>
+          </a:bodyPr>
+          <a:lstStyle/>
+          <a:p>
+            <a:r>
+              <a:rPr lang="en-US" altLang="zh-CN" sz="2400" b="1" dirty="0">
+                <a:latin typeface="Georgia" panose="02040502050405020303" pitchFamily="18" charset="0"/>
+              </a:rPr>
+              <a:t> Dark channel</a:t>
+            </a:r>
+            <a:r>
+              <a:rPr lang="zh-CN" altLang="en-US" sz="2400" b="1" dirty="0">
+                <a:latin typeface="Georgia" panose="02040502050405020303" pitchFamily="18" charset="0"/>
+              </a:rPr>
+              <a:t>：</a:t>
+            </a:r>
+          </a:p>
+        </p:txBody>
+      </p:sp>
+      <p:pic>
+        <p:nvPicPr>
+          <p:cNvPr id="4" name="图片 3">
+            <a:extLst>
+              <a:ext uri="{FF2B5EF4-FFF2-40B4-BE49-F238E27FC236}">
+                <a16:creationId xmlns:a16="http://schemas.microsoft.com/office/drawing/2014/main" id="{41840B67-DA60-4918-ABEB-FAF57A3CE707}"/>
+              </a:ext>
+            </a:extLst>
+          </p:cNvPr>
+          <p:cNvPicPr>
+            <a:picLocks noChangeAspect="1"/>
+          </p:cNvPicPr>
+          <p:nvPr/>
+        </p:nvPicPr>
+        <p:blipFill>
+          <a:blip r:embed="rId3"/>
+          <a:stretch>
+            <a:fillRect/>
+          </a:stretch>
+        </p:blipFill>
+        <p:spPr>
+          <a:xfrm>
+            <a:off x="1326561" y="3345943"/>
+            <a:ext cx="3981450" cy="697480"/>
+          </a:xfrm>
+          <a:prstGeom prst="rect">
+            <a:avLst/>
+          </a:prstGeom>
+        </p:spPr>
+      </p:pic>
     </p:spTree>
     <p:extLst>
       <p:ext uri="{BB962C8B-B14F-4D97-AF65-F5344CB8AC3E}">
@@ -7444,13 +7595,13 @@
   <p:clrMapOvr>
     <a:masterClrMapping/>
   </p:clrMapOvr>
-  <mc:AlternateContent xmlns:mc="http://schemas.openxmlformats.org/markup-compatibility/2006">
-    <mc:Choice xmlns:p14="http://schemas.microsoft.com/office/powerpoint/2010/main" Requires="p14">
+  <mc:AlternateContent xmlns:mc="http://schemas.openxmlformats.org/markup-compatibility/2006" xmlns:p14="http://schemas.microsoft.com/office/powerpoint/2010/main">
+    <mc:Choice Requires="p14">
       <p:transition p14:dur="300">
         <p:fade/>
       </p:transition>
     </mc:Choice>
-    <mc:Fallback>
+    <mc:Fallback xmlns="">
       <p:transition>
         <p:fade/>
       </p:transition>
@@ -7744,6 +7895,146 @@
                                   </p:childTnLst>
                                 </p:cTn>
                               </p:par>
+                              <p:par>
+                                <p:cTn id="21" presetID="10" presetClass="entr" presetSubtype="0" fill="hold" grpId="0" nodeType="withEffect">
+                                  <p:stCondLst>
+                                    <p:cond delay="0"/>
+                                  </p:stCondLst>
+                                  <p:childTnLst>
+                                    <p:set>
+                                      <p:cBhvr>
+                                        <p:cTn id="22" dur="1" fill="hold">
+                                          <p:stCondLst>
+                                            <p:cond delay="0"/>
+                                          </p:stCondLst>
+                                        </p:cTn>
+                                        <p:tgtEl>
+                                          <p:spTgt spid="3"/>
+                                        </p:tgtEl>
+                                        <p:attrNameLst>
+                                          <p:attrName>style.visibility</p:attrName>
+                                        </p:attrNameLst>
+                                      </p:cBhvr>
+                                      <p:to>
+                                        <p:strVal val="visible"/>
+                                      </p:to>
+                                    </p:set>
+                                    <p:animEffect transition="in" filter="fade">
+                                      <p:cBhvr>
+                                        <p:cTn id="23" dur="500"/>
+                                        <p:tgtEl>
+                                          <p:spTgt spid="3"/>
+                                        </p:tgtEl>
+                                      </p:cBhvr>
+                                    </p:animEffect>
+                                  </p:childTnLst>
+                                </p:cTn>
+                              </p:par>
+                              <p:par>
+                                <p:cTn id="24" presetID="10" presetClass="entr" presetSubtype="0" fill="hold" nodeType="withEffect">
+                                  <p:stCondLst>
+                                    <p:cond delay="0"/>
+                                  </p:stCondLst>
+                                  <p:childTnLst>
+                                    <p:set>
+                                      <p:cBhvr>
+                                        <p:cTn id="25" dur="1" fill="hold">
+                                          <p:stCondLst>
+                                            <p:cond delay="0"/>
+                                          </p:stCondLst>
+                                        </p:cTn>
+                                        <p:tgtEl>
+                                          <p:spTgt spid="2"/>
+                                        </p:tgtEl>
+                                        <p:attrNameLst>
+                                          <p:attrName>style.visibility</p:attrName>
+                                        </p:attrNameLst>
+                                      </p:cBhvr>
+                                      <p:to>
+                                        <p:strVal val="visible"/>
+                                      </p:to>
+                                    </p:set>
+                                    <p:animEffect transition="in" filter="fade">
+                                      <p:cBhvr>
+                                        <p:cTn id="26" dur="500"/>
+                                        <p:tgtEl>
+                                          <p:spTgt spid="2"/>
+                                        </p:tgtEl>
+                                      </p:cBhvr>
+                                    </p:animEffect>
+                                  </p:childTnLst>
+                                </p:cTn>
+                              </p:par>
+                              <p:par>
+                                <p:cTn id="27" presetID="10" presetClass="entr" presetSubtype="0" fill="hold" grpId="0" nodeType="withEffect">
+                                  <p:stCondLst>
+                                    <p:cond delay="0"/>
+                                  </p:stCondLst>
+                                  <p:childTnLst>
+                                    <p:set>
+                                      <p:cBhvr>
+                                        <p:cTn id="28" dur="1" fill="hold">
+                                          <p:stCondLst>
+                                            <p:cond delay="0"/>
+                                          </p:stCondLst>
+                                        </p:cTn>
+                                        <p:tgtEl>
+                                          <p:spTgt spid="10"/>
+                                        </p:tgtEl>
+                                        <p:attrNameLst>
+                                          <p:attrName>style.visibility</p:attrName>
+                                        </p:attrNameLst>
+                                      </p:cBhvr>
+                                      <p:to>
+                                        <p:strVal val="visible"/>
+                                      </p:to>
+                                    </p:set>
+                                    <p:animEffect transition="in" filter="fade">
+                                      <p:cBhvr>
+                                        <p:cTn id="29" dur="500"/>
+                                        <p:tgtEl>
+                                          <p:spTgt spid="10"/>
+                                        </p:tgtEl>
+                                      </p:cBhvr>
+                                    </p:animEffect>
+                                  </p:childTnLst>
+                                </p:cTn>
+                              </p:par>
+                              <p:par>
+                                <p:cTn id="30" presetID="10" presetClass="entr" presetSubtype="0" fill="hold" nodeType="withEffect">
+                                  <p:stCondLst>
+                                    <p:cond delay="0"/>
+                                  </p:stCondLst>
+                                  <p:childTnLst>
+                                    <p:set>
+                                      <p:cBhvr>
+                                        <p:cTn id="31" dur="1" fill="hold">
+                                          <p:stCondLst>
+                                            <p:cond delay="0"/>
+                                          </p:stCondLst>
+                                        </p:cTn>
+                                        <p:tgtEl>
+                                          <p:spTgt spid="4"/>
+                                        </p:tgtEl>
+                                        <p:attrNameLst>
+                                          <p:attrName>style.visibility</p:attrName>
+                                        </p:attrNameLst>
+                                      </p:cBhvr>
+                                      <p:to>
+                                        <p:strVal val="visible"/>
+                                      </p:to>
+                                    </p:set>
+                                    <p:animEffect transition="in" filter="fade">
+                                      <p:cBhvr>
+                                        <p:cTn id="32" dur="500"/>
+                                        <p:tgtEl>
+                                          <p:spTgt spid="4"/>
+                                        </p:tgtEl>
+                                      </p:cBhvr>
+                                    </p:animEffect>
+                                  </p:childTnLst>
+                                </p:cTn>
+                              </p:par>
                             </p:childTnLst>
                           </p:cTn>
                         </p:par>
@@ -7776,6 +8067,8 @@
       <p:bldP spid="158" grpId="0" animBg="1"/>
       <p:bldP spid="17" grpId="0" animBg="1"/>
       <p:bldP spid="18" grpId="0" animBg="1"/>
+      <p:bldP spid="3" grpId="0"/>
+      <p:bldP spid="10" grpId="0"/>
     </p:bldLst>
   </p:timing>
 </p:sld>

--- a/papers/group14_image_defogging.pptx
+++ b/papers/group14_image_defogging.pptx
@@ -9,6 +9,10 @@
     <p:sldId id="260" r:id="rId3"/>
     <p:sldId id="290" r:id="rId4"/>
     <p:sldId id="292" r:id="rId5"/>
+    <p:sldId id="293" r:id="rId6"/>
+    <p:sldId id="294" r:id="rId7"/>
+    <p:sldId id="295" r:id="rId8"/>
+    <p:sldId id="296" r:id="rId9"/>
   </p:sldIdLst>
   <p:sldSz cx="12192000" cy="6858000"/>
   <p:notesSz cx="6858000" cy="9144000"/>
@@ -262,7 +266,7 @@
           <a:p>
             <a:fld id="{0EA4C7CE-494F-4D87-820A-F33E8E17C6B4}" type="datetimeFigureOut">
               <a:rPr lang="zh-CN" altLang="en-US" smtClean="0"/>
-              <a:t>2021/12/25</a:t>
+              <a:t>2021/12/26</a:t>
             </a:fld>
             <a:endParaRPr lang="zh-CN" altLang="en-US"/>
           </a:p>
@@ -460,7 +464,7 @@
           <a:p>
             <a:fld id="{0EA4C7CE-494F-4D87-820A-F33E8E17C6B4}" type="datetimeFigureOut">
               <a:rPr lang="zh-CN" altLang="en-US" smtClean="0"/>
-              <a:t>2021/12/25</a:t>
+              <a:t>2021/12/26</a:t>
             </a:fld>
             <a:endParaRPr lang="zh-CN" altLang="en-US"/>
           </a:p>
@@ -668,7 +672,7 @@
           <a:p>
             <a:fld id="{0EA4C7CE-494F-4D87-820A-F33E8E17C6B4}" type="datetimeFigureOut">
               <a:rPr lang="zh-CN" altLang="en-US" smtClean="0"/>
-              <a:t>2021/12/25</a:t>
+              <a:t>2021/12/26</a:t>
             </a:fld>
             <a:endParaRPr lang="zh-CN" altLang="en-US"/>
           </a:p>
@@ -923,7 +927,7 @@
           <a:p>
             <a:fld id="{0EA4C7CE-494F-4D87-820A-F33E8E17C6B4}" type="datetimeFigureOut">
               <a:rPr lang="zh-CN" altLang="en-US" smtClean="0"/>
-              <a:t>2021/12/25</a:t>
+              <a:t>2021/12/26</a:t>
             </a:fld>
             <a:endParaRPr lang="zh-CN" altLang="en-US"/>
           </a:p>
@@ -1198,7 +1202,7 @@
           <a:p>
             <a:fld id="{0EA4C7CE-494F-4D87-820A-F33E8E17C6B4}" type="datetimeFigureOut">
               <a:rPr lang="zh-CN" altLang="en-US" smtClean="0"/>
-              <a:t>2021/12/25</a:t>
+              <a:t>2021/12/26</a:t>
             </a:fld>
             <a:endParaRPr lang="zh-CN" altLang="en-US"/>
           </a:p>
@@ -1463,7 +1467,7 @@
           <a:p>
             <a:fld id="{0EA4C7CE-494F-4D87-820A-F33E8E17C6B4}" type="datetimeFigureOut">
               <a:rPr lang="zh-CN" altLang="en-US" smtClean="0"/>
-              <a:t>2021/12/25</a:t>
+              <a:t>2021/12/26</a:t>
             </a:fld>
             <a:endParaRPr lang="zh-CN" altLang="en-US"/>
           </a:p>
@@ -1875,7 +1879,7 @@
           <a:p>
             <a:fld id="{0EA4C7CE-494F-4D87-820A-F33E8E17C6B4}" type="datetimeFigureOut">
               <a:rPr lang="zh-CN" altLang="en-US" smtClean="0"/>
-              <a:t>2021/12/25</a:t>
+              <a:t>2021/12/26</a:t>
             </a:fld>
             <a:endParaRPr lang="zh-CN" altLang="en-US"/>
           </a:p>
@@ -2016,7 +2020,7 @@
           <a:p>
             <a:fld id="{0EA4C7CE-494F-4D87-820A-F33E8E17C6B4}" type="datetimeFigureOut">
               <a:rPr lang="zh-CN" altLang="en-US" smtClean="0"/>
-              <a:t>2021/12/25</a:t>
+              <a:t>2021/12/26</a:t>
             </a:fld>
             <a:endParaRPr lang="zh-CN" altLang="en-US"/>
           </a:p>
@@ -2129,7 +2133,7 @@
           <a:p>
             <a:fld id="{0EA4C7CE-494F-4D87-820A-F33E8E17C6B4}" type="datetimeFigureOut">
               <a:rPr lang="zh-CN" altLang="en-US" smtClean="0"/>
-              <a:t>2021/12/25</a:t>
+              <a:t>2021/12/26</a:t>
             </a:fld>
             <a:endParaRPr lang="zh-CN" altLang="en-US"/>
           </a:p>
@@ -2440,7 +2444,7 @@
           <a:p>
             <a:fld id="{0EA4C7CE-494F-4D87-820A-F33E8E17C6B4}" type="datetimeFigureOut">
               <a:rPr lang="zh-CN" altLang="en-US" smtClean="0"/>
-              <a:t>2021/12/25</a:t>
+              <a:t>2021/12/26</a:t>
             </a:fld>
             <a:endParaRPr lang="zh-CN" altLang="en-US"/>
           </a:p>
@@ -2728,7 +2732,7 @@
           <a:p>
             <a:fld id="{0EA4C7CE-494F-4D87-820A-F33E8E17C6B4}" type="datetimeFigureOut">
               <a:rPr lang="zh-CN" altLang="en-US" smtClean="0"/>
-              <a:t>2021/12/25</a:t>
+              <a:t>2021/12/26</a:t>
             </a:fld>
             <a:endParaRPr lang="zh-CN" altLang="en-US"/>
           </a:p>
@@ -2969,7 +2973,7 @@
           <a:p>
             <a:fld id="{0EA4C7CE-494F-4D87-820A-F33E8E17C6B4}" type="datetimeFigureOut">
               <a:rPr lang="zh-CN" altLang="en-US" smtClean="0"/>
-              <a:t>2021/12/25</a:t>
+              <a:t>2021/12/26</a:t>
             </a:fld>
             <a:endParaRPr lang="zh-CN" altLang="en-US"/>
           </a:p>
@@ -3460,9 +3464,7 @@
             <p:nvPr/>
           </p:nvPicPr>
           <p:blipFill>
-            <a:blip r:embed="rId3">
-              <a:extLst/>
-            </a:blip>
+            <a:blip r:embed="rId3"/>
             <a:stretch>
               <a:fillRect/>
             </a:stretch>
@@ -3728,7 +3730,7 @@
           </a:ln>
           <a:extLst>
             <a:ext uri="{C572A759-6A51-4108-AA02-DFA0A04FC94B}">
-              <ma14:wrappingTextBoxFlag xmlns:ma14="http://schemas.microsoft.com/office/mac/drawingml/2011/main" xmlns="" val="1"/>
+              <ma14:wrappingTextBoxFlag xmlns="" xmlns:ma14="http://schemas.microsoft.com/office/mac/drawingml/2011/main" val="1"/>
             </a:ext>
           </a:extLst>
         </p:spPr>
@@ -3802,7 +3804,7 @@
             <a:effectLst/>
             <a:extLst>
               <a:ext uri="{C572A759-6A51-4108-AA02-DFA0A04FC94B}">
-                <ma14:wrappingTextBoxFlag xmlns:ma14="http://schemas.microsoft.com/office/mac/drawingml/2011/main" xmlns="" val="1"/>
+                <ma14:wrappingTextBoxFlag xmlns="" xmlns:ma14="http://schemas.microsoft.com/office/mac/drawingml/2011/main" val="1"/>
               </a:ext>
             </a:extLst>
           </p:spPr>
@@ -3877,7 +3879,7 @@
             <a:effectLst/>
             <a:extLst>
               <a:ext uri="{C572A759-6A51-4108-AA02-DFA0A04FC94B}">
-                <ma14:wrappingTextBoxFlag xmlns:ma14="http://schemas.microsoft.com/office/mac/drawingml/2011/main" xmlns="" val="1"/>
+                <ma14:wrappingTextBoxFlag xmlns="" xmlns:ma14="http://schemas.microsoft.com/office/mac/drawingml/2011/main" val="1"/>
               </a:ext>
             </a:extLst>
           </p:spPr>
@@ -4512,7 +4514,7 @@
           <a:effectLst/>
           <a:extLst>
             <a:ext uri="{C572A759-6A51-4108-AA02-DFA0A04FC94B}">
-              <ma14:wrappingTextBoxFlag xmlns:ma14="http://schemas.microsoft.com/office/mac/drawingml/2011/main" xmlns="" val="1"/>
+              <ma14:wrappingTextBoxFlag xmlns="" xmlns:ma14="http://schemas.microsoft.com/office/mac/drawingml/2011/main" val="1"/>
             </a:ext>
           </a:extLst>
         </p:spPr>
@@ -5379,7 +5381,7 @@
           </a:ln>
           <a:extLst>
             <a:ext uri="{C572A759-6A51-4108-AA02-DFA0A04FC94B}">
-              <ma14:wrappingTextBoxFlag xmlns:ma14="http://schemas.microsoft.com/office/mac/drawingml/2011/main" xmlns="" val="1"/>
+              <ma14:wrappingTextBoxFlag xmlns="" xmlns:ma14="http://schemas.microsoft.com/office/mac/drawingml/2011/main" val="1"/>
             </a:ext>
           </a:extLst>
         </p:spPr>
@@ -5544,7 +5546,7 @@
             </a:ln>
             <a:extLst>
               <a:ext uri="{C572A759-6A51-4108-AA02-DFA0A04FC94B}">
-                <ma14:wrappingTextBoxFlag xmlns:ma14="http://schemas.microsoft.com/office/mac/drawingml/2011/main" xmlns="" val="1"/>
+                <ma14:wrappingTextBoxFlag xmlns="" xmlns:ma14="http://schemas.microsoft.com/office/mac/drawingml/2011/main" val="1"/>
               </a:ext>
             </a:extLst>
           </p:spPr>
@@ -5601,7 +5603,7 @@
             </a:ln>
             <a:extLst>
               <a:ext uri="{C572A759-6A51-4108-AA02-DFA0A04FC94B}">
-                <ma14:wrappingTextBoxFlag xmlns:ma14="http://schemas.microsoft.com/office/mac/drawingml/2011/main" xmlns="" val="1"/>
+                <ma14:wrappingTextBoxFlag xmlns="" xmlns:ma14="http://schemas.microsoft.com/office/mac/drawingml/2011/main" val="1"/>
               </a:ext>
             </a:extLst>
           </p:spPr>
@@ -5659,7 +5661,7 @@
             </a:ln>
             <a:extLst>
               <a:ext uri="{C572A759-6A51-4108-AA02-DFA0A04FC94B}">
-                <ma14:wrappingTextBoxFlag xmlns:ma14="http://schemas.microsoft.com/office/mac/drawingml/2011/main" xmlns="" val="1"/>
+                <ma14:wrappingTextBoxFlag xmlns="" xmlns:ma14="http://schemas.microsoft.com/office/mac/drawingml/2011/main" val="1"/>
               </a:ext>
             </a:extLst>
           </p:spPr>
@@ -6223,7 +6225,7 @@
             </a:ln>
             <a:extLst>
               <a:ext uri="{C572A759-6A51-4108-AA02-DFA0A04FC94B}">
-                <ma14:wrappingTextBoxFlag xmlns:ma14="http://schemas.microsoft.com/office/mac/drawingml/2011/main" xmlns="" val="1"/>
+                <ma14:wrappingTextBoxFlag xmlns="" xmlns:ma14="http://schemas.microsoft.com/office/mac/drawingml/2011/main" val="1"/>
               </a:ext>
             </a:extLst>
           </p:spPr>
@@ -6271,7 +6273,7 @@
             </a:ln>
             <a:extLst>
               <a:ext uri="{C572A759-6A51-4108-AA02-DFA0A04FC94B}">
-                <ma14:wrappingTextBoxFlag xmlns:ma14="http://schemas.microsoft.com/office/mac/drawingml/2011/main" xmlns="" val="1"/>
+                <ma14:wrappingTextBoxFlag xmlns="" xmlns:ma14="http://schemas.microsoft.com/office/mac/drawingml/2011/main" val="1"/>
               </a:ext>
             </a:extLst>
           </p:spPr>
@@ -6386,7 +6388,7 @@
             </a:ln>
             <a:extLst>
               <a:ext uri="{C572A759-6A51-4108-AA02-DFA0A04FC94B}">
-                <ma14:wrappingTextBoxFlag xmlns:ma14="http://schemas.microsoft.com/office/mac/drawingml/2011/main" xmlns="" val="1"/>
+                <ma14:wrappingTextBoxFlag xmlns="" xmlns:ma14="http://schemas.microsoft.com/office/mac/drawingml/2011/main" val="1"/>
               </a:ext>
             </a:extLst>
           </p:spPr>
@@ -6434,7 +6436,7 @@
             </a:ln>
             <a:extLst>
               <a:ext uri="{C572A759-6A51-4108-AA02-DFA0A04FC94B}">
-                <ma14:wrappingTextBoxFlag xmlns:ma14="http://schemas.microsoft.com/office/mac/drawingml/2011/main" xmlns="" val="1"/>
+                <ma14:wrappingTextBoxFlag xmlns="" xmlns:ma14="http://schemas.microsoft.com/office/mac/drawingml/2011/main" val="1"/>
               </a:ext>
             </a:extLst>
           </p:spPr>
@@ -6549,7 +6551,7 @@
             </a:ln>
             <a:extLst>
               <a:ext uri="{C572A759-6A51-4108-AA02-DFA0A04FC94B}">
-                <ma14:wrappingTextBoxFlag xmlns:ma14="http://schemas.microsoft.com/office/mac/drawingml/2011/main" xmlns="" val="1"/>
+                <ma14:wrappingTextBoxFlag xmlns="" xmlns:ma14="http://schemas.microsoft.com/office/mac/drawingml/2011/main" val="1"/>
               </a:ext>
             </a:extLst>
           </p:spPr>
@@ -6587,7 +6589,7 @@
           <p:spPr>
             <a:xfrm>
               <a:off x="13531490" y="8429717"/>
-              <a:ext cx="11003398" cy="861773"/>
+              <a:ext cx="11003398" cy="861774"/>
             </a:xfrm>
             <a:prstGeom prst="rect">
               <a:avLst/>
@@ -6597,7 +6599,7 @@
             </a:ln>
             <a:extLst>
               <a:ext uri="{C572A759-6A51-4108-AA02-DFA0A04FC94B}">
-                <ma14:wrappingTextBoxFlag xmlns:ma14="http://schemas.microsoft.com/office/mac/drawingml/2011/main" xmlns="" val="1"/>
+                <ma14:wrappingTextBoxFlag xmlns="" xmlns:ma14="http://schemas.microsoft.com/office/mac/drawingml/2011/main" val="1"/>
               </a:ext>
             </a:extLst>
           </p:spPr>
@@ -7289,7 +7291,7 @@
           </a:ln>
           <a:extLst>
             <a:ext uri="{C572A759-6A51-4108-AA02-DFA0A04FC94B}">
-              <ma14:wrappingTextBoxFlag xmlns:ma14="http://schemas.microsoft.com/office/mac/drawingml/2011/main" xmlns="" val="1"/>
+              <ma14:wrappingTextBoxFlag xmlns="" xmlns:ma14="http://schemas.microsoft.com/office/mac/drawingml/2011/main" val="1"/>
             </a:ext>
           </a:extLst>
         </p:spPr>
@@ -7356,7 +7358,7 @@
           </a:ln>
           <a:extLst>
             <a:ext uri="{C572A759-6A51-4108-AA02-DFA0A04FC94B}">
-              <ma14:wrappingTextBoxFlag xmlns:ma14="http://schemas.microsoft.com/office/mac/drawingml/2011/main" xmlns="" val="1"/>
+              <ma14:wrappingTextBoxFlag xmlns="" xmlns:ma14="http://schemas.microsoft.com/office/mac/drawingml/2011/main" val="1"/>
             </a:ext>
           </a:extLst>
         </p:spPr>
@@ -7585,6 +7587,467 @@
           </a:prstGeom>
         </p:spPr>
       </p:pic>
+      <p:pic>
+        <p:nvPicPr>
+          <p:cNvPr id="6" name="图片 5">
+            <a:extLst>
+              <a:ext uri="{FF2B5EF4-FFF2-40B4-BE49-F238E27FC236}">
+                <a16:creationId xmlns:a16="http://schemas.microsoft.com/office/drawing/2014/main" id="{B4391944-B918-42B3-9DD7-37F086F3929B}"/>
+              </a:ext>
+            </a:extLst>
+          </p:cNvPr>
+          <p:cNvPicPr>
+            <a:picLocks noChangeAspect="1"/>
+          </p:cNvPicPr>
+          <p:nvPr/>
+        </p:nvPicPr>
+        <p:blipFill>
+          <a:blip r:embed="rId4"/>
+          <a:stretch>
+            <a:fillRect/>
+          </a:stretch>
+        </p:blipFill>
+        <p:spPr>
+          <a:xfrm>
+            <a:off x="2267620" y="4830093"/>
+            <a:ext cx="1428581" cy="461195"/>
+          </a:xfrm>
+          <a:prstGeom prst="rect">
+            <a:avLst/>
+          </a:prstGeom>
+        </p:spPr>
+      </p:pic>
+      <p:sp>
+        <p:nvSpPr>
+          <p:cNvPr id="13" name="文本框 12">
+            <a:extLst>
+              <a:ext uri="{FF2B5EF4-FFF2-40B4-BE49-F238E27FC236}">
+                <a16:creationId xmlns:a16="http://schemas.microsoft.com/office/drawing/2014/main" id="{1F1303E7-D144-4AEB-AC49-F62708C8DF69}"/>
+              </a:ext>
+            </a:extLst>
+          </p:cNvPr>
+          <p:cNvSpPr txBox="1"/>
+          <p:nvPr/>
+        </p:nvSpPr>
+        <p:spPr>
+          <a:xfrm>
+            <a:off x="441430" y="4231833"/>
+            <a:ext cx="3365328" cy="461665"/>
+          </a:xfrm>
+          <a:prstGeom prst="rect">
+            <a:avLst/>
+          </a:prstGeom>
+          <a:noFill/>
+        </p:spPr>
+        <p:txBody>
+          <a:bodyPr wrap="square" rtlCol="0">
+            <a:spAutoFit/>
+          </a:bodyPr>
+          <a:lstStyle/>
+          <a:p>
+            <a:r>
+              <a:rPr lang="en-US" altLang="zh-CN" sz="2400" b="1" dirty="0">
+                <a:latin typeface="Georgia" panose="02040502050405020303" pitchFamily="18" charset="0"/>
+              </a:rPr>
+              <a:t> Dark channel prior</a:t>
+            </a:r>
+            <a:r>
+              <a:rPr lang="zh-CN" altLang="en-US" sz="2400" b="1" dirty="0">
+                <a:latin typeface="Georgia" panose="02040502050405020303" pitchFamily="18" charset="0"/>
+              </a:rPr>
+              <a:t>：</a:t>
+            </a:r>
+          </a:p>
+        </p:txBody>
+      </p:sp>
+      <p:pic>
+        <p:nvPicPr>
+          <p:cNvPr id="8" name="图片 7">
+            <a:extLst>
+              <a:ext uri="{FF2B5EF4-FFF2-40B4-BE49-F238E27FC236}">
+                <a16:creationId xmlns:a16="http://schemas.microsoft.com/office/drawing/2014/main" id="{29800813-6FF8-4715-8234-00014CD31F27}"/>
+              </a:ext>
+            </a:extLst>
+          </p:cNvPr>
+          <p:cNvPicPr>
+            <a:picLocks noChangeAspect="1"/>
+          </p:cNvPicPr>
+          <p:nvPr/>
+        </p:nvPicPr>
+        <p:blipFill>
+          <a:blip r:embed="rId5"/>
+          <a:stretch>
+            <a:fillRect/>
+          </a:stretch>
+        </p:blipFill>
+        <p:spPr>
+          <a:xfrm>
+            <a:off x="6730304" y="1864843"/>
+            <a:ext cx="3681010" cy="825982"/>
+          </a:xfrm>
+          <a:prstGeom prst="rect">
+            <a:avLst/>
+          </a:prstGeom>
+        </p:spPr>
+      </p:pic>
+      <p:cxnSp>
+        <p:nvCxnSpPr>
+          <p:cNvPr id="11" name="直接连接符 10">
+            <a:extLst>
+              <a:ext uri="{FF2B5EF4-FFF2-40B4-BE49-F238E27FC236}">
+                <a16:creationId xmlns:a16="http://schemas.microsoft.com/office/drawing/2014/main" id="{2882DBCA-E496-4A0F-85F0-D66E3AF42C2F}"/>
+              </a:ext>
+            </a:extLst>
+          </p:cNvPr>
+          <p:cNvCxnSpPr/>
+          <p:nvPr/>
+        </p:nvCxnSpPr>
+        <p:spPr>
+          <a:xfrm>
+            <a:off x="5578498" y="1618702"/>
+            <a:ext cx="85519" cy="3769022"/>
+          </a:xfrm>
+          <a:prstGeom prst="line">
+            <a:avLst/>
+          </a:prstGeom>
+        </p:spPr>
+        <p:style>
+          <a:lnRef idx="3">
+            <a:schemeClr val="dk1"/>
+          </a:lnRef>
+          <a:fillRef idx="0">
+            <a:schemeClr val="dk1"/>
+          </a:fillRef>
+          <a:effectRef idx="2">
+            <a:schemeClr val="dk1"/>
+          </a:effectRef>
+          <a:fontRef idx="minor">
+            <a:schemeClr val="tx1"/>
+          </a:fontRef>
+        </p:style>
+      </p:cxnSp>
+      <p:sp>
+        <p:nvSpPr>
+          <p:cNvPr id="19" name="文本框 18">
+            <a:extLst>
+              <a:ext uri="{FF2B5EF4-FFF2-40B4-BE49-F238E27FC236}">
+                <a16:creationId xmlns:a16="http://schemas.microsoft.com/office/drawing/2014/main" id="{897CEECC-557D-4FAA-9D18-33F1C1A6EC70}"/>
+              </a:ext>
+            </a:extLst>
+          </p:cNvPr>
+          <p:cNvSpPr txBox="1"/>
+          <p:nvPr/>
+        </p:nvSpPr>
+        <p:spPr>
+          <a:xfrm>
+            <a:off x="5664017" y="1406219"/>
+            <a:ext cx="6003567" cy="400110"/>
+          </a:xfrm>
+          <a:prstGeom prst="rect">
+            <a:avLst/>
+          </a:prstGeom>
+          <a:noFill/>
+        </p:spPr>
+        <p:txBody>
+          <a:bodyPr wrap="none" rtlCol="0">
+            <a:spAutoFit/>
+          </a:bodyPr>
+          <a:lstStyle/>
+          <a:p>
+            <a:r>
+              <a:rPr lang="en-US" altLang="zh-CN" sz="2000" b="1" dirty="0">
+                <a:latin typeface="Georgia" panose="02040502050405020303" pitchFamily="18" charset="0"/>
+              </a:rPr>
+              <a:t>Assume that A is given and t(x) is constant</a:t>
+            </a:r>
+            <a:r>
+              <a:rPr lang="zh-CN" altLang="en-US" sz="2000" b="1" dirty="0">
+                <a:latin typeface="Georgia" panose="02040502050405020303" pitchFamily="18" charset="0"/>
+              </a:rPr>
+              <a:t>：</a:t>
+            </a:r>
+          </a:p>
+        </p:txBody>
+      </p:sp>
+      <p:sp>
+        <p:nvSpPr>
+          <p:cNvPr id="12" name="箭头: 下 11">
+            <a:extLst>
+              <a:ext uri="{FF2B5EF4-FFF2-40B4-BE49-F238E27FC236}">
+                <a16:creationId xmlns:a16="http://schemas.microsoft.com/office/drawing/2014/main" id="{648FB7F9-1A0E-469E-9563-1F7E57B26F0A}"/>
+              </a:ext>
+            </a:extLst>
+          </p:cNvPr>
+          <p:cNvSpPr/>
+          <p:nvPr/>
+        </p:nvSpPr>
+        <p:spPr>
+          <a:xfrm>
+            <a:off x="8531690" y="2690593"/>
+            <a:ext cx="281376" cy="269608"/>
+          </a:xfrm>
+          <a:prstGeom prst="downArrow">
+            <a:avLst/>
+          </a:prstGeom>
+        </p:spPr>
+        <p:style>
+          <a:lnRef idx="2">
+            <a:schemeClr val="dk1">
+              <a:shade val="50000"/>
+            </a:schemeClr>
+          </a:lnRef>
+          <a:fillRef idx="1">
+            <a:schemeClr val="dk1"/>
+          </a:fillRef>
+          <a:effectRef idx="0">
+            <a:schemeClr val="dk1"/>
+          </a:effectRef>
+          <a:fontRef idx="minor">
+            <a:schemeClr val="lt1"/>
+          </a:fontRef>
+        </p:style>
+        <p:txBody>
+          <a:bodyPr rtlCol="0" anchor="ctr"/>
+          <a:lstStyle/>
+          <a:p>
+            <a:pPr algn="ctr"/>
+            <a:endParaRPr lang="zh-CN" altLang="en-US">
+              <a:ln w="0"/>
+              <a:solidFill>
+                <a:schemeClr val="tx1"/>
+              </a:solidFill>
+              <a:effectLst>
+                <a:outerShdw blurRad="38100" dist="19050" dir="2700000" algn="tl" rotWithShape="0">
+                  <a:schemeClr val="dk1">
+                    <a:alpha val="40000"/>
+                  </a:schemeClr>
+                </a:outerShdw>
+              </a:effectLst>
+            </a:endParaRPr>
+          </a:p>
+        </p:txBody>
+      </p:sp>
+      <p:sp>
+        <p:nvSpPr>
+          <p:cNvPr id="21" name="文本框 20">
+            <a:extLst>
+              <a:ext uri="{FF2B5EF4-FFF2-40B4-BE49-F238E27FC236}">
+                <a16:creationId xmlns:a16="http://schemas.microsoft.com/office/drawing/2014/main" id="{147C61D7-22CF-465E-84E6-E466EE71459D}"/>
+              </a:ext>
+            </a:extLst>
+          </p:cNvPr>
+          <p:cNvSpPr txBox="1"/>
+          <p:nvPr/>
+        </p:nvSpPr>
+        <p:spPr>
+          <a:xfrm>
+            <a:off x="6091765" y="2656120"/>
+            <a:ext cx="2479044" cy="338554"/>
+          </a:xfrm>
+          <a:prstGeom prst="rect">
+            <a:avLst/>
+          </a:prstGeom>
+          <a:noFill/>
+        </p:spPr>
+        <p:txBody>
+          <a:bodyPr wrap="square">
+            <a:spAutoFit/>
+          </a:bodyPr>
+          <a:lstStyle/>
+          <a:p>
+            <a:r>
+              <a:rPr lang="en-US" altLang="zh-CN" sz="1600" dirty="0">
+                <a:solidFill>
+                  <a:schemeClr val="accent5">
+                    <a:lumMod val="75000"/>
+                  </a:schemeClr>
+                </a:solidFill>
+                <a:latin typeface="Times New Roman" panose="02020603050405020304" pitchFamily="18" charset="0"/>
+                <a:cs typeface="Times New Roman" panose="02020603050405020304" pitchFamily="18" charset="0"/>
+              </a:rPr>
+              <a:t>Put the minimum operators</a:t>
+            </a:r>
+            <a:endParaRPr lang="zh-CN" altLang="en-US" sz="1600" dirty="0">
+              <a:solidFill>
+                <a:schemeClr val="accent5">
+                  <a:lumMod val="75000"/>
+                </a:schemeClr>
+              </a:solidFill>
+              <a:latin typeface="Times New Roman" panose="02020603050405020304" pitchFamily="18" charset="0"/>
+              <a:cs typeface="Times New Roman" panose="02020603050405020304" pitchFamily="18" charset="0"/>
+            </a:endParaRPr>
+          </a:p>
+        </p:txBody>
+      </p:sp>
+      <p:pic>
+        <p:nvPicPr>
+          <p:cNvPr id="16" name="图片 15">
+            <a:extLst>
+              <a:ext uri="{FF2B5EF4-FFF2-40B4-BE49-F238E27FC236}">
+                <a16:creationId xmlns:a16="http://schemas.microsoft.com/office/drawing/2014/main" id="{863837F0-4F6C-41B5-B907-99B8F576286A}"/>
+              </a:ext>
+            </a:extLst>
+          </p:cNvPr>
+          <p:cNvPicPr>
+            <a:picLocks noChangeAspect="1"/>
+          </p:cNvPicPr>
+          <p:nvPr/>
+        </p:nvPicPr>
+        <p:blipFill>
+          <a:blip r:embed="rId6"/>
+          <a:stretch>
+            <a:fillRect/>
+          </a:stretch>
+        </p:blipFill>
+        <p:spPr>
+          <a:xfrm>
+            <a:off x="6348987" y="3029147"/>
+            <a:ext cx="4516452" cy="1072023"/>
+          </a:xfrm>
+          <a:prstGeom prst="rect">
+            <a:avLst/>
+          </a:prstGeom>
+        </p:spPr>
+      </p:pic>
+      <p:pic>
+        <p:nvPicPr>
+          <p:cNvPr id="22" name="图片 21">
+            <a:extLst>
+              <a:ext uri="{FF2B5EF4-FFF2-40B4-BE49-F238E27FC236}">
+                <a16:creationId xmlns:a16="http://schemas.microsoft.com/office/drawing/2014/main" id="{122B1161-3DFB-49D5-9225-BEC7B530AB16}"/>
+              </a:ext>
+            </a:extLst>
+          </p:cNvPr>
+          <p:cNvPicPr>
+            <a:picLocks noChangeAspect="1"/>
+          </p:cNvPicPr>
+          <p:nvPr/>
+        </p:nvPicPr>
+        <p:blipFill>
+          <a:blip r:embed="rId7"/>
+          <a:stretch>
+            <a:fillRect/>
+          </a:stretch>
+        </p:blipFill>
+        <p:spPr>
+          <a:xfrm>
+            <a:off x="7034355" y="4415845"/>
+            <a:ext cx="3276045" cy="724318"/>
+          </a:xfrm>
+          <a:prstGeom prst="rect">
+            <a:avLst/>
+          </a:prstGeom>
+        </p:spPr>
+      </p:pic>
+      <p:sp>
+        <p:nvSpPr>
+          <p:cNvPr id="26" name="箭头: 下 25">
+            <a:extLst>
+              <a:ext uri="{FF2B5EF4-FFF2-40B4-BE49-F238E27FC236}">
+                <a16:creationId xmlns:a16="http://schemas.microsoft.com/office/drawing/2014/main" id="{A644FC82-B215-48B8-9867-A62C64F80467}"/>
+              </a:ext>
+            </a:extLst>
+          </p:cNvPr>
+          <p:cNvSpPr/>
+          <p:nvPr/>
+        </p:nvSpPr>
+        <p:spPr>
+          <a:xfrm>
+            <a:off x="8525112" y="4081132"/>
+            <a:ext cx="281376" cy="269608"/>
+          </a:xfrm>
+          <a:prstGeom prst="downArrow">
+            <a:avLst/>
+          </a:prstGeom>
+        </p:spPr>
+        <p:style>
+          <a:lnRef idx="2">
+            <a:schemeClr val="dk1">
+              <a:shade val="50000"/>
+            </a:schemeClr>
+          </a:lnRef>
+          <a:fillRef idx="1">
+            <a:schemeClr val="dk1"/>
+          </a:fillRef>
+          <a:effectRef idx="0">
+            <a:schemeClr val="dk1"/>
+          </a:effectRef>
+          <a:fontRef idx="minor">
+            <a:schemeClr val="lt1"/>
+          </a:fontRef>
+        </p:style>
+        <p:txBody>
+          <a:bodyPr rtlCol="0" anchor="ctr"/>
+          <a:lstStyle/>
+          <a:p>
+            <a:pPr algn="ctr"/>
+            <a:endParaRPr lang="zh-CN" altLang="en-US">
+              <a:ln w="0"/>
+              <a:solidFill>
+                <a:schemeClr val="tx1"/>
+              </a:solidFill>
+              <a:effectLst>
+                <a:outerShdw blurRad="38100" dist="19050" dir="2700000" algn="tl" rotWithShape="0">
+                  <a:schemeClr val="dk1">
+                    <a:alpha val="40000"/>
+                  </a:schemeClr>
+                </a:outerShdw>
+              </a:effectLst>
+            </a:endParaRPr>
+          </a:p>
+        </p:txBody>
+      </p:sp>
+      <p:sp>
+        <p:nvSpPr>
+          <p:cNvPr id="28" name="文本框 27">
+            <a:extLst>
+              <a:ext uri="{FF2B5EF4-FFF2-40B4-BE49-F238E27FC236}">
+                <a16:creationId xmlns:a16="http://schemas.microsoft.com/office/drawing/2014/main" id="{57D6E4EC-1691-46B8-9B4E-D6C0883659DD}"/>
+              </a:ext>
+            </a:extLst>
+          </p:cNvPr>
+          <p:cNvSpPr txBox="1"/>
+          <p:nvPr/>
+        </p:nvSpPr>
+        <p:spPr>
+          <a:xfrm>
+            <a:off x="5986074" y="4043423"/>
+            <a:ext cx="2584735" cy="338554"/>
+          </a:xfrm>
+          <a:prstGeom prst="rect">
+            <a:avLst/>
+          </a:prstGeom>
+          <a:noFill/>
+        </p:spPr>
+        <p:txBody>
+          <a:bodyPr wrap="square">
+            <a:spAutoFit/>
+          </a:bodyPr>
+          <a:lstStyle>
+            <a:defPPr>
+              <a:defRPr lang="zh-CN"/>
+            </a:defPPr>
+            <a:lvl1pPr>
+              <a:defRPr sz="1600">
+                <a:solidFill>
+                  <a:schemeClr val="accent5">
+                    <a:lumMod val="75000"/>
+                  </a:schemeClr>
+                </a:solidFill>
+                <a:latin typeface="Times New Roman" panose="02020603050405020304" pitchFamily="18" charset="0"/>
+                <a:cs typeface="Times New Roman" panose="02020603050405020304" pitchFamily="18" charset="0"/>
+              </a:defRPr>
+            </a:lvl1pPr>
+          </a:lstStyle>
+          <a:p>
+            <a:r>
+              <a:rPr lang="en-US" altLang="zh-CN" dirty="0"/>
+              <a:t>Due to the dark channel prior</a:t>
+            </a:r>
+            <a:endParaRPr lang="zh-CN" altLang="en-US" dirty="0"/>
+          </a:p>
+        </p:txBody>
+      </p:sp>
     </p:spTree>
     <p:extLst>
       <p:ext uri="{BB962C8B-B14F-4D97-AF65-F5344CB8AC3E}">
@@ -8035,6 +8498,391 @@
                                   </p:childTnLst>
                                 </p:cTn>
                               </p:par>
+                              <p:par>
+                                <p:cTn id="33" presetID="10" presetClass="entr" presetSubtype="0" fill="hold" grpId="0" nodeType="withEffect">
+                                  <p:stCondLst>
+                                    <p:cond delay="0"/>
+                                  </p:stCondLst>
+                                  <p:childTnLst>
+                                    <p:set>
+                                      <p:cBhvr>
+                                        <p:cTn id="34" dur="1" fill="hold">
+                                          <p:stCondLst>
+                                            <p:cond delay="0"/>
+                                          </p:stCondLst>
+                                        </p:cTn>
+                                        <p:tgtEl>
+                                          <p:spTgt spid="13"/>
+                                        </p:tgtEl>
+                                        <p:attrNameLst>
+                                          <p:attrName>style.visibility</p:attrName>
+                                        </p:attrNameLst>
+                                      </p:cBhvr>
+                                      <p:to>
+                                        <p:strVal val="visible"/>
+                                      </p:to>
+                                    </p:set>
+                                    <p:animEffect transition="in" filter="fade">
+                                      <p:cBhvr>
+                                        <p:cTn id="35" dur="500"/>
+                                        <p:tgtEl>
+                                          <p:spTgt spid="13"/>
+                                        </p:tgtEl>
+                                      </p:cBhvr>
+                                    </p:animEffect>
+                                  </p:childTnLst>
+                                </p:cTn>
+                              </p:par>
+                              <p:par>
+                                <p:cTn id="36" presetID="10" presetClass="entr" presetSubtype="0" fill="hold" nodeType="withEffect">
+                                  <p:stCondLst>
+                                    <p:cond delay="0"/>
+                                  </p:stCondLst>
+                                  <p:childTnLst>
+                                    <p:set>
+                                      <p:cBhvr>
+                                        <p:cTn id="37" dur="1" fill="hold">
+                                          <p:stCondLst>
+                                            <p:cond delay="0"/>
+                                          </p:stCondLst>
+                                        </p:cTn>
+                                        <p:tgtEl>
+                                          <p:spTgt spid="6"/>
+                                        </p:tgtEl>
+                                        <p:attrNameLst>
+                                          <p:attrName>style.visibility</p:attrName>
+                                        </p:attrNameLst>
+                                      </p:cBhvr>
+                                      <p:to>
+                                        <p:strVal val="visible"/>
+                                      </p:to>
+                                    </p:set>
+                                    <p:animEffect transition="in" filter="fade">
+                                      <p:cBhvr>
+                                        <p:cTn id="38" dur="500"/>
+                                        <p:tgtEl>
+                                          <p:spTgt spid="6"/>
+                                        </p:tgtEl>
+                                      </p:cBhvr>
+                                    </p:animEffect>
+                                  </p:childTnLst>
+                                </p:cTn>
+                              </p:par>
+                              <p:par>
+                                <p:cTn id="39" presetID="10" presetClass="entr" presetSubtype="0" fill="hold" grpId="0" nodeType="withEffect">
+                                  <p:stCondLst>
+                                    <p:cond delay="0"/>
+                                  </p:stCondLst>
+                                  <p:childTnLst>
+                                    <p:set>
+                                      <p:cBhvr>
+                                        <p:cTn id="40" dur="1" fill="hold">
+                                          <p:stCondLst>
+                                            <p:cond delay="0"/>
+                                          </p:stCondLst>
+                                        </p:cTn>
+                                        <p:tgtEl>
+                                          <p:spTgt spid="19"/>
+                                        </p:tgtEl>
+                                        <p:attrNameLst>
+                                          <p:attrName>style.visibility</p:attrName>
+                                        </p:attrNameLst>
+                                      </p:cBhvr>
+                                      <p:to>
+                                        <p:strVal val="visible"/>
+                                      </p:to>
+                                    </p:set>
+                                    <p:animEffect transition="in" filter="fade">
+                                      <p:cBhvr>
+                                        <p:cTn id="41" dur="500"/>
+                                        <p:tgtEl>
+                                          <p:spTgt spid="19"/>
+                                        </p:tgtEl>
+                                      </p:cBhvr>
+                                    </p:animEffect>
+                                  </p:childTnLst>
+                                </p:cTn>
+                              </p:par>
+                              <p:par>
+                                <p:cTn id="42" presetID="10" presetClass="entr" presetSubtype="0" fill="hold" nodeType="withEffect">
+                                  <p:stCondLst>
+                                    <p:cond delay="0"/>
+                                  </p:stCondLst>
+                                  <p:childTnLst>
+                                    <p:set>
+                                      <p:cBhvr>
+                                        <p:cTn id="43" dur="1" fill="hold">
+                                          <p:stCondLst>
+                                            <p:cond delay="0"/>
+                                          </p:stCondLst>
+                                        </p:cTn>
+                                        <p:tgtEl>
+                                          <p:spTgt spid="8"/>
+                                        </p:tgtEl>
+                                        <p:attrNameLst>
+                                          <p:attrName>style.visibility</p:attrName>
+                                        </p:attrNameLst>
+                                      </p:cBhvr>
+                                      <p:to>
+                                        <p:strVal val="visible"/>
+                                      </p:to>
+                                    </p:set>
+                                    <p:animEffect transition="in" filter="fade">
+                                      <p:cBhvr>
+                                        <p:cTn id="44" dur="500"/>
+                                        <p:tgtEl>
+                                          <p:spTgt spid="8"/>
+                                        </p:tgtEl>
+                                      </p:cBhvr>
+                                    </p:animEffect>
+                                  </p:childTnLst>
+                                </p:cTn>
+                              </p:par>
+                              <p:par>
+                                <p:cTn id="45" presetID="10" presetClass="entr" presetSubtype="0" fill="hold" grpId="0" nodeType="withEffect">
+                                  <p:stCondLst>
+                                    <p:cond delay="0"/>
+                                  </p:stCondLst>
+                                  <p:childTnLst>
+                                    <p:set>
+                                      <p:cBhvr>
+                                        <p:cTn id="46" dur="1" fill="hold">
+                                          <p:stCondLst>
+                                            <p:cond delay="0"/>
+                                          </p:stCondLst>
+                                        </p:cTn>
+                                        <p:tgtEl>
+                                          <p:spTgt spid="21"/>
+                                        </p:tgtEl>
+                                        <p:attrNameLst>
+                                          <p:attrName>style.visibility</p:attrName>
+                                        </p:attrNameLst>
+                                      </p:cBhvr>
+                                      <p:to>
+                                        <p:strVal val="visible"/>
+                                      </p:to>
+                                    </p:set>
+                                    <p:animEffect transition="in" filter="fade">
+                                      <p:cBhvr>
+                                        <p:cTn id="47" dur="500"/>
+                                        <p:tgtEl>
+                                          <p:spTgt spid="21"/>
+                                        </p:tgtEl>
+                                      </p:cBhvr>
+                                    </p:animEffect>
+                                  </p:childTnLst>
+                                </p:cTn>
+                              </p:par>
+                              <p:par>
+                                <p:cTn id="48" presetID="10" presetClass="entr" presetSubtype="0" fill="hold" nodeType="withEffect">
+                                  <p:stCondLst>
+                                    <p:cond delay="0"/>
+                                  </p:stCondLst>
+                                  <p:childTnLst>
+                                    <p:set>
+                                      <p:cBhvr>
+                                        <p:cTn id="49" dur="1" fill="hold">
+                                          <p:stCondLst>
+                                            <p:cond delay="0"/>
+                                          </p:stCondLst>
+                                        </p:cTn>
+                                        <p:tgtEl>
+                                          <p:spTgt spid="16"/>
+                                        </p:tgtEl>
+                                        <p:attrNameLst>
+                                          <p:attrName>style.visibility</p:attrName>
+                                        </p:attrNameLst>
+                                      </p:cBhvr>
+                                      <p:to>
+                                        <p:strVal val="visible"/>
+                                      </p:to>
+                                    </p:set>
+                                    <p:animEffect transition="in" filter="fade">
+                                      <p:cBhvr>
+                                        <p:cTn id="50" dur="500"/>
+                                        <p:tgtEl>
+                                          <p:spTgt spid="16"/>
+                                        </p:tgtEl>
+                                      </p:cBhvr>
+                                    </p:animEffect>
+                                  </p:childTnLst>
+                                </p:cTn>
+                              </p:par>
+                              <p:par>
+                                <p:cTn id="51" presetID="10" presetClass="entr" presetSubtype="0" fill="hold" grpId="0" nodeType="withEffect">
+                                  <p:stCondLst>
+                                    <p:cond delay="0"/>
+                                  </p:stCondLst>
+                                  <p:childTnLst>
+                                    <p:set>
+                                      <p:cBhvr>
+                                        <p:cTn id="52" dur="1" fill="hold">
+                                          <p:stCondLst>
+                                            <p:cond delay="0"/>
+                                          </p:stCondLst>
+                                        </p:cTn>
+                                        <p:tgtEl>
+                                          <p:spTgt spid="12"/>
+                                        </p:tgtEl>
+                                        <p:attrNameLst>
+                                          <p:attrName>style.visibility</p:attrName>
+                                        </p:attrNameLst>
+                                      </p:cBhvr>
+                                      <p:to>
+                                        <p:strVal val="visible"/>
+                                      </p:to>
+                                    </p:set>
+                                    <p:animEffect transition="in" filter="fade">
+                                      <p:cBhvr>
+                                        <p:cTn id="53" dur="500"/>
+                                        <p:tgtEl>
+                                          <p:spTgt spid="12"/>
+                                        </p:tgtEl>
+                                      </p:cBhvr>
+                                    </p:animEffect>
+                                  </p:childTnLst>
+                                </p:cTn>
+                              </p:par>
+                              <p:par>
+                                <p:cTn id="54" presetID="10" presetClass="entr" presetSubtype="0" fill="hold" grpId="0" nodeType="withEffect">
+                                  <p:stCondLst>
+                                    <p:cond delay="0"/>
+                                  </p:stCondLst>
+                                  <p:childTnLst>
+                                    <p:set>
+                                      <p:cBhvr>
+                                        <p:cTn id="55" dur="1" fill="hold">
+                                          <p:stCondLst>
+                                            <p:cond delay="0"/>
+                                          </p:stCondLst>
+                                        </p:cTn>
+                                        <p:tgtEl>
+                                          <p:spTgt spid="28"/>
+                                        </p:tgtEl>
+                                        <p:attrNameLst>
+                                          <p:attrName>style.visibility</p:attrName>
+                                        </p:attrNameLst>
+                                      </p:cBhvr>
+                                      <p:to>
+                                        <p:strVal val="visible"/>
+                                      </p:to>
+                                    </p:set>
+                                    <p:animEffect transition="in" filter="fade">
+                                      <p:cBhvr>
+                                        <p:cTn id="56" dur="500"/>
+                                        <p:tgtEl>
+                                          <p:spTgt spid="28"/>
+                                        </p:tgtEl>
+                                      </p:cBhvr>
+                                    </p:animEffect>
+                                  </p:childTnLst>
+                                </p:cTn>
+                              </p:par>
+                              <p:par>
+                                <p:cTn id="57" presetID="10" presetClass="entr" presetSubtype="0" fill="hold" grpId="0" nodeType="withEffect">
+                                  <p:stCondLst>
+                                    <p:cond delay="0"/>
+                                  </p:stCondLst>
+                                  <p:childTnLst>
+                                    <p:set>
+                                      <p:cBhvr>
+                                        <p:cTn id="58" dur="1" fill="hold">
+                                          <p:stCondLst>
+                                            <p:cond delay="0"/>
+                                          </p:stCondLst>
+                                        </p:cTn>
+                                        <p:tgtEl>
+                                          <p:spTgt spid="26"/>
+                                        </p:tgtEl>
+                                        <p:attrNameLst>
+                                          <p:attrName>style.visibility</p:attrName>
+                                        </p:attrNameLst>
+                                      </p:cBhvr>
+                                      <p:to>
+                                        <p:strVal val="visible"/>
+                                      </p:to>
+                                    </p:set>
+                                    <p:animEffect transition="in" filter="fade">
+                                      <p:cBhvr>
+                                        <p:cTn id="59" dur="500"/>
+                                        <p:tgtEl>
+                                          <p:spTgt spid="26"/>
+                                        </p:tgtEl>
+                                      </p:cBhvr>
+                                    </p:animEffect>
+                                  </p:childTnLst>
+                                </p:cTn>
+                              </p:par>
+                              <p:par>
+                                <p:cTn id="60" presetID="10" presetClass="entr" presetSubtype="0" fill="hold" nodeType="withEffect">
+                                  <p:stCondLst>
+                                    <p:cond delay="0"/>
+                                  </p:stCondLst>
+                                  <p:childTnLst>
+                                    <p:set>
+                                      <p:cBhvr>
+                                        <p:cTn id="61" dur="1" fill="hold">
+                                          <p:stCondLst>
+                                            <p:cond delay="0"/>
+                                          </p:stCondLst>
+                                        </p:cTn>
+                                        <p:tgtEl>
+                                          <p:spTgt spid="22"/>
+                                        </p:tgtEl>
+                                        <p:attrNameLst>
+                                          <p:attrName>style.visibility</p:attrName>
+                                        </p:attrNameLst>
+                                      </p:cBhvr>
+                                      <p:to>
+                                        <p:strVal val="visible"/>
+                                      </p:to>
+                                    </p:set>
+                                    <p:animEffect transition="in" filter="fade">
+                                      <p:cBhvr>
+                                        <p:cTn id="62" dur="500"/>
+                                        <p:tgtEl>
+                                          <p:spTgt spid="22"/>
+                                        </p:tgtEl>
+                                      </p:cBhvr>
+                                    </p:animEffect>
+                                  </p:childTnLst>
+                                </p:cTn>
+                              </p:par>
+                              <p:par>
+                                <p:cTn id="63" presetID="10" presetClass="entr" presetSubtype="0" fill="hold" nodeType="withEffect">
+                                  <p:stCondLst>
+                                    <p:cond delay="0"/>
+                                  </p:stCondLst>
+                                  <p:childTnLst>
+                                    <p:set>
+                                      <p:cBhvr>
+                                        <p:cTn id="64" dur="1" fill="hold">
+                                          <p:stCondLst>
+                                            <p:cond delay="0"/>
+                                          </p:stCondLst>
+                                        </p:cTn>
+                                        <p:tgtEl>
+                                          <p:spTgt spid="11"/>
+                                        </p:tgtEl>
+                                        <p:attrNameLst>
+                                          <p:attrName>style.visibility</p:attrName>
+                                        </p:attrNameLst>
+                                      </p:cBhvr>
+                                      <p:to>
+                                        <p:strVal val="visible"/>
+                                      </p:to>
+                                    </p:set>
+                                    <p:animEffect transition="in" filter="fade">
+                                      <p:cBhvr>
+                                        <p:cTn id="65" dur="500"/>
+                                        <p:tgtEl>
+                                          <p:spTgt spid="11"/>
+                                        </p:tgtEl>
+                                      </p:cBhvr>
+                                    </p:animEffect>
+                                  </p:childTnLst>
+                                </p:cTn>
+                              </p:par>
                             </p:childTnLst>
                           </p:cTn>
                         </p:par>
@@ -8069,6 +8917,5631 @@
       <p:bldP spid="18" grpId="0" animBg="1"/>
       <p:bldP spid="3" grpId="0"/>
       <p:bldP spid="10" grpId="0"/>
+      <p:bldP spid="13" grpId="0"/>
+      <p:bldP spid="19" grpId="0"/>
+      <p:bldP spid="12" grpId="0" animBg="1"/>
+      <p:bldP spid="21" grpId="0"/>
+      <p:bldP spid="26" grpId="0" animBg="1"/>
+      <p:bldP spid="28" grpId="0"/>
+    </p:bldLst>
+  </p:timing>
+</p:sld>
+</file>
+
+<file path=ppt/slides/slide5.xml><?xml version="1.0" encoding="utf-8"?>
+<p:sld xmlns:a="http://schemas.openxmlformats.org/drawingml/2006/main" xmlns:r="http://schemas.openxmlformats.org/officeDocument/2006/relationships" xmlns:p="http://schemas.openxmlformats.org/presentationml/2006/main">
+  <p:cSld>
+    <p:spTree>
+      <p:nvGrpSpPr>
+        <p:cNvPr id="1" name=""/>
+        <p:cNvGrpSpPr/>
+        <p:nvPr/>
+      </p:nvGrpSpPr>
+      <p:grpSpPr>
+        <a:xfrm>
+          <a:off x="0" y="0"/>
+          <a:ext cx="0" cy="0"/>
+          <a:chOff x="0" y="0"/>
+          <a:chExt cx="0" cy="0"/>
+        </a:xfrm>
+      </p:grpSpPr>
+      <p:sp>
+        <p:nvSpPr>
+          <p:cNvPr id="157" name="Shape 157"/>
+          <p:cNvSpPr/>
+          <p:nvPr/>
+        </p:nvSpPr>
+        <p:spPr>
+          <a:xfrm>
+            <a:off x="0" y="5692740"/>
+            <a:ext cx="12196520" cy="1168698"/>
+          </a:xfrm>
+          <a:custGeom>
+            <a:avLst/>
+            <a:gdLst/>
+            <a:ahLst/>
+            <a:cxnLst>
+              <a:cxn ang="0">
+                <a:pos x="wd2" y="hd2"/>
+              </a:cxn>
+              <a:cxn ang="5400000">
+                <a:pos x="wd2" y="hd2"/>
+              </a:cxn>
+              <a:cxn ang="10800000">
+                <a:pos x="wd2" y="hd2"/>
+              </a:cxn>
+              <a:cxn ang="16200000">
+                <a:pos x="wd2" y="hd2"/>
+              </a:cxn>
+            </a:cxnLst>
+            <a:rect l="0" t="0" r="r" b="b"/>
+            <a:pathLst>
+              <a:path w="21600" h="21600" extrusionOk="0">
+                <a:moveTo>
+                  <a:pt x="0" y="0"/>
+                </a:moveTo>
+                <a:lnTo>
+                  <a:pt x="21600" y="21600"/>
+                </a:lnTo>
+                <a:lnTo>
+                  <a:pt x="0" y="21600"/>
+                </a:lnTo>
+                <a:close/>
+              </a:path>
+            </a:pathLst>
+          </a:custGeom>
+          <a:solidFill>
+            <a:srgbClr val="2E75B5"/>
+          </a:solidFill>
+          <a:ln w="12700">
+            <a:miter lim="400000"/>
+          </a:ln>
+        </p:spPr>
+        <p:txBody>
+          <a:bodyPr lIns="43371" tIns="43371" rIns="43371" bIns="43371" anchor="ctr"/>
+          <a:lstStyle/>
+          <a:p>
+            <a:pPr defTabSz="867796">
+              <a:defRPr sz="3400">
+                <a:solidFill>
+                  <a:srgbClr val="FFFFFF"/>
+                </a:solidFill>
+                <a:latin typeface="Calibri"/>
+                <a:ea typeface="Calibri"/>
+                <a:cs typeface="Calibri"/>
+                <a:sym typeface="Calibri"/>
+              </a:defRPr>
+            </a:pPr>
+            <a:endParaRPr sz="1700" dirty="0"/>
+          </a:p>
+        </p:txBody>
+      </p:sp>
+      <p:sp>
+        <p:nvSpPr>
+          <p:cNvPr id="158" name="Shape 158"/>
+          <p:cNvSpPr/>
+          <p:nvPr/>
+        </p:nvSpPr>
+        <p:spPr>
+          <a:xfrm flipH="1">
+            <a:off x="4664898" y="6301211"/>
+            <a:ext cx="7527101" cy="560459"/>
+          </a:xfrm>
+          <a:custGeom>
+            <a:avLst/>
+            <a:gdLst/>
+            <a:ahLst/>
+            <a:cxnLst>
+              <a:cxn ang="0">
+                <a:pos x="wd2" y="hd2"/>
+              </a:cxn>
+              <a:cxn ang="5400000">
+                <a:pos x="wd2" y="hd2"/>
+              </a:cxn>
+              <a:cxn ang="10800000">
+                <a:pos x="wd2" y="hd2"/>
+              </a:cxn>
+              <a:cxn ang="16200000">
+                <a:pos x="wd2" y="hd2"/>
+              </a:cxn>
+            </a:cxnLst>
+            <a:rect l="0" t="0" r="r" b="b"/>
+            <a:pathLst>
+              <a:path w="21600" h="21600" extrusionOk="0">
+                <a:moveTo>
+                  <a:pt x="0" y="0"/>
+                </a:moveTo>
+                <a:lnTo>
+                  <a:pt x="21600" y="21600"/>
+                </a:lnTo>
+                <a:lnTo>
+                  <a:pt x="0" y="21600"/>
+                </a:lnTo>
+                <a:close/>
+              </a:path>
+            </a:pathLst>
+          </a:custGeom>
+          <a:solidFill>
+            <a:srgbClr val="7EBF2F">
+              <a:alpha val="72536"/>
+            </a:srgbClr>
+          </a:solidFill>
+          <a:ln w="12700">
+            <a:miter lim="400000"/>
+          </a:ln>
+        </p:spPr>
+        <p:txBody>
+          <a:bodyPr lIns="25400" tIns="25400" rIns="25400" bIns="25400" anchor="ctr"/>
+          <a:lstStyle/>
+          <a:p>
+            <a:pPr>
+              <a:defRPr sz="3200">
+                <a:solidFill>
+                  <a:srgbClr val="FFFFFF"/>
+                </a:solidFill>
+                <a:latin typeface="Helvetica Light"/>
+                <a:ea typeface="Helvetica Light"/>
+                <a:cs typeface="Helvetica Light"/>
+                <a:sym typeface="Helvetica Light"/>
+              </a:defRPr>
+            </a:pPr>
+            <a:endParaRPr sz="1600"/>
+          </a:p>
+        </p:txBody>
+      </p:sp>
+      <p:sp>
+        <p:nvSpPr>
+          <p:cNvPr id="17" name="Shape 281">
+            <a:extLst>
+              <a:ext uri="{FF2B5EF4-FFF2-40B4-BE49-F238E27FC236}">
+                <a16:creationId xmlns:a16="http://schemas.microsoft.com/office/drawing/2014/main" id="{540302EC-6EA3-4B8C-9941-34877E3223C7}"/>
+              </a:ext>
+            </a:extLst>
+          </p:cNvPr>
+          <p:cNvSpPr/>
+          <p:nvPr/>
+        </p:nvSpPr>
+        <p:spPr>
+          <a:xfrm>
+            <a:off x="441430" y="343380"/>
+            <a:ext cx="11025069" cy="543739"/>
+          </a:xfrm>
+          <a:prstGeom prst="rect">
+            <a:avLst/>
+          </a:prstGeom>
+          <a:ln w="12700">
+            <a:miter lim="400000"/>
+          </a:ln>
+          <a:extLst>
+            <a:ext uri="{C572A759-6A51-4108-AA02-DFA0A04FC94B}">
+              <ma14:wrappingTextBoxFlag xmlns="" xmlns:ma14="http://schemas.microsoft.com/office/mac/drawingml/2011/main" val="1"/>
+            </a:ext>
+          </a:extLst>
+        </p:spPr>
+        <p:txBody>
+          <a:bodyPr wrap="none" lIns="25400" tIns="25400" rIns="25400" bIns="25400" anchor="ctr">
+            <a:spAutoFit/>
+          </a:bodyPr>
+          <a:lstStyle>
+            <a:lvl1pPr>
+              <a:defRPr sz="9600">
+                <a:solidFill>
+                  <a:srgbClr val="000000"/>
+                </a:solidFill>
+                <a:latin typeface="Heiti SC Medium"/>
+                <a:ea typeface="Heiti SC Medium"/>
+                <a:cs typeface="Heiti SC Medium"/>
+                <a:sym typeface="Heiti SC Medium"/>
+              </a:defRPr>
+            </a:lvl1pPr>
+          </a:lstStyle>
+          <a:p>
+            <a:r>
+              <a:rPr lang="en-US" altLang="zh-CN" sz="3200" dirty="0">
+                <a:latin typeface="Open Sans ExtraBold" panose="020B0906030804020204" pitchFamily="34" charset="0"/>
+                <a:ea typeface="Open Sans ExtraBold" panose="020B0906030804020204" pitchFamily="34" charset="0"/>
+                <a:cs typeface="Open Sans ExtraBold" panose="020B0906030804020204" pitchFamily="34" charset="0"/>
+              </a:rPr>
+              <a:t>Boundary Constraint and Contextual Regularization</a:t>
+            </a:r>
+          </a:p>
+        </p:txBody>
+      </p:sp>
+      <p:sp>
+        <p:nvSpPr>
+          <p:cNvPr id="18" name="Shape 337">
+            <a:extLst>
+              <a:ext uri="{FF2B5EF4-FFF2-40B4-BE49-F238E27FC236}">
+                <a16:creationId xmlns:a16="http://schemas.microsoft.com/office/drawing/2014/main" id="{E5A8EBA0-E223-4689-80EC-BF3239A1EEAF}"/>
+              </a:ext>
+            </a:extLst>
+          </p:cNvPr>
+          <p:cNvSpPr/>
+          <p:nvPr/>
+        </p:nvSpPr>
+        <p:spPr>
+          <a:xfrm>
+            <a:off x="510537" y="1049091"/>
+            <a:ext cx="10967429" cy="52112"/>
+          </a:xfrm>
+          <a:prstGeom prst="rect">
+            <a:avLst/>
+          </a:prstGeom>
+          <a:solidFill>
+            <a:srgbClr val="2E75B5"/>
+          </a:solidFill>
+          <a:ln w="12700">
+            <a:miter lim="400000"/>
+          </a:ln>
+        </p:spPr>
+        <p:txBody>
+          <a:bodyPr lIns="43371" tIns="43371" rIns="43371" bIns="43371" anchor="ctr"/>
+          <a:lstStyle/>
+          <a:p>
+            <a:pPr defTabSz="867796">
+              <a:defRPr sz="3400">
+                <a:solidFill>
+                  <a:srgbClr val="FFFFFF"/>
+                </a:solidFill>
+                <a:latin typeface="Calibri"/>
+                <a:ea typeface="Calibri"/>
+                <a:cs typeface="Calibri"/>
+                <a:sym typeface="Calibri"/>
+              </a:defRPr>
+            </a:pPr>
+            <a:endParaRPr sz="1700">
+              <a:latin typeface="Open Sans ExtraBold" panose="020B0906030804020204" pitchFamily="34" charset="0"/>
+              <a:ea typeface="Open Sans ExtraBold" panose="020B0906030804020204" pitchFamily="34" charset="0"/>
+              <a:cs typeface="Open Sans ExtraBold" panose="020B0906030804020204" pitchFamily="34" charset="0"/>
+            </a:endParaRPr>
+          </a:p>
+        </p:txBody>
+      </p:sp>
+      <p:sp>
+        <p:nvSpPr>
+          <p:cNvPr id="3" name="文本框 2">
+            <a:extLst>
+              <a:ext uri="{FF2B5EF4-FFF2-40B4-BE49-F238E27FC236}">
+                <a16:creationId xmlns:a16="http://schemas.microsoft.com/office/drawing/2014/main" id="{D4C67F39-7201-41BD-83DF-97922C35A9E3}"/>
+              </a:ext>
+            </a:extLst>
+          </p:cNvPr>
+          <p:cNvSpPr txBox="1"/>
+          <p:nvPr/>
+        </p:nvSpPr>
+        <p:spPr>
+          <a:xfrm>
+            <a:off x="510537" y="1484894"/>
+            <a:ext cx="3785011" cy="369332"/>
+          </a:xfrm>
+          <a:prstGeom prst="rect">
+            <a:avLst/>
+          </a:prstGeom>
+          <a:noFill/>
+        </p:spPr>
+        <p:txBody>
+          <a:bodyPr wrap="none" rtlCol="0">
+            <a:spAutoFit/>
+          </a:bodyPr>
+          <a:lstStyle/>
+          <a:p>
+            <a:r>
+              <a:rPr lang="en-US" altLang="zh-CN" b="1" dirty="0">
+                <a:latin typeface="Georgia" panose="02040502050405020303" pitchFamily="18" charset="0"/>
+              </a:rPr>
+              <a:t>Once t(x) and A are estimated:</a:t>
+            </a:r>
+            <a:endParaRPr lang="zh-CN" altLang="en-US" b="1" dirty="0">
+              <a:latin typeface="Georgia" panose="02040502050405020303" pitchFamily="18" charset="0"/>
+            </a:endParaRPr>
+          </a:p>
+        </p:txBody>
+      </p:sp>
+      <p:pic>
+        <p:nvPicPr>
+          <p:cNvPr id="7" name="图片 6">
+            <a:extLst>
+              <a:ext uri="{FF2B5EF4-FFF2-40B4-BE49-F238E27FC236}">
+                <a16:creationId xmlns:a16="http://schemas.microsoft.com/office/drawing/2014/main" id="{500CD065-0827-4135-9722-9F160A0A9C5E}"/>
+              </a:ext>
+            </a:extLst>
+          </p:cNvPr>
+          <p:cNvPicPr>
+            <a:picLocks noChangeAspect="1"/>
+          </p:cNvPicPr>
+          <p:nvPr/>
+        </p:nvPicPr>
+        <p:blipFill>
+          <a:blip r:embed="rId2"/>
+          <a:stretch>
+            <a:fillRect/>
+          </a:stretch>
+        </p:blipFill>
+        <p:spPr>
+          <a:xfrm>
+            <a:off x="830628" y="1905325"/>
+            <a:ext cx="3139495" cy="799745"/>
+          </a:xfrm>
+          <a:prstGeom prst="rect">
+            <a:avLst/>
+          </a:prstGeom>
+        </p:spPr>
+      </p:pic>
+      <p:grpSp>
+        <p:nvGrpSpPr>
+          <p:cNvPr id="23" name="组合 22">
+            <a:extLst>
+              <a:ext uri="{FF2B5EF4-FFF2-40B4-BE49-F238E27FC236}">
+                <a16:creationId xmlns:a16="http://schemas.microsoft.com/office/drawing/2014/main" id="{708D0C47-71F9-404C-AA3C-FC21BC816413}"/>
+              </a:ext>
+            </a:extLst>
+          </p:cNvPr>
+          <p:cNvGrpSpPr/>
+          <p:nvPr/>
+        </p:nvGrpSpPr>
+        <p:grpSpPr>
+          <a:xfrm>
+            <a:off x="7896454" y="1509340"/>
+            <a:ext cx="3615868" cy="3716668"/>
+            <a:chOff x="7042244" y="1495590"/>
+            <a:chExt cx="3615868" cy="3716668"/>
+          </a:xfrm>
+        </p:grpSpPr>
+        <p:sp>
+          <p:nvSpPr>
+            <p:cNvPr id="15" name="矩形 14">
+              <a:extLst>
+                <a:ext uri="{FF2B5EF4-FFF2-40B4-BE49-F238E27FC236}">
+                  <a16:creationId xmlns:a16="http://schemas.microsoft.com/office/drawing/2014/main" id="{49619E14-1C2E-48C1-8231-8481CF169AB4}"/>
+                </a:ext>
+              </a:extLst>
+            </p:cNvPr>
+            <p:cNvSpPr/>
+            <p:nvPr/>
+          </p:nvSpPr>
+          <p:spPr>
+            <a:xfrm>
+              <a:off x="7287116" y="1728632"/>
+              <a:ext cx="3370996" cy="3483626"/>
+            </a:xfrm>
+            <a:prstGeom prst="rect">
+              <a:avLst/>
+            </a:prstGeom>
+            <a:ln>
+              <a:noFill/>
+            </a:ln>
+            <a:effectLst>
+              <a:outerShdw blurRad="50800" dist="38100" dir="2700000" algn="tl" rotWithShape="0">
+                <a:prstClr val="black">
+                  <a:alpha val="40000"/>
+                </a:prstClr>
+              </a:outerShdw>
+            </a:effectLst>
+          </p:spPr>
+          <p:style>
+            <a:lnRef idx="2">
+              <a:schemeClr val="accent1">
+                <a:shade val="50000"/>
+              </a:schemeClr>
+            </a:lnRef>
+            <a:fillRef idx="1">
+              <a:schemeClr val="accent1"/>
+            </a:fillRef>
+            <a:effectRef idx="0">
+              <a:schemeClr val="accent1"/>
+            </a:effectRef>
+            <a:fontRef idx="minor">
+              <a:schemeClr val="lt1"/>
+            </a:fontRef>
+          </p:style>
+          <p:txBody>
+            <a:bodyPr rtlCol="0" anchor="ctr"/>
+            <a:lstStyle/>
+            <a:p>
+              <a:pPr algn="ctr"/>
+              <a:endParaRPr lang="zh-CN" altLang="en-US"/>
+            </a:p>
+          </p:txBody>
+        </p:sp>
+        <p:grpSp>
+          <p:nvGrpSpPr>
+            <p:cNvPr id="20" name="组合 19">
+              <a:extLst>
+                <a:ext uri="{FF2B5EF4-FFF2-40B4-BE49-F238E27FC236}">
+                  <a16:creationId xmlns:a16="http://schemas.microsoft.com/office/drawing/2014/main" id="{7493A05B-934C-458E-B922-CF162BB6A099}"/>
+                </a:ext>
+              </a:extLst>
+            </p:cNvPr>
+            <p:cNvGrpSpPr/>
+            <p:nvPr/>
+          </p:nvGrpSpPr>
+          <p:grpSpPr>
+            <a:xfrm>
+              <a:off x="7042244" y="1495590"/>
+              <a:ext cx="3370998" cy="3483626"/>
+              <a:chOff x="7042244" y="1495590"/>
+              <a:chExt cx="3370998" cy="3483626"/>
+            </a:xfrm>
+            <a:effectLst>
+              <a:outerShdw blurRad="50800" dist="38100" dir="2700000" algn="tl" rotWithShape="0">
+                <a:prstClr val="black">
+                  <a:alpha val="40000"/>
+                </a:prstClr>
+              </a:outerShdw>
+            </a:effectLst>
+          </p:grpSpPr>
+          <p:sp>
+            <p:nvSpPr>
+              <p:cNvPr id="27" name="矩形 26">
+                <a:extLst>
+                  <a:ext uri="{FF2B5EF4-FFF2-40B4-BE49-F238E27FC236}">
+                    <a16:creationId xmlns:a16="http://schemas.microsoft.com/office/drawing/2014/main" id="{0FF65550-1DD9-45F9-A081-B832C99310F8}"/>
+                  </a:ext>
+                </a:extLst>
+              </p:cNvPr>
+              <p:cNvSpPr/>
+              <p:nvPr/>
+            </p:nvSpPr>
+            <p:spPr>
+              <a:xfrm>
+                <a:off x="7042244" y="1495590"/>
+                <a:ext cx="3370997" cy="3483626"/>
+              </a:xfrm>
+              <a:prstGeom prst="rect">
+                <a:avLst/>
+              </a:prstGeom>
+              <a:solidFill>
+                <a:srgbClr val="68AB54"/>
+              </a:solidFill>
+              <a:ln>
+                <a:noFill/>
+              </a:ln>
+            </p:spPr>
+            <p:style>
+              <a:lnRef idx="2">
+                <a:schemeClr val="accent1">
+                  <a:shade val="50000"/>
+                </a:schemeClr>
+              </a:lnRef>
+              <a:fillRef idx="1">
+                <a:schemeClr val="accent1"/>
+              </a:fillRef>
+              <a:effectRef idx="0">
+                <a:schemeClr val="accent1"/>
+              </a:effectRef>
+              <a:fontRef idx="minor">
+                <a:schemeClr val="lt1"/>
+              </a:fontRef>
+            </p:style>
+            <p:txBody>
+              <a:bodyPr rtlCol="0" anchor="ctr"/>
+              <a:lstStyle/>
+              <a:p>
+                <a:pPr algn="ctr"/>
+                <a:endParaRPr lang="zh-CN" altLang="en-US">
+                  <a:solidFill>
+                    <a:srgbClr val="68AB54"/>
+                  </a:solidFill>
+                </a:endParaRPr>
+              </a:p>
+            </p:txBody>
+          </p:sp>
+          <p:pic>
+            <p:nvPicPr>
+              <p:cNvPr id="14" name="图片 13">
+                <a:extLst>
+                  <a:ext uri="{FF2B5EF4-FFF2-40B4-BE49-F238E27FC236}">
+                    <a16:creationId xmlns:a16="http://schemas.microsoft.com/office/drawing/2014/main" id="{37FB4818-A38E-4FC3-B7E5-E1DF0CCD8B06}"/>
+                  </a:ext>
+                </a:extLst>
+              </p:cNvPr>
+              <p:cNvPicPr>
+                <a:picLocks noChangeAspect="1"/>
+              </p:cNvPicPr>
+              <p:nvPr/>
+            </p:nvPicPr>
+            <p:blipFill>
+              <a:blip r:embed="rId3"/>
+              <a:stretch>
+                <a:fillRect/>
+              </a:stretch>
+            </p:blipFill>
+            <p:spPr>
+              <a:xfrm>
+                <a:off x="7287115" y="1731615"/>
+                <a:ext cx="3126127" cy="3244991"/>
+              </a:xfrm>
+              <a:prstGeom prst="rect">
+                <a:avLst/>
+              </a:prstGeom>
+              <a:ln>
+                <a:noFill/>
+              </a:ln>
+            </p:spPr>
+          </p:pic>
+        </p:grpSp>
+      </p:grpSp>
+      <p:pic>
+        <p:nvPicPr>
+          <p:cNvPr id="25" name="图片 24">
+            <a:extLst>
+              <a:ext uri="{FF2B5EF4-FFF2-40B4-BE49-F238E27FC236}">
+                <a16:creationId xmlns:a16="http://schemas.microsoft.com/office/drawing/2014/main" id="{338C021C-F50C-477C-812A-EEA6048B8884}"/>
+              </a:ext>
+            </a:extLst>
+          </p:cNvPr>
+          <p:cNvPicPr>
+            <a:picLocks noChangeAspect="1"/>
+          </p:cNvPicPr>
+          <p:nvPr/>
+        </p:nvPicPr>
+        <p:blipFill>
+          <a:blip r:embed="rId4"/>
+          <a:stretch>
+            <a:fillRect/>
+          </a:stretch>
+        </p:blipFill>
+        <p:spPr>
+          <a:xfrm>
+            <a:off x="722477" y="3426132"/>
+            <a:ext cx="2568588" cy="312624"/>
+          </a:xfrm>
+          <a:prstGeom prst="rect">
+            <a:avLst/>
+          </a:prstGeom>
+        </p:spPr>
+      </p:pic>
+      <p:pic>
+        <p:nvPicPr>
+          <p:cNvPr id="30" name="图片 29">
+            <a:extLst>
+              <a:ext uri="{FF2B5EF4-FFF2-40B4-BE49-F238E27FC236}">
+                <a16:creationId xmlns:a16="http://schemas.microsoft.com/office/drawing/2014/main" id="{B097E796-9822-4A52-8F8F-6CB222397278}"/>
+              </a:ext>
+            </a:extLst>
+          </p:cNvPr>
+          <p:cNvPicPr>
+            <a:picLocks noChangeAspect="1"/>
+          </p:cNvPicPr>
+          <p:nvPr/>
+        </p:nvPicPr>
+        <p:blipFill>
+          <a:blip r:embed="rId5"/>
+          <a:stretch>
+            <a:fillRect/>
+          </a:stretch>
+        </p:blipFill>
+        <p:spPr>
+          <a:xfrm>
+            <a:off x="722477" y="3785147"/>
+            <a:ext cx="2428571" cy="428571"/>
+          </a:xfrm>
+          <a:prstGeom prst="rect">
+            <a:avLst/>
+          </a:prstGeom>
+        </p:spPr>
+      </p:pic>
+      <p:sp>
+        <p:nvSpPr>
+          <p:cNvPr id="34" name="文本框 33">
+            <a:extLst>
+              <a:ext uri="{FF2B5EF4-FFF2-40B4-BE49-F238E27FC236}">
+                <a16:creationId xmlns:a16="http://schemas.microsoft.com/office/drawing/2014/main" id="{1320F163-9615-41B5-886C-2C53AF8F9110}"/>
+              </a:ext>
+            </a:extLst>
+          </p:cNvPr>
+          <p:cNvSpPr txBox="1"/>
+          <p:nvPr/>
+        </p:nvSpPr>
+        <p:spPr>
+          <a:xfrm>
+            <a:off x="510537" y="2940785"/>
+            <a:ext cx="2829100" cy="369332"/>
+          </a:xfrm>
+          <a:prstGeom prst="rect">
+            <a:avLst/>
+          </a:prstGeom>
+          <a:noFill/>
+        </p:spPr>
+        <p:txBody>
+          <a:bodyPr wrap="square" rtlCol="0">
+            <a:spAutoFit/>
+          </a:bodyPr>
+          <a:lstStyle/>
+          <a:p>
+            <a:r>
+              <a:rPr lang="en-US" altLang="zh-CN" b="1" dirty="0">
+                <a:latin typeface="Georgia" panose="02040502050405020303" pitchFamily="18" charset="0"/>
+              </a:rPr>
+              <a:t>Boundary constraint</a:t>
+            </a:r>
+            <a:r>
+              <a:rPr lang="zh-CN" altLang="en-US" b="1" dirty="0">
+                <a:latin typeface="Georgia" panose="02040502050405020303" pitchFamily="18" charset="0"/>
+              </a:rPr>
+              <a:t>：</a:t>
+            </a:r>
+          </a:p>
+        </p:txBody>
+      </p:sp>
+      <p:pic>
+        <p:nvPicPr>
+          <p:cNvPr id="32" name="图片 31">
+            <a:extLst>
+              <a:ext uri="{FF2B5EF4-FFF2-40B4-BE49-F238E27FC236}">
+                <a16:creationId xmlns:a16="http://schemas.microsoft.com/office/drawing/2014/main" id="{25365730-5632-4FD5-B70A-C1F7D9335EFF}"/>
+              </a:ext>
+            </a:extLst>
+          </p:cNvPr>
+          <p:cNvPicPr>
+            <a:picLocks noChangeAspect="1"/>
+          </p:cNvPicPr>
+          <p:nvPr/>
+        </p:nvPicPr>
+        <p:blipFill>
+          <a:blip r:embed="rId6"/>
+          <a:stretch>
+            <a:fillRect/>
+          </a:stretch>
+        </p:blipFill>
+        <p:spPr>
+          <a:xfrm>
+            <a:off x="510537" y="4257700"/>
+            <a:ext cx="3865083" cy="501576"/>
+          </a:xfrm>
+          <a:prstGeom prst="rect">
+            <a:avLst/>
+          </a:prstGeom>
+        </p:spPr>
+      </p:pic>
+      <p:sp>
+        <p:nvSpPr>
+          <p:cNvPr id="33" name="文本框 32">
+            <a:extLst>
+              <a:ext uri="{FF2B5EF4-FFF2-40B4-BE49-F238E27FC236}">
+                <a16:creationId xmlns:a16="http://schemas.microsoft.com/office/drawing/2014/main" id="{0A5ADE4B-1178-4263-A6AB-2D87648D046C}"/>
+              </a:ext>
+            </a:extLst>
+          </p:cNvPr>
+          <p:cNvSpPr txBox="1"/>
+          <p:nvPr/>
+        </p:nvSpPr>
+        <p:spPr>
+          <a:xfrm>
+            <a:off x="405493" y="770327"/>
+            <a:ext cx="4560672" cy="338554"/>
+          </a:xfrm>
+          <a:prstGeom prst="rect">
+            <a:avLst/>
+          </a:prstGeom>
+          <a:noFill/>
+        </p:spPr>
+        <p:txBody>
+          <a:bodyPr wrap="none" rtlCol="0">
+            <a:spAutoFit/>
+          </a:bodyPr>
+          <a:lstStyle/>
+          <a:p>
+            <a:r>
+              <a:rPr lang="en-US" altLang="zh-CN" sz="1600" dirty="0">
+                <a:solidFill>
+                  <a:schemeClr val="bg1">
+                    <a:lumMod val="50000"/>
+                  </a:schemeClr>
+                </a:solidFill>
+                <a:latin typeface="Open Sans ExtraBold" panose="020B0906030804020204" pitchFamily="34" charset="0"/>
+                <a:ea typeface="Open Sans ExtraBold" panose="020B0906030804020204" pitchFamily="34" charset="0"/>
+                <a:cs typeface="Open Sans ExtraBold" panose="020B0906030804020204" pitchFamily="34" charset="0"/>
+              </a:rPr>
+              <a:t>Boundary Constraint from Radiance Cube</a:t>
+            </a:r>
+            <a:endParaRPr lang="zh-CN" altLang="en-US" sz="1600" dirty="0">
+              <a:solidFill>
+                <a:schemeClr val="bg1">
+                  <a:lumMod val="50000"/>
+                </a:schemeClr>
+              </a:solidFill>
+              <a:latin typeface="Open Sans ExtraBold" panose="020B0906030804020204" pitchFamily="34" charset="0"/>
+              <a:cs typeface="Open Sans ExtraBold" panose="020B0906030804020204" pitchFamily="34" charset="0"/>
+            </a:endParaRPr>
+          </a:p>
+        </p:txBody>
+      </p:sp>
+      <p:sp>
+        <p:nvSpPr>
+          <p:cNvPr id="39" name="文本框 38">
+            <a:extLst>
+              <a:ext uri="{FF2B5EF4-FFF2-40B4-BE49-F238E27FC236}">
+                <a16:creationId xmlns:a16="http://schemas.microsoft.com/office/drawing/2014/main" id="{0DA61485-C68C-43A7-80DD-51D3C992D93E}"/>
+              </a:ext>
+            </a:extLst>
+          </p:cNvPr>
+          <p:cNvSpPr txBox="1"/>
+          <p:nvPr/>
+        </p:nvSpPr>
+        <p:spPr>
+          <a:xfrm>
+            <a:off x="4618739" y="3343936"/>
+            <a:ext cx="3231891" cy="338554"/>
+          </a:xfrm>
+          <a:prstGeom prst="rect">
+            <a:avLst/>
+          </a:prstGeom>
+          <a:noFill/>
+        </p:spPr>
+        <p:txBody>
+          <a:bodyPr wrap="square">
+            <a:spAutoFit/>
+          </a:bodyPr>
+          <a:lstStyle>
+            <a:defPPr>
+              <a:defRPr lang="zh-CN"/>
+            </a:defPPr>
+            <a:lvl1pPr>
+              <a:defRPr sz="1600">
+                <a:solidFill>
+                  <a:schemeClr val="accent5">
+                    <a:lumMod val="75000"/>
+                  </a:schemeClr>
+                </a:solidFill>
+                <a:latin typeface="Times New Roman" panose="02020603050405020304" pitchFamily="18" charset="0"/>
+                <a:cs typeface="Times New Roman" panose="02020603050405020304" pitchFamily="18" charset="0"/>
+              </a:defRPr>
+            </a:lvl1pPr>
+          </a:lstStyle>
+          <a:p>
+            <a:r>
+              <a:rPr lang="en-US" altLang="zh-CN" dirty="0"/>
+              <a:t>The new patch-wise transmission</a:t>
+            </a:r>
+            <a:endParaRPr lang="zh-CN" altLang="en-US" dirty="0"/>
+          </a:p>
+        </p:txBody>
+      </p:sp>
+      <p:sp>
+        <p:nvSpPr>
+          <p:cNvPr id="40" name="箭头: 下 39">
+            <a:extLst>
+              <a:ext uri="{FF2B5EF4-FFF2-40B4-BE49-F238E27FC236}">
+                <a16:creationId xmlns:a16="http://schemas.microsoft.com/office/drawing/2014/main" id="{72CBEE96-C8A9-479C-9D6D-1E8B5137DDBF}"/>
+              </a:ext>
+            </a:extLst>
+          </p:cNvPr>
+          <p:cNvSpPr/>
+          <p:nvPr/>
+        </p:nvSpPr>
+        <p:spPr>
+          <a:xfrm rot="16200000">
+            <a:off x="4154860" y="2960430"/>
+            <a:ext cx="281376" cy="269608"/>
+          </a:xfrm>
+          <a:prstGeom prst="downArrow">
+            <a:avLst/>
+          </a:prstGeom>
+        </p:spPr>
+        <p:style>
+          <a:lnRef idx="2">
+            <a:schemeClr val="dk1">
+              <a:shade val="50000"/>
+            </a:schemeClr>
+          </a:lnRef>
+          <a:fillRef idx="1">
+            <a:schemeClr val="dk1"/>
+          </a:fillRef>
+          <a:effectRef idx="0">
+            <a:schemeClr val="dk1"/>
+          </a:effectRef>
+          <a:fontRef idx="minor">
+            <a:schemeClr val="lt1"/>
+          </a:fontRef>
+        </p:style>
+        <p:txBody>
+          <a:bodyPr rtlCol="0" anchor="ctr"/>
+          <a:lstStyle/>
+          <a:p>
+            <a:pPr algn="ctr"/>
+            <a:endParaRPr lang="zh-CN" altLang="en-US">
+              <a:ln w="0"/>
+              <a:solidFill>
+                <a:schemeClr val="tx1"/>
+              </a:solidFill>
+              <a:effectLst>
+                <a:outerShdw blurRad="38100" dist="19050" dir="2700000" algn="tl" rotWithShape="0">
+                  <a:schemeClr val="dk1">
+                    <a:alpha val="40000"/>
+                  </a:schemeClr>
+                </a:outerShdw>
+              </a:effectLst>
+            </a:endParaRPr>
+          </a:p>
+        </p:txBody>
+      </p:sp>
+      <p:pic>
+        <p:nvPicPr>
+          <p:cNvPr id="37" name="图片 36">
+            <a:extLst>
+              <a:ext uri="{FF2B5EF4-FFF2-40B4-BE49-F238E27FC236}">
+                <a16:creationId xmlns:a16="http://schemas.microsoft.com/office/drawing/2014/main" id="{6233033C-A537-445E-9DE2-28FC3DB7EEA1}"/>
+              </a:ext>
+            </a:extLst>
+          </p:cNvPr>
+          <p:cNvPicPr>
+            <a:picLocks noChangeAspect="1"/>
+          </p:cNvPicPr>
+          <p:nvPr/>
+        </p:nvPicPr>
+        <p:blipFill>
+          <a:blip r:embed="rId7"/>
+          <a:stretch>
+            <a:fillRect/>
+          </a:stretch>
+        </p:blipFill>
+        <p:spPr>
+          <a:xfrm>
+            <a:off x="4830233" y="2781569"/>
+            <a:ext cx="2389912" cy="576875"/>
+          </a:xfrm>
+          <a:prstGeom prst="rect">
+            <a:avLst/>
+          </a:prstGeom>
+        </p:spPr>
+      </p:pic>
+    </p:spTree>
+    <p:extLst>
+      <p:ext uri="{BB962C8B-B14F-4D97-AF65-F5344CB8AC3E}">
+        <p14:creationId xmlns:p14="http://schemas.microsoft.com/office/powerpoint/2010/main" val="3293501"/>
+      </p:ext>
+    </p:extLst>
+  </p:cSld>
+  <p:clrMapOvr>
+    <a:masterClrMapping/>
+  </p:clrMapOvr>
+  <mc:AlternateContent xmlns:mc="http://schemas.openxmlformats.org/markup-compatibility/2006" xmlns:p14="http://schemas.microsoft.com/office/powerpoint/2010/main">
+    <mc:Choice Requires="p14">
+      <p:transition p14:dur="300">
+        <p:fade/>
+      </p:transition>
+    </mc:Choice>
+    <mc:Fallback xmlns="">
+      <p:transition>
+        <p:fade/>
+      </p:transition>
+    </mc:Fallback>
+  </mc:AlternateContent>
+  <p:timing>
+    <p:tnLst>
+      <p:par>
+        <p:cTn id="1" dur="indefinite" restart="never" nodeType="tmRoot">
+          <p:childTnLst>
+            <p:seq concurrent="1" nextAc="seek">
+              <p:cTn id="2" dur="indefinite" nodeType="mainSeq">
+                <p:childTnLst>
+                  <p:par>
+                    <p:cTn id="3" fill="hold">
+                      <p:stCondLst>
+                        <p:cond delay="indefinite"/>
+                        <p:cond evt="onBegin" delay="0">
+                          <p:tn val="2"/>
+                        </p:cond>
+                      </p:stCondLst>
+                      <p:childTnLst>
+                        <p:par>
+                          <p:cTn id="4" fill="hold">
+                            <p:stCondLst>
+                              <p:cond delay="0"/>
+                            </p:stCondLst>
+                            <p:childTnLst>
+                              <p:par>
+                                <p:cTn id="5" presetID="2" presetClass="entr" presetSubtype="8" decel="100000" fill="hold" grpId="0" nodeType="withEffect">
+                                  <p:stCondLst>
+                                    <p:cond delay="0"/>
+                                  </p:stCondLst>
+                                  <p:childTnLst>
+                                    <p:set>
+                                      <p:cBhvr>
+                                        <p:cTn id="6" dur="1" fill="hold">
+                                          <p:stCondLst>
+                                            <p:cond delay="0"/>
+                                          </p:stCondLst>
+                                        </p:cTn>
+                                        <p:tgtEl>
+                                          <p:spTgt spid="157"/>
+                                        </p:tgtEl>
+                                        <p:attrNameLst>
+                                          <p:attrName>style.visibility</p:attrName>
+                                        </p:attrNameLst>
+                                      </p:cBhvr>
+                                      <p:to>
+                                        <p:strVal val="visible"/>
+                                      </p:to>
+                                    </p:set>
+                                    <p:anim calcmode="lin" valueType="num">
+                                      <p:cBhvr additive="base">
+                                        <p:cTn id="7" dur="500" fill="hold"/>
+                                        <p:tgtEl>
+                                          <p:spTgt spid="157"/>
+                                        </p:tgtEl>
+                                        <p:attrNameLst>
+                                          <p:attrName>ppt_x</p:attrName>
+                                        </p:attrNameLst>
+                                      </p:cBhvr>
+                                      <p:tavLst>
+                                        <p:tav tm="0">
+                                          <p:val>
+                                            <p:strVal val="0-#ppt_w/2"/>
+                                          </p:val>
+                                        </p:tav>
+                                        <p:tav tm="100000">
+                                          <p:val>
+                                            <p:strVal val="#ppt_x"/>
+                                          </p:val>
+                                        </p:tav>
+                                      </p:tavLst>
+                                    </p:anim>
+                                    <p:anim calcmode="lin" valueType="num">
+                                      <p:cBhvr additive="base">
+                                        <p:cTn id="8" dur="500" fill="hold"/>
+                                        <p:tgtEl>
+                                          <p:spTgt spid="157"/>
+                                        </p:tgtEl>
+                                        <p:attrNameLst>
+                                          <p:attrName>ppt_y</p:attrName>
+                                        </p:attrNameLst>
+                                      </p:cBhvr>
+                                      <p:tavLst>
+                                        <p:tav tm="0">
+                                          <p:val>
+                                            <p:strVal val="#ppt_y"/>
+                                          </p:val>
+                                        </p:tav>
+                                        <p:tav tm="100000">
+                                          <p:val>
+                                            <p:strVal val="#ppt_y"/>
+                                          </p:val>
+                                        </p:tav>
+                                      </p:tavLst>
+                                    </p:anim>
+                                  </p:childTnLst>
+                                </p:cTn>
+                              </p:par>
+                              <p:par>
+                                <p:cTn id="9" presetID="2" presetClass="entr" presetSubtype="2" decel="100000" fill="hold" grpId="0" nodeType="withEffect">
+                                  <p:stCondLst>
+                                    <p:cond delay="0"/>
+                                  </p:stCondLst>
+                                  <p:childTnLst>
+                                    <p:set>
+                                      <p:cBhvr>
+                                        <p:cTn id="10" dur="1" fill="hold">
+                                          <p:stCondLst>
+                                            <p:cond delay="0"/>
+                                          </p:stCondLst>
+                                        </p:cTn>
+                                        <p:tgtEl>
+                                          <p:spTgt spid="158"/>
+                                        </p:tgtEl>
+                                        <p:attrNameLst>
+                                          <p:attrName>style.visibility</p:attrName>
+                                        </p:attrNameLst>
+                                      </p:cBhvr>
+                                      <p:to>
+                                        <p:strVal val="visible"/>
+                                      </p:to>
+                                    </p:set>
+                                    <p:anim calcmode="lin" valueType="num">
+                                      <p:cBhvr additive="base">
+                                        <p:cTn id="11" dur="500" fill="hold"/>
+                                        <p:tgtEl>
+                                          <p:spTgt spid="158"/>
+                                        </p:tgtEl>
+                                        <p:attrNameLst>
+                                          <p:attrName>ppt_x</p:attrName>
+                                        </p:attrNameLst>
+                                      </p:cBhvr>
+                                      <p:tavLst>
+                                        <p:tav tm="0">
+                                          <p:val>
+                                            <p:strVal val="1+#ppt_w/2"/>
+                                          </p:val>
+                                        </p:tav>
+                                        <p:tav tm="100000">
+                                          <p:val>
+                                            <p:strVal val="#ppt_x"/>
+                                          </p:val>
+                                        </p:tav>
+                                      </p:tavLst>
+                                    </p:anim>
+                                    <p:anim calcmode="lin" valueType="num">
+                                      <p:cBhvr additive="base">
+                                        <p:cTn id="12" dur="500" fill="hold"/>
+                                        <p:tgtEl>
+                                          <p:spTgt spid="158"/>
+                                        </p:tgtEl>
+                                        <p:attrNameLst>
+                                          <p:attrName>ppt_y</p:attrName>
+                                        </p:attrNameLst>
+                                      </p:cBhvr>
+                                      <p:tavLst>
+                                        <p:tav tm="0">
+                                          <p:val>
+                                            <p:strVal val="#ppt_y"/>
+                                          </p:val>
+                                        </p:tav>
+                                        <p:tav tm="100000">
+                                          <p:val>
+                                            <p:strVal val="#ppt_y"/>
+                                          </p:val>
+                                        </p:tav>
+                                      </p:tavLst>
+                                    </p:anim>
+                                  </p:childTnLst>
+                                </p:cTn>
+                              </p:par>
+                              <p:par>
+                                <p:cTn id="13" presetID="22" presetClass="entr" presetSubtype="8" fill="hold" grpId="0" nodeType="withEffect">
+                                  <p:stCondLst>
+                                    <p:cond delay="0"/>
+                                  </p:stCondLst>
+                                  <p:childTnLst>
+                                    <p:set>
+                                      <p:cBhvr>
+                                        <p:cTn id="14" dur="1" fill="hold">
+                                          <p:stCondLst>
+                                            <p:cond delay="0"/>
+                                          </p:stCondLst>
+                                        </p:cTn>
+                                        <p:tgtEl>
+                                          <p:spTgt spid="18"/>
+                                        </p:tgtEl>
+                                        <p:attrNameLst>
+                                          <p:attrName>style.visibility</p:attrName>
+                                        </p:attrNameLst>
+                                      </p:cBhvr>
+                                      <p:to>
+                                        <p:strVal val="visible"/>
+                                      </p:to>
+                                    </p:set>
+                                    <p:animEffect transition="in" filter="wipe(left)">
+                                      <p:cBhvr>
+                                        <p:cTn id="15" dur="500"/>
+                                        <p:tgtEl>
+                                          <p:spTgt spid="18"/>
+                                        </p:tgtEl>
+                                      </p:cBhvr>
+                                    </p:animEffect>
+                                  </p:childTnLst>
+                                </p:cTn>
+                              </p:par>
+                              <p:par>
+                                <p:cTn id="16" presetID="53" presetClass="entr" presetSubtype="16" fill="hold" grpId="0" nodeType="withEffect">
+                                  <p:stCondLst>
+                                    <p:cond delay="0"/>
+                                  </p:stCondLst>
+                                  <p:iterate type="lt">
+                                    <p:tmPct val="10000"/>
+                                  </p:iterate>
+                                  <p:childTnLst>
+                                    <p:set>
+                                      <p:cBhvr>
+                                        <p:cTn id="17" dur="1" fill="hold">
+                                          <p:stCondLst>
+                                            <p:cond delay="0"/>
+                                          </p:stCondLst>
+                                        </p:cTn>
+                                        <p:tgtEl>
+                                          <p:spTgt spid="17"/>
+                                        </p:tgtEl>
+                                        <p:attrNameLst>
+                                          <p:attrName>style.visibility</p:attrName>
+                                        </p:attrNameLst>
+                                      </p:cBhvr>
+                                      <p:to>
+                                        <p:strVal val="visible"/>
+                                      </p:to>
+                                    </p:set>
+                                    <p:anim calcmode="lin" valueType="num">
+                                      <p:cBhvr>
+                                        <p:cTn id="18" dur="500" fill="hold"/>
+                                        <p:tgtEl>
+                                          <p:spTgt spid="17"/>
+                                        </p:tgtEl>
+                                        <p:attrNameLst>
+                                          <p:attrName>ppt_w</p:attrName>
+                                        </p:attrNameLst>
+                                      </p:cBhvr>
+                                      <p:tavLst>
+                                        <p:tav tm="0">
+                                          <p:val>
+                                            <p:fltVal val="0"/>
+                                          </p:val>
+                                        </p:tav>
+                                        <p:tav tm="100000">
+                                          <p:val>
+                                            <p:strVal val="#ppt_w"/>
+                                          </p:val>
+                                        </p:tav>
+                                      </p:tavLst>
+                                    </p:anim>
+                                    <p:anim calcmode="lin" valueType="num">
+                                      <p:cBhvr>
+                                        <p:cTn id="19" dur="500" fill="hold"/>
+                                        <p:tgtEl>
+                                          <p:spTgt spid="17"/>
+                                        </p:tgtEl>
+                                        <p:attrNameLst>
+                                          <p:attrName>ppt_h</p:attrName>
+                                        </p:attrNameLst>
+                                      </p:cBhvr>
+                                      <p:tavLst>
+                                        <p:tav tm="0">
+                                          <p:val>
+                                            <p:fltVal val="0"/>
+                                          </p:val>
+                                        </p:tav>
+                                        <p:tav tm="100000">
+                                          <p:val>
+                                            <p:strVal val="#ppt_h"/>
+                                          </p:val>
+                                        </p:tav>
+                                      </p:tavLst>
+                                    </p:anim>
+                                    <p:animEffect transition="in" filter="fade">
+                                      <p:cBhvr>
+                                        <p:cTn id="20" dur="500"/>
+                                        <p:tgtEl>
+                                          <p:spTgt spid="17"/>
+                                        </p:tgtEl>
+                                      </p:cBhvr>
+                                    </p:animEffect>
+                                  </p:childTnLst>
+                                </p:cTn>
+                              </p:par>
+                              <p:par>
+                                <p:cTn id="21" presetID="10" presetClass="entr" presetSubtype="0" fill="hold" grpId="0" nodeType="withEffect">
+                                  <p:stCondLst>
+                                    <p:cond delay="0"/>
+                                  </p:stCondLst>
+                                  <p:childTnLst>
+                                    <p:set>
+                                      <p:cBhvr>
+                                        <p:cTn id="22" dur="1" fill="hold">
+                                          <p:stCondLst>
+                                            <p:cond delay="0"/>
+                                          </p:stCondLst>
+                                        </p:cTn>
+                                        <p:tgtEl>
+                                          <p:spTgt spid="3"/>
+                                        </p:tgtEl>
+                                        <p:attrNameLst>
+                                          <p:attrName>style.visibility</p:attrName>
+                                        </p:attrNameLst>
+                                      </p:cBhvr>
+                                      <p:to>
+                                        <p:strVal val="visible"/>
+                                      </p:to>
+                                    </p:set>
+                                    <p:animEffect transition="in" filter="fade">
+                                      <p:cBhvr>
+                                        <p:cTn id="23" dur="500"/>
+                                        <p:tgtEl>
+                                          <p:spTgt spid="3"/>
+                                        </p:tgtEl>
+                                      </p:cBhvr>
+                                    </p:animEffect>
+                                  </p:childTnLst>
+                                </p:cTn>
+                              </p:par>
+                              <p:par>
+                                <p:cTn id="24" presetID="10" presetClass="entr" presetSubtype="0" fill="hold" grpId="0" nodeType="withEffect">
+                                  <p:stCondLst>
+                                    <p:cond delay="0"/>
+                                  </p:stCondLst>
+                                  <p:childTnLst>
+                                    <p:set>
+                                      <p:cBhvr>
+                                        <p:cTn id="25" dur="1" fill="hold">
+                                          <p:stCondLst>
+                                            <p:cond delay="0"/>
+                                          </p:stCondLst>
+                                        </p:cTn>
+                                        <p:tgtEl>
+                                          <p:spTgt spid="34"/>
+                                        </p:tgtEl>
+                                        <p:attrNameLst>
+                                          <p:attrName>style.visibility</p:attrName>
+                                        </p:attrNameLst>
+                                      </p:cBhvr>
+                                      <p:to>
+                                        <p:strVal val="visible"/>
+                                      </p:to>
+                                    </p:set>
+                                    <p:animEffect transition="in" filter="fade">
+                                      <p:cBhvr>
+                                        <p:cTn id="26" dur="500"/>
+                                        <p:tgtEl>
+                                          <p:spTgt spid="34"/>
+                                        </p:tgtEl>
+                                      </p:cBhvr>
+                                    </p:animEffect>
+                                  </p:childTnLst>
+                                </p:cTn>
+                              </p:par>
+                              <p:par>
+                                <p:cTn id="27" presetID="10" presetClass="entr" presetSubtype="0" fill="hold" nodeType="withEffect">
+                                  <p:stCondLst>
+                                    <p:cond delay="0"/>
+                                  </p:stCondLst>
+                                  <p:childTnLst>
+                                    <p:set>
+                                      <p:cBhvr>
+                                        <p:cTn id="28" dur="1" fill="hold">
+                                          <p:stCondLst>
+                                            <p:cond delay="0"/>
+                                          </p:stCondLst>
+                                        </p:cTn>
+                                        <p:tgtEl>
+                                          <p:spTgt spid="7"/>
+                                        </p:tgtEl>
+                                        <p:attrNameLst>
+                                          <p:attrName>style.visibility</p:attrName>
+                                        </p:attrNameLst>
+                                      </p:cBhvr>
+                                      <p:to>
+                                        <p:strVal val="visible"/>
+                                      </p:to>
+                                    </p:set>
+                                    <p:animEffect transition="in" filter="fade">
+                                      <p:cBhvr>
+                                        <p:cTn id="29" dur="500"/>
+                                        <p:tgtEl>
+                                          <p:spTgt spid="7"/>
+                                        </p:tgtEl>
+                                      </p:cBhvr>
+                                    </p:animEffect>
+                                  </p:childTnLst>
+                                </p:cTn>
+                              </p:par>
+                              <p:par>
+                                <p:cTn id="30" presetID="10" presetClass="entr" presetSubtype="0" fill="hold" nodeType="withEffect">
+                                  <p:stCondLst>
+                                    <p:cond delay="0"/>
+                                  </p:stCondLst>
+                                  <p:childTnLst>
+                                    <p:set>
+                                      <p:cBhvr>
+                                        <p:cTn id="31" dur="1" fill="hold">
+                                          <p:stCondLst>
+                                            <p:cond delay="0"/>
+                                          </p:stCondLst>
+                                        </p:cTn>
+                                        <p:tgtEl>
+                                          <p:spTgt spid="25"/>
+                                        </p:tgtEl>
+                                        <p:attrNameLst>
+                                          <p:attrName>style.visibility</p:attrName>
+                                        </p:attrNameLst>
+                                      </p:cBhvr>
+                                      <p:to>
+                                        <p:strVal val="visible"/>
+                                      </p:to>
+                                    </p:set>
+                                    <p:animEffect transition="in" filter="fade">
+                                      <p:cBhvr>
+                                        <p:cTn id="32" dur="500"/>
+                                        <p:tgtEl>
+                                          <p:spTgt spid="25"/>
+                                        </p:tgtEl>
+                                      </p:cBhvr>
+                                    </p:animEffect>
+                                  </p:childTnLst>
+                                </p:cTn>
+                              </p:par>
+                              <p:par>
+                                <p:cTn id="33" presetID="10" presetClass="entr" presetSubtype="0" fill="hold" nodeType="withEffect">
+                                  <p:stCondLst>
+                                    <p:cond delay="0"/>
+                                  </p:stCondLst>
+                                  <p:childTnLst>
+                                    <p:set>
+                                      <p:cBhvr>
+                                        <p:cTn id="34" dur="1" fill="hold">
+                                          <p:stCondLst>
+                                            <p:cond delay="0"/>
+                                          </p:stCondLst>
+                                        </p:cTn>
+                                        <p:tgtEl>
+                                          <p:spTgt spid="30"/>
+                                        </p:tgtEl>
+                                        <p:attrNameLst>
+                                          <p:attrName>style.visibility</p:attrName>
+                                        </p:attrNameLst>
+                                      </p:cBhvr>
+                                      <p:to>
+                                        <p:strVal val="visible"/>
+                                      </p:to>
+                                    </p:set>
+                                    <p:animEffect transition="in" filter="fade">
+                                      <p:cBhvr>
+                                        <p:cTn id="35" dur="500"/>
+                                        <p:tgtEl>
+                                          <p:spTgt spid="30"/>
+                                        </p:tgtEl>
+                                      </p:cBhvr>
+                                    </p:animEffect>
+                                  </p:childTnLst>
+                                </p:cTn>
+                              </p:par>
+                              <p:par>
+                                <p:cTn id="36" presetID="10" presetClass="entr" presetSubtype="0" fill="hold" nodeType="withEffect">
+                                  <p:stCondLst>
+                                    <p:cond delay="0"/>
+                                  </p:stCondLst>
+                                  <p:childTnLst>
+                                    <p:set>
+                                      <p:cBhvr>
+                                        <p:cTn id="37" dur="1" fill="hold">
+                                          <p:stCondLst>
+                                            <p:cond delay="0"/>
+                                          </p:stCondLst>
+                                        </p:cTn>
+                                        <p:tgtEl>
+                                          <p:spTgt spid="32"/>
+                                        </p:tgtEl>
+                                        <p:attrNameLst>
+                                          <p:attrName>style.visibility</p:attrName>
+                                        </p:attrNameLst>
+                                      </p:cBhvr>
+                                      <p:to>
+                                        <p:strVal val="visible"/>
+                                      </p:to>
+                                    </p:set>
+                                    <p:animEffect transition="in" filter="fade">
+                                      <p:cBhvr>
+                                        <p:cTn id="38" dur="500"/>
+                                        <p:tgtEl>
+                                          <p:spTgt spid="32"/>
+                                        </p:tgtEl>
+                                      </p:cBhvr>
+                                    </p:animEffect>
+                                  </p:childTnLst>
+                                </p:cTn>
+                              </p:par>
+                              <p:par>
+                                <p:cTn id="39" presetID="10" presetClass="entr" presetSubtype="0" fill="hold" nodeType="withEffect">
+                                  <p:stCondLst>
+                                    <p:cond delay="0"/>
+                                  </p:stCondLst>
+                                  <p:childTnLst>
+                                    <p:set>
+                                      <p:cBhvr>
+                                        <p:cTn id="40" dur="1" fill="hold">
+                                          <p:stCondLst>
+                                            <p:cond delay="0"/>
+                                          </p:stCondLst>
+                                        </p:cTn>
+                                        <p:tgtEl>
+                                          <p:spTgt spid="37"/>
+                                        </p:tgtEl>
+                                        <p:attrNameLst>
+                                          <p:attrName>style.visibility</p:attrName>
+                                        </p:attrNameLst>
+                                      </p:cBhvr>
+                                      <p:to>
+                                        <p:strVal val="visible"/>
+                                      </p:to>
+                                    </p:set>
+                                    <p:animEffect transition="in" filter="fade">
+                                      <p:cBhvr>
+                                        <p:cTn id="41" dur="500"/>
+                                        <p:tgtEl>
+                                          <p:spTgt spid="37"/>
+                                        </p:tgtEl>
+                                      </p:cBhvr>
+                                    </p:animEffect>
+                                  </p:childTnLst>
+                                </p:cTn>
+                              </p:par>
+                              <p:par>
+                                <p:cTn id="42" presetID="10" presetClass="entr" presetSubtype="0" fill="hold" grpId="0" nodeType="withEffect">
+                                  <p:stCondLst>
+                                    <p:cond delay="0"/>
+                                  </p:stCondLst>
+                                  <p:childTnLst>
+                                    <p:set>
+                                      <p:cBhvr>
+                                        <p:cTn id="43" dur="1" fill="hold">
+                                          <p:stCondLst>
+                                            <p:cond delay="0"/>
+                                          </p:stCondLst>
+                                        </p:cTn>
+                                        <p:tgtEl>
+                                          <p:spTgt spid="39"/>
+                                        </p:tgtEl>
+                                        <p:attrNameLst>
+                                          <p:attrName>style.visibility</p:attrName>
+                                        </p:attrNameLst>
+                                      </p:cBhvr>
+                                      <p:to>
+                                        <p:strVal val="visible"/>
+                                      </p:to>
+                                    </p:set>
+                                    <p:animEffect transition="in" filter="fade">
+                                      <p:cBhvr>
+                                        <p:cTn id="44" dur="500"/>
+                                        <p:tgtEl>
+                                          <p:spTgt spid="39"/>
+                                        </p:tgtEl>
+                                      </p:cBhvr>
+                                    </p:animEffect>
+                                  </p:childTnLst>
+                                </p:cTn>
+                              </p:par>
+                              <p:par>
+                                <p:cTn id="45" presetID="10" presetClass="entr" presetSubtype="0" fill="hold" grpId="0" nodeType="withEffect">
+                                  <p:stCondLst>
+                                    <p:cond delay="0"/>
+                                  </p:stCondLst>
+                                  <p:childTnLst>
+                                    <p:set>
+                                      <p:cBhvr>
+                                        <p:cTn id="46" dur="1" fill="hold">
+                                          <p:stCondLst>
+                                            <p:cond delay="0"/>
+                                          </p:stCondLst>
+                                        </p:cTn>
+                                        <p:tgtEl>
+                                          <p:spTgt spid="40"/>
+                                        </p:tgtEl>
+                                        <p:attrNameLst>
+                                          <p:attrName>style.visibility</p:attrName>
+                                        </p:attrNameLst>
+                                      </p:cBhvr>
+                                      <p:to>
+                                        <p:strVal val="visible"/>
+                                      </p:to>
+                                    </p:set>
+                                    <p:animEffect transition="in" filter="fade">
+                                      <p:cBhvr>
+                                        <p:cTn id="47" dur="500"/>
+                                        <p:tgtEl>
+                                          <p:spTgt spid="40"/>
+                                        </p:tgtEl>
+                                      </p:cBhvr>
+                                    </p:animEffect>
+                                  </p:childTnLst>
+                                </p:cTn>
+                              </p:par>
+                              <p:par>
+                                <p:cTn id="48" presetID="10" presetClass="entr" presetSubtype="0" fill="hold" nodeType="withEffect">
+                                  <p:stCondLst>
+                                    <p:cond delay="0"/>
+                                  </p:stCondLst>
+                                  <p:childTnLst>
+                                    <p:set>
+                                      <p:cBhvr>
+                                        <p:cTn id="49" dur="1" fill="hold">
+                                          <p:stCondLst>
+                                            <p:cond delay="0"/>
+                                          </p:stCondLst>
+                                        </p:cTn>
+                                        <p:tgtEl>
+                                          <p:spTgt spid="23"/>
+                                        </p:tgtEl>
+                                        <p:attrNameLst>
+                                          <p:attrName>style.visibility</p:attrName>
+                                        </p:attrNameLst>
+                                      </p:cBhvr>
+                                      <p:to>
+                                        <p:strVal val="visible"/>
+                                      </p:to>
+                                    </p:set>
+                                    <p:animEffect transition="in" filter="fade">
+                                      <p:cBhvr>
+                                        <p:cTn id="50" dur="500"/>
+                                        <p:tgtEl>
+                                          <p:spTgt spid="23"/>
+                                        </p:tgtEl>
+                                      </p:cBhvr>
+                                    </p:animEffect>
+                                  </p:childTnLst>
+                                </p:cTn>
+                              </p:par>
+                              <p:par>
+                                <p:cTn id="51" presetID="53" presetClass="entr" presetSubtype="16" fill="hold" grpId="0" nodeType="withEffect">
+                                  <p:stCondLst>
+                                    <p:cond delay="0"/>
+                                  </p:stCondLst>
+                                  <p:iterate type="lt">
+                                    <p:tmPct val="10000"/>
+                                  </p:iterate>
+                                  <p:childTnLst>
+                                    <p:set>
+                                      <p:cBhvr>
+                                        <p:cTn id="52" dur="1" fill="hold">
+                                          <p:stCondLst>
+                                            <p:cond delay="0"/>
+                                          </p:stCondLst>
+                                        </p:cTn>
+                                        <p:tgtEl>
+                                          <p:spTgt spid="33"/>
+                                        </p:tgtEl>
+                                        <p:attrNameLst>
+                                          <p:attrName>style.visibility</p:attrName>
+                                        </p:attrNameLst>
+                                      </p:cBhvr>
+                                      <p:to>
+                                        <p:strVal val="visible"/>
+                                      </p:to>
+                                    </p:set>
+                                    <p:anim calcmode="lin" valueType="num">
+                                      <p:cBhvr>
+                                        <p:cTn id="53" dur="500" fill="hold"/>
+                                        <p:tgtEl>
+                                          <p:spTgt spid="33"/>
+                                        </p:tgtEl>
+                                        <p:attrNameLst>
+                                          <p:attrName>ppt_w</p:attrName>
+                                        </p:attrNameLst>
+                                      </p:cBhvr>
+                                      <p:tavLst>
+                                        <p:tav tm="0">
+                                          <p:val>
+                                            <p:fltVal val="0"/>
+                                          </p:val>
+                                        </p:tav>
+                                        <p:tav tm="100000">
+                                          <p:val>
+                                            <p:strVal val="#ppt_w"/>
+                                          </p:val>
+                                        </p:tav>
+                                      </p:tavLst>
+                                    </p:anim>
+                                    <p:anim calcmode="lin" valueType="num">
+                                      <p:cBhvr>
+                                        <p:cTn id="54" dur="500" fill="hold"/>
+                                        <p:tgtEl>
+                                          <p:spTgt spid="33"/>
+                                        </p:tgtEl>
+                                        <p:attrNameLst>
+                                          <p:attrName>ppt_h</p:attrName>
+                                        </p:attrNameLst>
+                                      </p:cBhvr>
+                                      <p:tavLst>
+                                        <p:tav tm="0">
+                                          <p:val>
+                                            <p:fltVal val="0"/>
+                                          </p:val>
+                                        </p:tav>
+                                        <p:tav tm="100000">
+                                          <p:val>
+                                            <p:strVal val="#ppt_h"/>
+                                          </p:val>
+                                        </p:tav>
+                                      </p:tavLst>
+                                    </p:anim>
+                                    <p:animEffect transition="in" filter="fade">
+                                      <p:cBhvr>
+                                        <p:cTn id="55" dur="500"/>
+                                        <p:tgtEl>
+                                          <p:spTgt spid="33"/>
+                                        </p:tgtEl>
+                                      </p:cBhvr>
+                                    </p:animEffect>
+                                  </p:childTnLst>
+                                </p:cTn>
+                              </p:par>
+                            </p:childTnLst>
+                          </p:cTn>
+                        </p:par>
+                      </p:childTnLst>
+                    </p:cTn>
+                  </p:par>
+                </p:childTnLst>
+              </p:cTn>
+              <p:prevCondLst>
+                <p:cond evt="onPrev" delay="0">
+                  <p:tgtEl>
+                    <p:sldTgt/>
+                  </p:tgtEl>
+                </p:cond>
+              </p:prevCondLst>
+              <p:nextCondLst>
+                <p:cond evt="onNext" delay="0">
+                  <p:tgtEl>
+                    <p:sldTgt/>
+                  </p:tgtEl>
+                </p:cond>
+              </p:nextCondLst>
+            </p:seq>
+          </p:childTnLst>
+        </p:cTn>
+      </p:par>
+    </p:tnLst>
+    <p:bldLst>
+      <p:bldP spid="157" grpId="0" animBg="1"/>
+      <p:bldP spid="158" grpId="0" animBg="1"/>
+      <p:bldP spid="17" grpId="0" animBg="1"/>
+      <p:bldP spid="18" grpId="0" animBg="1"/>
+      <p:bldP spid="3" grpId="0"/>
+      <p:bldP spid="34" grpId="0"/>
+      <p:bldP spid="33" grpId="0"/>
+      <p:bldP spid="39" grpId="0"/>
+      <p:bldP spid="40" grpId="0" animBg="1"/>
+    </p:bldLst>
+  </p:timing>
+</p:sld>
+</file>
+
+<file path=ppt/slides/slide6.xml><?xml version="1.0" encoding="utf-8"?>
+<p:sld xmlns:a="http://schemas.openxmlformats.org/drawingml/2006/main" xmlns:r="http://schemas.openxmlformats.org/officeDocument/2006/relationships" xmlns:p="http://schemas.openxmlformats.org/presentationml/2006/main">
+  <p:cSld>
+    <p:spTree>
+      <p:nvGrpSpPr>
+        <p:cNvPr id="1" name=""/>
+        <p:cNvGrpSpPr/>
+        <p:nvPr/>
+      </p:nvGrpSpPr>
+      <p:grpSpPr>
+        <a:xfrm>
+          <a:off x="0" y="0"/>
+          <a:ext cx="0" cy="0"/>
+          <a:chOff x="0" y="0"/>
+          <a:chExt cx="0" cy="0"/>
+        </a:xfrm>
+      </p:grpSpPr>
+      <p:sp>
+        <p:nvSpPr>
+          <p:cNvPr id="157" name="Shape 157"/>
+          <p:cNvSpPr/>
+          <p:nvPr/>
+        </p:nvSpPr>
+        <p:spPr>
+          <a:xfrm>
+            <a:off x="0" y="5692740"/>
+            <a:ext cx="12196520" cy="1168698"/>
+          </a:xfrm>
+          <a:custGeom>
+            <a:avLst/>
+            <a:gdLst/>
+            <a:ahLst/>
+            <a:cxnLst>
+              <a:cxn ang="0">
+                <a:pos x="wd2" y="hd2"/>
+              </a:cxn>
+              <a:cxn ang="5400000">
+                <a:pos x="wd2" y="hd2"/>
+              </a:cxn>
+              <a:cxn ang="10800000">
+                <a:pos x="wd2" y="hd2"/>
+              </a:cxn>
+              <a:cxn ang="16200000">
+                <a:pos x="wd2" y="hd2"/>
+              </a:cxn>
+            </a:cxnLst>
+            <a:rect l="0" t="0" r="r" b="b"/>
+            <a:pathLst>
+              <a:path w="21600" h="21600" extrusionOk="0">
+                <a:moveTo>
+                  <a:pt x="0" y="0"/>
+                </a:moveTo>
+                <a:lnTo>
+                  <a:pt x="21600" y="21600"/>
+                </a:lnTo>
+                <a:lnTo>
+                  <a:pt x="0" y="21600"/>
+                </a:lnTo>
+                <a:close/>
+              </a:path>
+            </a:pathLst>
+          </a:custGeom>
+          <a:solidFill>
+            <a:srgbClr val="2E75B5"/>
+          </a:solidFill>
+          <a:ln w="12700">
+            <a:miter lim="400000"/>
+          </a:ln>
+        </p:spPr>
+        <p:txBody>
+          <a:bodyPr lIns="43371" tIns="43371" rIns="43371" bIns="43371" anchor="ctr"/>
+          <a:lstStyle/>
+          <a:p>
+            <a:pPr defTabSz="867796">
+              <a:defRPr sz="3400">
+                <a:solidFill>
+                  <a:srgbClr val="FFFFFF"/>
+                </a:solidFill>
+                <a:latin typeface="Calibri"/>
+                <a:ea typeface="Calibri"/>
+                <a:cs typeface="Calibri"/>
+                <a:sym typeface="Calibri"/>
+              </a:defRPr>
+            </a:pPr>
+            <a:endParaRPr sz="1700" dirty="0"/>
+          </a:p>
+        </p:txBody>
+      </p:sp>
+      <p:sp>
+        <p:nvSpPr>
+          <p:cNvPr id="158" name="Shape 158"/>
+          <p:cNvSpPr/>
+          <p:nvPr/>
+        </p:nvSpPr>
+        <p:spPr>
+          <a:xfrm flipH="1">
+            <a:off x="4664898" y="6301211"/>
+            <a:ext cx="7527101" cy="560459"/>
+          </a:xfrm>
+          <a:custGeom>
+            <a:avLst/>
+            <a:gdLst/>
+            <a:ahLst/>
+            <a:cxnLst>
+              <a:cxn ang="0">
+                <a:pos x="wd2" y="hd2"/>
+              </a:cxn>
+              <a:cxn ang="5400000">
+                <a:pos x="wd2" y="hd2"/>
+              </a:cxn>
+              <a:cxn ang="10800000">
+                <a:pos x="wd2" y="hd2"/>
+              </a:cxn>
+              <a:cxn ang="16200000">
+                <a:pos x="wd2" y="hd2"/>
+              </a:cxn>
+            </a:cxnLst>
+            <a:rect l="0" t="0" r="r" b="b"/>
+            <a:pathLst>
+              <a:path w="21600" h="21600" extrusionOk="0">
+                <a:moveTo>
+                  <a:pt x="0" y="0"/>
+                </a:moveTo>
+                <a:lnTo>
+                  <a:pt x="21600" y="21600"/>
+                </a:lnTo>
+                <a:lnTo>
+                  <a:pt x="0" y="21600"/>
+                </a:lnTo>
+                <a:close/>
+              </a:path>
+            </a:pathLst>
+          </a:custGeom>
+          <a:solidFill>
+            <a:srgbClr val="7EBF2F">
+              <a:alpha val="72536"/>
+            </a:srgbClr>
+          </a:solidFill>
+          <a:ln w="12700">
+            <a:miter lim="400000"/>
+          </a:ln>
+        </p:spPr>
+        <p:txBody>
+          <a:bodyPr lIns="25400" tIns="25400" rIns="25400" bIns="25400" anchor="ctr"/>
+          <a:lstStyle/>
+          <a:p>
+            <a:pPr>
+              <a:defRPr sz="3200">
+                <a:solidFill>
+                  <a:srgbClr val="FFFFFF"/>
+                </a:solidFill>
+                <a:latin typeface="Helvetica Light"/>
+                <a:ea typeface="Helvetica Light"/>
+                <a:cs typeface="Helvetica Light"/>
+                <a:sym typeface="Helvetica Light"/>
+              </a:defRPr>
+            </a:pPr>
+            <a:endParaRPr sz="1600"/>
+          </a:p>
+        </p:txBody>
+      </p:sp>
+      <p:sp>
+        <p:nvSpPr>
+          <p:cNvPr id="17" name="Shape 281">
+            <a:extLst>
+              <a:ext uri="{FF2B5EF4-FFF2-40B4-BE49-F238E27FC236}">
+                <a16:creationId xmlns:a16="http://schemas.microsoft.com/office/drawing/2014/main" id="{540302EC-6EA3-4B8C-9941-34877E3223C7}"/>
+              </a:ext>
+            </a:extLst>
+          </p:cNvPr>
+          <p:cNvSpPr/>
+          <p:nvPr/>
+        </p:nvSpPr>
+        <p:spPr>
+          <a:xfrm>
+            <a:off x="441430" y="343380"/>
+            <a:ext cx="11025069" cy="543739"/>
+          </a:xfrm>
+          <a:prstGeom prst="rect">
+            <a:avLst/>
+          </a:prstGeom>
+          <a:ln w="12700">
+            <a:miter lim="400000"/>
+          </a:ln>
+          <a:extLst>
+            <a:ext uri="{C572A759-6A51-4108-AA02-DFA0A04FC94B}">
+              <ma14:wrappingTextBoxFlag xmlns="" xmlns:ma14="http://schemas.microsoft.com/office/mac/drawingml/2011/main" val="1"/>
+            </a:ext>
+          </a:extLst>
+        </p:spPr>
+        <p:txBody>
+          <a:bodyPr wrap="none" lIns="25400" tIns="25400" rIns="25400" bIns="25400" anchor="ctr">
+            <a:spAutoFit/>
+          </a:bodyPr>
+          <a:lstStyle>
+            <a:lvl1pPr>
+              <a:defRPr sz="9600">
+                <a:solidFill>
+                  <a:srgbClr val="000000"/>
+                </a:solidFill>
+                <a:latin typeface="Heiti SC Medium"/>
+                <a:ea typeface="Heiti SC Medium"/>
+                <a:cs typeface="Heiti SC Medium"/>
+                <a:sym typeface="Heiti SC Medium"/>
+              </a:defRPr>
+            </a:lvl1pPr>
+          </a:lstStyle>
+          <a:p>
+            <a:r>
+              <a:rPr lang="en-US" altLang="zh-CN" sz="3200" dirty="0">
+                <a:latin typeface="Open Sans ExtraBold" panose="020B0906030804020204" pitchFamily="34" charset="0"/>
+                <a:ea typeface="Open Sans ExtraBold" panose="020B0906030804020204" pitchFamily="34" charset="0"/>
+                <a:cs typeface="Open Sans ExtraBold" panose="020B0906030804020204" pitchFamily="34" charset="0"/>
+              </a:rPr>
+              <a:t>Boundary Constraint and Contextual Regularization</a:t>
+            </a:r>
+          </a:p>
+        </p:txBody>
+      </p:sp>
+      <p:sp>
+        <p:nvSpPr>
+          <p:cNvPr id="18" name="Shape 337">
+            <a:extLst>
+              <a:ext uri="{FF2B5EF4-FFF2-40B4-BE49-F238E27FC236}">
+                <a16:creationId xmlns:a16="http://schemas.microsoft.com/office/drawing/2014/main" id="{E5A8EBA0-E223-4689-80EC-BF3239A1EEAF}"/>
+              </a:ext>
+            </a:extLst>
+          </p:cNvPr>
+          <p:cNvSpPr/>
+          <p:nvPr/>
+        </p:nvSpPr>
+        <p:spPr>
+          <a:xfrm>
+            <a:off x="510537" y="1049091"/>
+            <a:ext cx="10967429" cy="52112"/>
+          </a:xfrm>
+          <a:prstGeom prst="rect">
+            <a:avLst/>
+          </a:prstGeom>
+          <a:solidFill>
+            <a:srgbClr val="2E75B5"/>
+          </a:solidFill>
+          <a:ln w="12700">
+            <a:miter lim="400000"/>
+          </a:ln>
+        </p:spPr>
+        <p:txBody>
+          <a:bodyPr lIns="43371" tIns="43371" rIns="43371" bIns="43371" anchor="ctr"/>
+          <a:lstStyle/>
+          <a:p>
+            <a:pPr defTabSz="867796">
+              <a:defRPr sz="3400">
+                <a:solidFill>
+                  <a:srgbClr val="FFFFFF"/>
+                </a:solidFill>
+                <a:latin typeface="Calibri"/>
+                <a:ea typeface="Calibri"/>
+                <a:cs typeface="Calibri"/>
+                <a:sym typeface="Calibri"/>
+              </a:defRPr>
+            </a:pPr>
+            <a:endParaRPr sz="1700">
+              <a:latin typeface="Open Sans ExtraBold" panose="020B0906030804020204" pitchFamily="34" charset="0"/>
+              <a:ea typeface="Open Sans ExtraBold" panose="020B0906030804020204" pitchFamily="34" charset="0"/>
+              <a:cs typeface="Open Sans ExtraBold" panose="020B0906030804020204" pitchFamily="34" charset="0"/>
+            </a:endParaRPr>
+          </a:p>
+        </p:txBody>
+      </p:sp>
+      <p:sp>
+        <p:nvSpPr>
+          <p:cNvPr id="3" name="文本框 2">
+            <a:extLst>
+              <a:ext uri="{FF2B5EF4-FFF2-40B4-BE49-F238E27FC236}">
+                <a16:creationId xmlns:a16="http://schemas.microsoft.com/office/drawing/2014/main" id="{D4C67F39-7201-41BD-83DF-97922C35A9E3}"/>
+              </a:ext>
+            </a:extLst>
+          </p:cNvPr>
+          <p:cNvSpPr txBox="1"/>
+          <p:nvPr/>
+        </p:nvSpPr>
+        <p:spPr>
+          <a:xfrm>
+            <a:off x="510537" y="1484894"/>
+            <a:ext cx="4089581" cy="369332"/>
+          </a:xfrm>
+          <a:prstGeom prst="rect">
+            <a:avLst/>
+          </a:prstGeom>
+          <a:noFill/>
+        </p:spPr>
+        <p:txBody>
+          <a:bodyPr wrap="none" rtlCol="0">
+            <a:spAutoFit/>
+          </a:bodyPr>
+          <a:lstStyle/>
+          <a:p>
+            <a:r>
+              <a:rPr lang="en-US" altLang="zh-CN" b="1" dirty="0">
+                <a:latin typeface="Georgia" panose="02040502050405020303" pitchFamily="18" charset="0"/>
+              </a:rPr>
+              <a:t>Introduce a weighting function</a:t>
+            </a:r>
+            <a:r>
+              <a:rPr lang="zh-CN" altLang="en-US" b="1" dirty="0">
+                <a:latin typeface="Georgia" panose="02040502050405020303" pitchFamily="18" charset="0"/>
+              </a:rPr>
+              <a:t>：</a:t>
+            </a:r>
+          </a:p>
+        </p:txBody>
+      </p:sp>
+      <p:sp>
+        <p:nvSpPr>
+          <p:cNvPr id="33" name="文本框 32">
+            <a:extLst>
+              <a:ext uri="{FF2B5EF4-FFF2-40B4-BE49-F238E27FC236}">
+                <a16:creationId xmlns:a16="http://schemas.microsoft.com/office/drawing/2014/main" id="{0A5ADE4B-1178-4263-A6AB-2D87648D046C}"/>
+              </a:ext>
+            </a:extLst>
+          </p:cNvPr>
+          <p:cNvSpPr txBox="1"/>
+          <p:nvPr/>
+        </p:nvSpPr>
+        <p:spPr>
+          <a:xfrm>
+            <a:off x="405493" y="770327"/>
+            <a:ext cx="5644302" cy="338554"/>
+          </a:xfrm>
+          <a:prstGeom prst="rect">
+            <a:avLst/>
+          </a:prstGeom>
+          <a:noFill/>
+        </p:spPr>
+        <p:txBody>
+          <a:bodyPr wrap="none" rtlCol="0">
+            <a:spAutoFit/>
+          </a:bodyPr>
+          <a:lstStyle/>
+          <a:p>
+            <a:r>
+              <a:rPr lang="en-US" altLang="zh-CN" sz="1600" dirty="0">
+                <a:solidFill>
+                  <a:schemeClr val="bg1">
+                    <a:lumMod val="50000"/>
+                  </a:schemeClr>
+                </a:solidFill>
+                <a:latin typeface="Open Sans ExtraBold" panose="020B0906030804020204" pitchFamily="34" charset="0"/>
+                <a:ea typeface="Open Sans ExtraBold" panose="020B0906030804020204" pitchFamily="34" charset="0"/>
+                <a:cs typeface="Open Sans ExtraBold" panose="020B0906030804020204" pitchFamily="34" charset="0"/>
+              </a:rPr>
+              <a:t>Weighted L1-norm based Contextual Regularization</a:t>
+            </a:r>
+            <a:endParaRPr lang="zh-CN" altLang="en-US" sz="1600" dirty="0">
+              <a:solidFill>
+                <a:schemeClr val="bg1">
+                  <a:lumMod val="50000"/>
+                </a:schemeClr>
+              </a:solidFill>
+              <a:latin typeface="Open Sans ExtraBold" panose="020B0906030804020204" pitchFamily="34" charset="0"/>
+              <a:cs typeface="Open Sans ExtraBold" panose="020B0906030804020204" pitchFamily="34" charset="0"/>
+            </a:endParaRPr>
+          </a:p>
+        </p:txBody>
+      </p:sp>
+      <p:pic>
+        <p:nvPicPr>
+          <p:cNvPr id="6" name="图片 5">
+            <a:extLst>
+              <a:ext uri="{FF2B5EF4-FFF2-40B4-BE49-F238E27FC236}">
+                <a16:creationId xmlns:a16="http://schemas.microsoft.com/office/drawing/2014/main" id="{211241E0-4BA9-4D49-B40B-DC6CADD32366}"/>
+              </a:ext>
+            </a:extLst>
+          </p:cNvPr>
+          <p:cNvPicPr>
+            <a:picLocks noChangeAspect="1"/>
+          </p:cNvPicPr>
+          <p:nvPr/>
+        </p:nvPicPr>
+        <p:blipFill>
+          <a:blip r:embed="rId2"/>
+          <a:stretch>
+            <a:fillRect/>
+          </a:stretch>
+        </p:blipFill>
+        <p:spPr>
+          <a:xfrm>
+            <a:off x="887338" y="2023311"/>
+            <a:ext cx="3302525" cy="364654"/>
+          </a:xfrm>
+          <a:prstGeom prst="rect">
+            <a:avLst/>
+          </a:prstGeom>
+        </p:spPr>
+      </p:pic>
+      <p:sp>
+        <p:nvSpPr>
+          <p:cNvPr id="26" name="文本框 25">
+            <a:extLst>
+              <a:ext uri="{FF2B5EF4-FFF2-40B4-BE49-F238E27FC236}">
+                <a16:creationId xmlns:a16="http://schemas.microsoft.com/office/drawing/2014/main" id="{C8473C8A-919A-4224-9293-73F74BE0A628}"/>
+              </a:ext>
+            </a:extLst>
+          </p:cNvPr>
+          <p:cNvSpPr txBox="1"/>
+          <p:nvPr/>
+        </p:nvSpPr>
+        <p:spPr>
+          <a:xfrm>
+            <a:off x="510537" y="2629451"/>
+            <a:ext cx="4323456" cy="584775"/>
+          </a:xfrm>
+          <a:prstGeom prst="rect">
+            <a:avLst/>
+          </a:prstGeom>
+          <a:noFill/>
+        </p:spPr>
+        <p:txBody>
+          <a:bodyPr wrap="square" rtlCol="0">
+            <a:spAutoFit/>
+          </a:bodyPr>
+          <a:lstStyle>
+            <a:defPPr>
+              <a:defRPr lang="zh-CN"/>
+            </a:defPPr>
+            <a:lvl1pPr>
+              <a:defRPr b="1">
+                <a:latin typeface="Georgia" panose="02040502050405020303" pitchFamily="18" charset="0"/>
+              </a:defRPr>
+            </a:lvl1pPr>
+          </a:lstStyle>
+          <a:p>
+            <a:r>
+              <a:rPr lang="en-US" altLang="zh-CN" sz="1600" dirty="0"/>
+              <a:t>Two examples of the construction of such weighting functions</a:t>
+            </a:r>
+            <a:r>
+              <a:rPr lang="zh-CN" altLang="en-US" sz="1600" dirty="0"/>
+              <a:t>：</a:t>
+            </a:r>
+          </a:p>
+        </p:txBody>
+      </p:sp>
+      <p:pic>
+        <p:nvPicPr>
+          <p:cNvPr id="11" name="图片 10">
+            <a:extLst>
+              <a:ext uri="{FF2B5EF4-FFF2-40B4-BE49-F238E27FC236}">
+                <a16:creationId xmlns:a16="http://schemas.microsoft.com/office/drawing/2014/main" id="{2A9FAB3D-3064-4C11-A05D-133A261F04D8}"/>
+              </a:ext>
+            </a:extLst>
+          </p:cNvPr>
+          <p:cNvPicPr>
+            <a:picLocks noChangeAspect="1"/>
+          </p:cNvPicPr>
+          <p:nvPr/>
+        </p:nvPicPr>
+        <p:blipFill>
+          <a:blip r:embed="rId3"/>
+          <a:stretch>
+            <a:fillRect/>
+          </a:stretch>
+        </p:blipFill>
+        <p:spPr>
+          <a:xfrm>
+            <a:off x="571501" y="3302913"/>
+            <a:ext cx="2526218" cy="470570"/>
+          </a:xfrm>
+          <a:prstGeom prst="rect">
+            <a:avLst/>
+          </a:prstGeom>
+        </p:spPr>
+      </p:pic>
+      <p:sp>
+        <p:nvSpPr>
+          <p:cNvPr id="28" name="文本框 27">
+            <a:extLst>
+              <a:ext uri="{FF2B5EF4-FFF2-40B4-BE49-F238E27FC236}">
+                <a16:creationId xmlns:a16="http://schemas.microsoft.com/office/drawing/2014/main" id="{A9BDA33E-01D0-4249-91C7-9025A3FD3813}"/>
+              </a:ext>
+            </a:extLst>
+          </p:cNvPr>
+          <p:cNvSpPr txBox="1"/>
+          <p:nvPr/>
+        </p:nvSpPr>
+        <p:spPr>
+          <a:xfrm>
+            <a:off x="510537" y="3627361"/>
+            <a:ext cx="3741192" cy="584775"/>
+          </a:xfrm>
+          <a:prstGeom prst="rect">
+            <a:avLst/>
+          </a:prstGeom>
+          <a:noFill/>
+        </p:spPr>
+        <p:txBody>
+          <a:bodyPr wrap="square">
+            <a:spAutoFit/>
+          </a:bodyPr>
+          <a:lstStyle>
+            <a:defPPr>
+              <a:defRPr lang="zh-CN"/>
+            </a:defPPr>
+            <a:lvl1pPr>
+              <a:defRPr sz="1600">
+                <a:solidFill>
+                  <a:schemeClr val="accent5">
+                    <a:lumMod val="75000"/>
+                  </a:schemeClr>
+                </a:solidFill>
+                <a:latin typeface="Times New Roman" panose="02020603050405020304" pitchFamily="18" charset="0"/>
+                <a:cs typeface="Times New Roman" panose="02020603050405020304" pitchFamily="18" charset="0"/>
+              </a:defRPr>
+            </a:lvl1pPr>
+          </a:lstStyle>
+          <a:p>
+            <a:r>
+              <a:rPr lang="en-US" altLang="zh-CN" dirty="0"/>
+              <a:t>Based on the squared difference between the color vectors of two neighboring pixels</a:t>
+            </a:r>
+            <a:endParaRPr lang="zh-CN" altLang="en-US" dirty="0"/>
+          </a:p>
+        </p:txBody>
+      </p:sp>
+      <p:pic>
+        <p:nvPicPr>
+          <p:cNvPr id="13" name="图片 12">
+            <a:extLst>
+              <a:ext uri="{FF2B5EF4-FFF2-40B4-BE49-F238E27FC236}">
+                <a16:creationId xmlns:a16="http://schemas.microsoft.com/office/drawing/2014/main" id="{5381D0C1-39BE-4D84-817E-6AB9F78D221E}"/>
+              </a:ext>
+            </a:extLst>
+          </p:cNvPr>
+          <p:cNvPicPr>
+            <a:picLocks noChangeAspect="1"/>
+          </p:cNvPicPr>
+          <p:nvPr/>
+        </p:nvPicPr>
+        <p:blipFill>
+          <a:blip r:embed="rId4"/>
+          <a:stretch>
+            <a:fillRect/>
+          </a:stretch>
+        </p:blipFill>
+        <p:spPr>
+          <a:xfrm>
+            <a:off x="571501" y="4213938"/>
+            <a:ext cx="2781259" cy="328694"/>
+          </a:xfrm>
+          <a:prstGeom prst="rect">
+            <a:avLst/>
+          </a:prstGeom>
+        </p:spPr>
+      </p:pic>
+      <p:sp>
+        <p:nvSpPr>
+          <p:cNvPr id="35" name="文本框 34">
+            <a:extLst>
+              <a:ext uri="{FF2B5EF4-FFF2-40B4-BE49-F238E27FC236}">
+                <a16:creationId xmlns:a16="http://schemas.microsoft.com/office/drawing/2014/main" id="{BB50A9F2-D598-4ADE-8D35-0835E162F1FD}"/>
+              </a:ext>
+            </a:extLst>
+          </p:cNvPr>
+          <p:cNvSpPr txBox="1"/>
+          <p:nvPr/>
+        </p:nvSpPr>
+        <p:spPr>
+          <a:xfrm>
+            <a:off x="510537" y="4419000"/>
+            <a:ext cx="3679326" cy="584775"/>
+          </a:xfrm>
+          <a:prstGeom prst="rect">
+            <a:avLst/>
+          </a:prstGeom>
+          <a:noFill/>
+        </p:spPr>
+        <p:txBody>
+          <a:bodyPr wrap="square">
+            <a:spAutoFit/>
+          </a:bodyPr>
+          <a:lstStyle>
+            <a:defPPr>
+              <a:defRPr lang="zh-CN"/>
+            </a:defPPr>
+            <a:lvl1pPr>
+              <a:defRPr sz="1600">
+                <a:solidFill>
+                  <a:schemeClr val="accent5">
+                    <a:lumMod val="75000"/>
+                  </a:schemeClr>
+                </a:solidFill>
+                <a:latin typeface="Times New Roman" panose="02020603050405020304" pitchFamily="18" charset="0"/>
+                <a:cs typeface="Times New Roman" panose="02020603050405020304" pitchFamily="18" charset="0"/>
+              </a:defRPr>
+            </a:lvl1pPr>
+          </a:lstStyle>
+          <a:p>
+            <a:r>
+              <a:rPr lang="en-US" altLang="zh-CN" dirty="0"/>
+              <a:t>Based on the luminance difference of neighboring pixels</a:t>
+            </a:r>
+            <a:endParaRPr lang="zh-CN" altLang="en-US" dirty="0"/>
+          </a:p>
+        </p:txBody>
+      </p:sp>
+      <p:pic>
+        <p:nvPicPr>
+          <p:cNvPr id="19" name="图片 18">
+            <a:extLst>
+              <a:ext uri="{FF2B5EF4-FFF2-40B4-BE49-F238E27FC236}">
+                <a16:creationId xmlns:a16="http://schemas.microsoft.com/office/drawing/2014/main" id="{6D97455C-B52B-4FBF-8FBB-FD4255088922}"/>
+              </a:ext>
+            </a:extLst>
+          </p:cNvPr>
+          <p:cNvPicPr>
+            <a:picLocks noChangeAspect="1"/>
+          </p:cNvPicPr>
+          <p:nvPr/>
+        </p:nvPicPr>
+        <p:blipFill>
+          <a:blip r:embed="rId5"/>
+          <a:stretch>
+            <a:fillRect/>
+          </a:stretch>
+        </p:blipFill>
+        <p:spPr>
+          <a:xfrm>
+            <a:off x="5994251" y="1844012"/>
+            <a:ext cx="3849396" cy="674572"/>
+          </a:xfrm>
+          <a:prstGeom prst="rect">
+            <a:avLst/>
+          </a:prstGeom>
+        </p:spPr>
+      </p:pic>
+      <p:sp>
+        <p:nvSpPr>
+          <p:cNvPr id="38" name="文本框 37">
+            <a:extLst>
+              <a:ext uri="{FF2B5EF4-FFF2-40B4-BE49-F238E27FC236}">
+                <a16:creationId xmlns:a16="http://schemas.microsoft.com/office/drawing/2014/main" id="{AC7C5DA8-DA44-4E87-B39B-4DD5949567A6}"/>
+              </a:ext>
+            </a:extLst>
+          </p:cNvPr>
+          <p:cNvSpPr txBox="1"/>
+          <p:nvPr/>
+        </p:nvSpPr>
+        <p:spPr>
+          <a:xfrm>
+            <a:off x="4833993" y="1474680"/>
+            <a:ext cx="5981858" cy="369332"/>
+          </a:xfrm>
+          <a:prstGeom prst="rect">
+            <a:avLst/>
+          </a:prstGeom>
+          <a:noFill/>
+        </p:spPr>
+        <p:txBody>
+          <a:bodyPr wrap="square" rtlCol="0">
+            <a:spAutoFit/>
+          </a:bodyPr>
+          <a:lstStyle>
+            <a:defPPr>
+              <a:defRPr lang="zh-CN"/>
+            </a:defPPr>
+            <a:lvl1pPr>
+              <a:defRPr b="1">
+                <a:latin typeface="Georgia" panose="02040502050405020303" pitchFamily="18" charset="0"/>
+              </a:defRPr>
+            </a:lvl1pPr>
+          </a:lstStyle>
+          <a:p>
+            <a:r>
+              <a:rPr lang="zh-CN" altLang="en-US" dirty="0"/>
+              <a:t>Integrating the weighted contextual constraints</a:t>
+            </a:r>
+            <a:r>
+              <a:rPr lang="en-US" altLang="zh-CN" dirty="0"/>
+              <a:t>:</a:t>
+            </a:r>
+            <a:endParaRPr lang="zh-CN" altLang="en-US" dirty="0"/>
+          </a:p>
+        </p:txBody>
+      </p:sp>
+      <p:sp>
+        <p:nvSpPr>
+          <p:cNvPr id="41" name="箭头: 下 40">
+            <a:extLst>
+              <a:ext uri="{FF2B5EF4-FFF2-40B4-BE49-F238E27FC236}">
+                <a16:creationId xmlns:a16="http://schemas.microsoft.com/office/drawing/2014/main" id="{90EDF3EF-324F-42D1-B501-462FB7FC63C7}"/>
+              </a:ext>
+            </a:extLst>
+          </p:cNvPr>
+          <p:cNvSpPr/>
+          <p:nvPr/>
+        </p:nvSpPr>
+        <p:spPr>
+          <a:xfrm>
+            <a:off x="7918949" y="2629451"/>
+            <a:ext cx="281376" cy="269608"/>
+          </a:xfrm>
+          <a:prstGeom prst="downArrow">
+            <a:avLst/>
+          </a:prstGeom>
+        </p:spPr>
+        <p:style>
+          <a:lnRef idx="2">
+            <a:schemeClr val="dk1">
+              <a:shade val="50000"/>
+            </a:schemeClr>
+          </a:lnRef>
+          <a:fillRef idx="1">
+            <a:schemeClr val="dk1"/>
+          </a:fillRef>
+          <a:effectRef idx="0">
+            <a:schemeClr val="dk1"/>
+          </a:effectRef>
+          <a:fontRef idx="minor">
+            <a:schemeClr val="lt1"/>
+          </a:fontRef>
+        </p:style>
+        <p:txBody>
+          <a:bodyPr rtlCol="0" anchor="ctr"/>
+          <a:lstStyle/>
+          <a:p>
+            <a:pPr algn="ctr"/>
+            <a:endParaRPr lang="zh-CN" altLang="en-US">
+              <a:ln w="0"/>
+              <a:solidFill>
+                <a:schemeClr val="tx1"/>
+              </a:solidFill>
+              <a:effectLst>
+                <a:outerShdw blurRad="38100" dist="19050" dir="2700000" algn="tl" rotWithShape="0">
+                  <a:schemeClr val="dk1">
+                    <a:alpha val="40000"/>
+                  </a:schemeClr>
+                </a:outerShdw>
+              </a:effectLst>
+            </a:endParaRPr>
+          </a:p>
+        </p:txBody>
+      </p:sp>
+      <p:pic>
+        <p:nvPicPr>
+          <p:cNvPr id="24" name="图片 23">
+            <a:extLst>
+              <a:ext uri="{FF2B5EF4-FFF2-40B4-BE49-F238E27FC236}">
+                <a16:creationId xmlns:a16="http://schemas.microsoft.com/office/drawing/2014/main" id="{82678B4F-D51C-4785-BABC-CDA2F98BEFFA}"/>
+              </a:ext>
+            </a:extLst>
+          </p:cNvPr>
+          <p:cNvPicPr>
+            <a:picLocks noChangeAspect="1"/>
+          </p:cNvPicPr>
+          <p:nvPr/>
+        </p:nvPicPr>
+        <p:blipFill>
+          <a:blip r:embed="rId6"/>
+          <a:stretch>
+            <a:fillRect/>
+          </a:stretch>
+        </p:blipFill>
+        <p:spPr>
+          <a:xfrm>
+            <a:off x="7033171" y="3026977"/>
+            <a:ext cx="2061112" cy="600384"/>
+          </a:xfrm>
+          <a:prstGeom prst="rect">
+            <a:avLst/>
+          </a:prstGeom>
+        </p:spPr>
+      </p:pic>
+      <p:sp>
+        <p:nvSpPr>
+          <p:cNvPr id="42" name="文本框 41">
+            <a:extLst>
+              <a:ext uri="{FF2B5EF4-FFF2-40B4-BE49-F238E27FC236}">
+                <a16:creationId xmlns:a16="http://schemas.microsoft.com/office/drawing/2014/main" id="{E859BDF2-F1E4-4F0F-82C5-60E5029CB215}"/>
+              </a:ext>
+            </a:extLst>
+          </p:cNvPr>
+          <p:cNvSpPr txBox="1"/>
+          <p:nvPr/>
+        </p:nvSpPr>
+        <p:spPr>
+          <a:xfrm>
+            <a:off x="6035194" y="2602797"/>
+            <a:ext cx="1871449" cy="338554"/>
+          </a:xfrm>
+          <a:prstGeom prst="rect">
+            <a:avLst/>
+          </a:prstGeom>
+          <a:noFill/>
+        </p:spPr>
+        <p:txBody>
+          <a:bodyPr wrap="square">
+            <a:spAutoFit/>
+          </a:bodyPr>
+          <a:lstStyle>
+            <a:defPPr>
+              <a:defRPr lang="zh-CN"/>
+            </a:defPPr>
+            <a:lvl1pPr>
+              <a:defRPr sz="1600">
+                <a:solidFill>
+                  <a:schemeClr val="accent5">
+                    <a:lumMod val="75000"/>
+                  </a:schemeClr>
+                </a:solidFill>
+                <a:latin typeface="Times New Roman" panose="02020603050405020304" pitchFamily="18" charset="0"/>
+                <a:cs typeface="Times New Roman" panose="02020603050405020304" pitchFamily="18" charset="0"/>
+              </a:defRPr>
+            </a:lvl1pPr>
+          </a:lstStyle>
+          <a:p>
+            <a:pPr algn="r"/>
+            <a:r>
+              <a:rPr lang="en-US" altLang="zh-CN" dirty="0"/>
+              <a:t>discrete form </a:t>
+            </a:r>
+            <a:endParaRPr lang="zh-CN" altLang="en-US" dirty="0"/>
+          </a:p>
+        </p:txBody>
+      </p:sp>
+      <p:sp>
+        <p:nvSpPr>
+          <p:cNvPr id="44" name="文本框 43">
+            <a:extLst>
+              <a:ext uri="{FF2B5EF4-FFF2-40B4-BE49-F238E27FC236}">
+                <a16:creationId xmlns:a16="http://schemas.microsoft.com/office/drawing/2014/main" id="{77D82D0D-5AC3-459C-88FE-B9475A21A0EA}"/>
+              </a:ext>
+            </a:extLst>
+          </p:cNvPr>
+          <p:cNvSpPr txBox="1"/>
+          <p:nvPr/>
+        </p:nvSpPr>
+        <p:spPr>
+          <a:xfrm>
+            <a:off x="5994251" y="3700137"/>
+            <a:ext cx="1912392" cy="338554"/>
+          </a:xfrm>
+          <a:prstGeom prst="rect">
+            <a:avLst/>
+          </a:prstGeom>
+          <a:noFill/>
+        </p:spPr>
+        <p:txBody>
+          <a:bodyPr wrap="square">
+            <a:spAutoFit/>
+          </a:bodyPr>
+          <a:lstStyle>
+            <a:defPPr>
+              <a:defRPr lang="zh-CN"/>
+            </a:defPPr>
+            <a:lvl1pPr>
+              <a:defRPr sz="1600">
+                <a:solidFill>
+                  <a:schemeClr val="accent5">
+                    <a:lumMod val="75000"/>
+                  </a:schemeClr>
+                </a:solidFill>
+                <a:latin typeface="Times New Roman" panose="02020603050405020304" pitchFamily="18" charset="0"/>
+                <a:cs typeface="Times New Roman" panose="02020603050405020304" pitchFamily="18" charset="0"/>
+              </a:defRPr>
+            </a:lvl1pPr>
+          </a:lstStyle>
+          <a:p>
+            <a:pPr algn="r"/>
+            <a:r>
+              <a:rPr lang="en-US" altLang="zh-CN" dirty="0"/>
+              <a:t>differential operators</a:t>
+            </a:r>
+            <a:endParaRPr lang="zh-CN" altLang="en-US" dirty="0"/>
+          </a:p>
+        </p:txBody>
+      </p:sp>
+      <p:sp>
+        <p:nvSpPr>
+          <p:cNvPr id="45" name="箭头: 下 44">
+            <a:extLst>
+              <a:ext uri="{FF2B5EF4-FFF2-40B4-BE49-F238E27FC236}">
+                <a16:creationId xmlns:a16="http://schemas.microsoft.com/office/drawing/2014/main" id="{BE29A90E-FDC7-4FD7-A848-5522F9D80894}"/>
+              </a:ext>
+            </a:extLst>
+          </p:cNvPr>
+          <p:cNvSpPr/>
+          <p:nvPr/>
+        </p:nvSpPr>
+        <p:spPr>
+          <a:xfrm>
+            <a:off x="7918949" y="3729580"/>
+            <a:ext cx="281376" cy="269608"/>
+          </a:xfrm>
+          <a:prstGeom prst="downArrow">
+            <a:avLst/>
+          </a:prstGeom>
+        </p:spPr>
+        <p:style>
+          <a:lnRef idx="2">
+            <a:schemeClr val="dk1">
+              <a:shade val="50000"/>
+            </a:schemeClr>
+          </a:lnRef>
+          <a:fillRef idx="1">
+            <a:schemeClr val="dk1"/>
+          </a:fillRef>
+          <a:effectRef idx="0">
+            <a:schemeClr val="dk1"/>
+          </a:effectRef>
+          <a:fontRef idx="minor">
+            <a:schemeClr val="lt1"/>
+          </a:fontRef>
+        </p:style>
+        <p:txBody>
+          <a:bodyPr rtlCol="0" anchor="ctr"/>
+          <a:lstStyle/>
+          <a:p>
+            <a:pPr algn="ctr"/>
+            <a:endParaRPr lang="zh-CN" altLang="en-US">
+              <a:ln w="0"/>
+              <a:solidFill>
+                <a:schemeClr val="tx1"/>
+              </a:solidFill>
+              <a:effectLst>
+                <a:outerShdw blurRad="38100" dist="19050" dir="2700000" algn="tl" rotWithShape="0">
+                  <a:schemeClr val="dk1">
+                    <a:alpha val="40000"/>
+                  </a:schemeClr>
+                </a:outerShdw>
+              </a:effectLst>
+            </a:endParaRPr>
+          </a:p>
+        </p:txBody>
+      </p:sp>
+      <p:pic>
+        <p:nvPicPr>
+          <p:cNvPr id="43" name="图片 42">
+            <a:extLst>
+              <a:ext uri="{FF2B5EF4-FFF2-40B4-BE49-F238E27FC236}">
+                <a16:creationId xmlns:a16="http://schemas.microsoft.com/office/drawing/2014/main" id="{FB9E40B5-87C2-46BB-9474-2A953C6FAE53}"/>
+              </a:ext>
+            </a:extLst>
+          </p:cNvPr>
+          <p:cNvPicPr>
+            <a:picLocks noChangeAspect="1"/>
+          </p:cNvPicPr>
+          <p:nvPr/>
+        </p:nvPicPr>
+        <p:blipFill>
+          <a:blip r:embed="rId7"/>
+          <a:stretch>
+            <a:fillRect/>
+          </a:stretch>
+        </p:blipFill>
+        <p:spPr>
+          <a:xfrm>
+            <a:off x="6950447" y="4075988"/>
+            <a:ext cx="2061113" cy="604593"/>
+          </a:xfrm>
+          <a:prstGeom prst="rect">
+            <a:avLst/>
+          </a:prstGeom>
+        </p:spPr>
+      </p:pic>
+      <p:sp>
+        <p:nvSpPr>
+          <p:cNvPr id="49" name="文本框 48">
+            <a:extLst>
+              <a:ext uri="{FF2B5EF4-FFF2-40B4-BE49-F238E27FC236}">
+                <a16:creationId xmlns:a16="http://schemas.microsoft.com/office/drawing/2014/main" id="{8F0707AF-677B-4C9E-BB7E-76D951F30573}"/>
+              </a:ext>
+            </a:extLst>
+          </p:cNvPr>
+          <p:cNvSpPr txBox="1"/>
+          <p:nvPr/>
+        </p:nvSpPr>
+        <p:spPr>
+          <a:xfrm>
+            <a:off x="6313632" y="4647162"/>
+            <a:ext cx="1605317" cy="338554"/>
+          </a:xfrm>
+          <a:prstGeom prst="rect">
+            <a:avLst/>
+          </a:prstGeom>
+          <a:noFill/>
+        </p:spPr>
+        <p:txBody>
+          <a:bodyPr wrap="square">
+            <a:spAutoFit/>
+          </a:bodyPr>
+          <a:lstStyle>
+            <a:defPPr>
+              <a:defRPr lang="zh-CN"/>
+            </a:defPPr>
+            <a:lvl1pPr algn="r">
+              <a:defRPr sz="1600">
+                <a:solidFill>
+                  <a:schemeClr val="accent5">
+                    <a:lumMod val="75000"/>
+                  </a:schemeClr>
+                </a:solidFill>
+                <a:latin typeface="Times New Roman" panose="02020603050405020304" pitchFamily="18" charset="0"/>
+                <a:cs typeface="Times New Roman" panose="02020603050405020304" pitchFamily="18" charset="0"/>
+              </a:defRPr>
+            </a:lvl1pPr>
+          </a:lstStyle>
+          <a:p>
+            <a:r>
+              <a:rPr lang="en-US" altLang="zh-CN" dirty="0"/>
+              <a:t>more compactly</a:t>
+            </a:r>
+            <a:endParaRPr lang="zh-CN" altLang="en-US" dirty="0"/>
+          </a:p>
+        </p:txBody>
+      </p:sp>
+      <p:sp>
+        <p:nvSpPr>
+          <p:cNvPr id="50" name="箭头: 下 49">
+            <a:extLst>
+              <a:ext uri="{FF2B5EF4-FFF2-40B4-BE49-F238E27FC236}">
+                <a16:creationId xmlns:a16="http://schemas.microsoft.com/office/drawing/2014/main" id="{9F012895-31D6-4B27-84C0-4D48D61A660C}"/>
+              </a:ext>
+            </a:extLst>
+          </p:cNvPr>
+          <p:cNvSpPr/>
+          <p:nvPr/>
+        </p:nvSpPr>
+        <p:spPr>
+          <a:xfrm>
+            <a:off x="7918949" y="4716108"/>
+            <a:ext cx="281376" cy="269608"/>
+          </a:xfrm>
+          <a:prstGeom prst="downArrow">
+            <a:avLst/>
+          </a:prstGeom>
+        </p:spPr>
+        <p:style>
+          <a:lnRef idx="2">
+            <a:schemeClr val="dk1">
+              <a:shade val="50000"/>
+            </a:schemeClr>
+          </a:lnRef>
+          <a:fillRef idx="1">
+            <a:schemeClr val="dk1"/>
+          </a:fillRef>
+          <a:effectRef idx="0">
+            <a:schemeClr val="dk1"/>
+          </a:effectRef>
+          <a:fontRef idx="minor">
+            <a:schemeClr val="lt1"/>
+          </a:fontRef>
+        </p:style>
+        <p:txBody>
+          <a:bodyPr rtlCol="0" anchor="ctr"/>
+          <a:lstStyle/>
+          <a:p>
+            <a:pPr algn="ctr"/>
+            <a:endParaRPr lang="zh-CN" altLang="en-US">
+              <a:ln w="0"/>
+              <a:solidFill>
+                <a:schemeClr val="tx1"/>
+              </a:solidFill>
+              <a:effectLst>
+                <a:outerShdw blurRad="38100" dist="19050" dir="2700000" algn="tl" rotWithShape="0">
+                  <a:schemeClr val="dk1">
+                    <a:alpha val="40000"/>
+                  </a:schemeClr>
+                </a:outerShdw>
+              </a:effectLst>
+            </a:endParaRPr>
+          </a:p>
+        </p:txBody>
+      </p:sp>
+      <p:pic>
+        <p:nvPicPr>
+          <p:cNvPr id="48" name="图片 47">
+            <a:extLst>
+              <a:ext uri="{FF2B5EF4-FFF2-40B4-BE49-F238E27FC236}">
+                <a16:creationId xmlns:a16="http://schemas.microsoft.com/office/drawing/2014/main" id="{08DB8512-C056-44EA-9E2D-588A7911D94B}"/>
+              </a:ext>
+            </a:extLst>
+          </p:cNvPr>
+          <p:cNvPicPr>
+            <a:picLocks noChangeAspect="1"/>
+          </p:cNvPicPr>
+          <p:nvPr/>
+        </p:nvPicPr>
+        <p:blipFill>
+          <a:blip r:embed="rId8"/>
+          <a:stretch>
+            <a:fillRect/>
+          </a:stretch>
+        </p:blipFill>
+        <p:spPr>
+          <a:xfrm>
+            <a:off x="7033171" y="4997098"/>
+            <a:ext cx="2061113" cy="575467"/>
+          </a:xfrm>
+          <a:prstGeom prst="rect">
+            <a:avLst/>
+          </a:prstGeom>
+        </p:spPr>
+      </p:pic>
+    </p:spTree>
+    <p:extLst>
+      <p:ext uri="{BB962C8B-B14F-4D97-AF65-F5344CB8AC3E}">
+        <p14:creationId xmlns:p14="http://schemas.microsoft.com/office/powerpoint/2010/main" val="1955569627"/>
+      </p:ext>
+    </p:extLst>
+  </p:cSld>
+  <p:clrMapOvr>
+    <a:masterClrMapping/>
+  </p:clrMapOvr>
+  <mc:AlternateContent xmlns:mc="http://schemas.openxmlformats.org/markup-compatibility/2006" xmlns:p14="http://schemas.microsoft.com/office/powerpoint/2010/main">
+    <mc:Choice Requires="p14">
+      <p:transition p14:dur="300">
+        <p:fade/>
+      </p:transition>
+    </mc:Choice>
+    <mc:Fallback xmlns="">
+      <p:transition>
+        <p:fade/>
+      </p:transition>
+    </mc:Fallback>
+  </mc:AlternateContent>
+  <p:timing>
+    <p:tnLst>
+      <p:par>
+        <p:cTn id="1" dur="indefinite" restart="never" nodeType="tmRoot">
+          <p:childTnLst>
+            <p:seq concurrent="1" nextAc="seek">
+              <p:cTn id="2" dur="indefinite" nodeType="mainSeq">
+                <p:childTnLst>
+                  <p:par>
+                    <p:cTn id="3" fill="hold">
+                      <p:stCondLst>
+                        <p:cond delay="indefinite"/>
+                        <p:cond evt="onBegin" delay="0">
+                          <p:tn val="2"/>
+                        </p:cond>
+                      </p:stCondLst>
+                      <p:childTnLst>
+                        <p:par>
+                          <p:cTn id="4" fill="hold">
+                            <p:stCondLst>
+                              <p:cond delay="0"/>
+                            </p:stCondLst>
+                            <p:childTnLst>
+                              <p:par>
+                                <p:cTn id="5" presetID="2" presetClass="entr" presetSubtype="8" decel="100000" fill="hold" grpId="0" nodeType="withEffect">
+                                  <p:stCondLst>
+                                    <p:cond delay="0"/>
+                                  </p:stCondLst>
+                                  <p:childTnLst>
+                                    <p:set>
+                                      <p:cBhvr>
+                                        <p:cTn id="6" dur="1" fill="hold">
+                                          <p:stCondLst>
+                                            <p:cond delay="0"/>
+                                          </p:stCondLst>
+                                        </p:cTn>
+                                        <p:tgtEl>
+                                          <p:spTgt spid="157"/>
+                                        </p:tgtEl>
+                                        <p:attrNameLst>
+                                          <p:attrName>style.visibility</p:attrName>
+                                        </p:attrNameLst>
+                                      </p:cBhvr>
+                                      <p:to>
+                                        <p:strVal val="visible"/>
+                                      </p:to>
+                                    </p:set>
+                                    <p:anim calcmode="lin" valueType="num">
+                                      <p:cBhvr additive="base">
+                                        <p:cTn id="7" dur="500" fill="hold"/>
+                                        <p:tgtEl>
+                                          <p:spTgt spid="157"/>
+                                        </p:tgtEl>
+                                        <p:attrNameLst>
+                                          <p:attrName>ppt_x</p:attrName>
+                                        </p:attrNameLst>
+                                      </p:cBhvr>
+                                      <p:tavLst>
+                                        <p:tav tm="0">
+                                          <p:val>
+                                            <p:strVal val="0-#ppt_w/2"/>
+                                          </p:val>
+                                        </p:tav>
+                                        <p:tav tm="100000">
+                                          <p:val>
+                                            <p:strVal val="#ppt_x"/>
+                                          </p:val>
+                                        </p:tav>
+                                      </p:tavLst>
+                                    </p:anim>
+                                    <p:anim calcmode="lin" valueType="num">
+                                      <p:cBhvr additive="base">
+                                        <p:cTn id="8" dur="500" fill="hold"/>
+                                        <p:tgtEl>
+                                          <p:spTgt spid="157"/>
+                                        </p:tgtEl>
+                                        <p:attrNameLst>
+                                          <p:attrName>ppt_y</p:attrName>
+                                        </p:attrNameLst>
+                                      </p:cBhvr>
+                                      <p:tavLst>
+                                        <p:tav tm="0">
+                                          <p:val>
+                                            <p:strVal val="#ppt_y"/>
+                                          </p:val>
+                                        </p:tav>
+                                        <p:tav tm="100000">
+                                          <p:val>
+                                            <p:strVal val="#ppt_y"/>
+                                          </p:val>
+                                        </p:tav>
+                                      </p:tavLst>
+                                    </p:anim>
+                                  </p:childTnLst>
+                                </p:cTn>
+                              </p:par>
+                              <p:par>
+                                <p:cTn id="9" presetID="2" presetClass="entr" presetSubtype="2" decel="100000" fill="hold" grpId="0" nodeType="withEffect">
+                                  <p:stCondLst>
+                                    <p:cond delay="0"/>
+                                  </p:stCondLst>
+                                  <p:childTnLst>
+                                    <p:set>
+                                      <p:cBhvr>
+                                        <p:cTn id="10" dur="1" fill="hold">
+                                          <p:stCondLst>
+                                            <p:cond delay="0"/>
+                                          </p:stCondLst>
+                                        </p:cTn>
+                                        <p:tgtEl>
+                                          <p:spTgt spid="158"/>
+                                        </p:tgtEl>
+                                        <p:attrNameLst>
+                                          <p:attrName>style.visibility</p:attrName>
+                                        </p:attrNameLst>
+                                      </p:cBhvr>
+                                      <p:to>
+                                        <p:strVal val="visible"/>
+                                      </p:to>
+                                    </p:set>
+                                    <p:anim calcmode="lin" valueType="num">
+                                      <p:cBhvr additive="base">
+                                        <p:cTn id="11" dur="500" fill="hold"/>
+                                        <p:tgtEl>
+                                          <p:spTgt spid="158"/>
+                                        </p:tgtEl>
+                                        <p:attrNameLst>
+                                          <p:attrName>ppt_x</p:attrName>
+                                        </p:attrNameLst>
+                                      </p:cBhvr>
+                                      <p:tavLst>
+                                        <p:tav tm="0">
+                                          <p:val>
+                                            <p:strVal val="1+#ppt_w/2"/>
+                                          </p:val>
+                                        </p:tav>
+                                        <p:tav tm="100000">
+                                          <p:val>
+                                            <p:strVal val="#ppt_x"/>
+                                          </p:val>
+                                        </p:tav>
+                                      </p:tavLst>
+                                    </p:anim>
+                                    <p:anim calcmode="lin" valueType="num">
+                                      <p:cBhvr additive="base">
+                                        <p:cTn id="12" dur="500" fill="hold"/>
+                                        <p:tgtEl>
+                                          <p:spTgt spid="158"/>
+                                        </p:tgtEl>
+                                        <p:attrNameLst>
+                                          <p:attrName>ppt_y</p:attrName>
+                                        </p:attrNameLst>
+                                      </p:cBhvr>
+                                      <p:tavLst>
+                                        <p:tav tm="0">
+                                          <p:val>
+                                            <p:strVal val="#ppt_y"/>
+                                          </p:val>
+                                        </p:tav>
+                                        <p:tav tm="100000">
+                                          <p:val>
+                                            <p:strVal val="#ppt_y"/>
+                                          </p:val>
+                                        </p:tav>
+                                      </p:tavLst>
+                                    </p:anim>
+                                  </p:childTnLst>
+                                </p:cTn>
+                              </p:par>
+                              <p:par>
+                                <p:cTn id="13" presetID="22" presetClass="entr" presetSubtype="8" fill="hold" grpId="0" nodeType="withEffect">
+                                  <p:stCondLst>
+                                    <p:cond delay="0"/>
+                                  </p:stCondLst>
+                                  <p:childTnLst>
+                                    <p:set>
+                                      <p:cBhvr>
+                                        <p:cTn id="14" dur="1" fill="hold">
+                                          <p:stCondLst>
+                                            <p:cond delay="0"/>
+                                          </p:stCondLst>
+                                        </p:cTn>
+                                        <p:tgtEl>
+                                          <p:spTgt spid="18"/>
+                                        </p:tgtEl>
+                                        <p:attrNameLst>
+                                          <p:attrName>style.visibility</p:attrName>
+                                        </p:attrNameLst>
+                                      </p:cBhvr>
+                                      <p:to>
+                                        <p:strVal val="visible"/>
+                                      </p:to>
+                                    </p:set>
+                                    <p:animEffect transition="in" filter="wipe(left)">
+                                      <p:cBhvr>
+                                        <p:cTn id="15" dur="500"/>
+                                        <p:tgtEl>
+                                          <p:spTgt spid="18"/>
+                                        </p:tgtEl>
+                                      </p:cBhvr>
+                                    </p:animEffect>
+                                  </p:childTnLst>
+                                </p:cTn>
+                              </p:par>
+                              <p:par>
+                                <p:cTn id="16" presetID="53" presetClass="entr" presetSubtype="16" fill="hold" grpId="0" nodeType="withEffect">
+                                  <p:stCondLst>
+                                    <p:cond delay="0"/>
+                                  </p:stCondLst>
+                                  <p:iterate type="lt">
+                                    <p:tmPct val="10000"/>
+                                  </p:iterate>
+                                  <p:childTnLst>
+                                    <p:set>
+                                      <p:cBhvr>
+                                        <p:cTn id="17" dur="1" fill="hold">
+                                          <p:stCondLst>
+                                            <p:cond delay="0"/>
+                                          </p:stCondLst>
+                                        </p:cTn>
+                                        <p:tgtEl>
+                                          <p:spTgt spid="17"/>
+                                        </p:tgtEl>
+                                        <p:attrNameLst>
+                                          <p:attrName>style.visibility</p:attrName>
+                                        </p:attrNameLst>
+                                      </p:cBhvr>
+                                      <p:to>
+                                        <p:strVal val="visible"/>
+                                      </p:to>
+                                    </p:set>
+                                    <p:anim calcmode="lin" valueType="num">
+                                      <p:cBhvr>
+                                        <p:cTn id="18" dur="500" fill="hold"/>
+                                        <p:tgtEl>
+                                          <p:spTgt spid="17"/>
+                                        </p:tgtEl>
+                                        <p:attrNameLst>
+                                          <p:attrName>ppt_w</p:attrName>
+                                        </p:attrNameLst>
+                                      </p:cBhvr>
+                                      <p:tavLst>
+                                        <p:tav tm="0">
+                                          <p:val>
+                                            <p:fltVal val="0"/>
+                                          </p:val>
+                                        </p:tav>
+                                        <p:tav tm="100000">
+                                          <p:val>
+                                            <p:strVal val="#ppt_w"/>
+                                          </p:val>
+                                        </p:tav>
+                                      </p:tavLst>
+                                    </p:anim>
+                                    <p:anim calcmode="lin" valueType="num">
+                                      <p:cBhvr>
+                                        <p:cTn id="19" dur="500" fill="hold"/>
+                                        <p:tgtEl>
+                                          <p:spTgt spid="17"/>
+                                        </p:tgtEl>
+                                        <p:attrNameLst>
+                                          <p:attrName>ppt_h</p:attrName>
+                                        </p:attrNameLst>
+                                      </p:cBhvr>
+                                      <p:tavLst>
+                                        <p:tav tm="0">
+                                          <p:val>
+                                            <p:fltVal val="0"/>
+                                          </p:val>
+                                        </p:tav>
+                                        <p:tav tm="100000">
+                                          <p:val>
+                                            <p:strVal val="#ppt_h"/>
+                                          </p:val>
+                                        </p:tav>
+                                      </p:tavLst>
+                                    </p:anim>
+                                    <p:animEffect transition="in" filter="fade">
+                                      <p:cBhvr>
+                                        <p:cTn id="20" dur="500"/>
+                                        <p:tgtEl>
+                                          <p:spTgt spid="17"/>
+                                        </p:tgtEl>
+                                      </p:cBhvr>
+                                    </p:animEffect>
+                                  </p:childTnLst>
+                                </p:cTn>
+                              </p:par>
+                              <p:par>
+                                <p:cTn id="21" presetID="10" presetClass="entr" presetSubtype="0" fill="hold" grpId="0" nodeType="withEffect">
+                                  <p:stCondLst>
+                                    <p:cond delay="0"/>
+                                  </p:stCondLst>
+                                  <p:childTnLst>
+                                    <p:set>
+                                      <p:cBhvr>
+                                        <p:cTn id="22" dur="1" fill="hold">
+                                          <p:stCondLst>
+                                            <p:cond delay="0"/>
+                                          </p:stCondLst>
+                                        </p:cTn>
+                                        <p:tgtEl>
+                                          <p:spTgt spid="3"/>
+                                        </p:tgtEl>
+                                        <p:attrNameLst>
+                                          <p:attrName>style.visibility</p:attrName>
+                                        </p:attrNameLst>
+                                      </p:cBhvr>
+                                      <p:to>
+                                        <p:strVal val="visible"/>
+                                      </p:to>
+                                    </p:set>
+                                    <p:animEffect transition="in" filter="fade">
+                                      <p:cBhvr>
+                                        <p:cTn id="23" dur="500"/>
+                                        <p:tgtEl>
+                                          <p:spTgt spid="3"/>
+                                        </p:tgtEl>
+                                      </p:cBhvr>
+                                    </p:animEffect>
+                                  </p:childTnLst>
+                                </p:cTn>
+                              </p:par>
+                              <p:par>
+                                <p:cTn id="24" presetID="53" presetClass="entr" presetSubtype="16" fill="hold" grpId="0" nodeType="withEffect">
+                                  <p:stCondLst>
+                                    <p:cond delay="0"/>
+                                  </p:stCondLst>
+                                  <p:iterate type="lt">
+                                    <p:tmPct val="10000"/>
+                                  </p:iterate>
+                                  <p:childTnLst>
+                                    <p:set>
+                                      <p:cBhvr>
+                                        <p:cTn id="25" dur="1" fill="hold">
+                                          <p:stCondLst>
+                                            <p:cond delay="0"/>
+                                          </p:stCondLst>
+                                        </p:cTn>
+                                        <p:tgtEl>
+                                          <p:spTgt spid="33"/>
+                                        </p:tgtEl>
+                                        <p:attrNameLst>
+                                          <p:attrName>style.visibility</p:attrName>
+                                        </p:attrNameLst>
+                                      </p:cBhvr>
+                                      <p:to>
+                                        <p:strVal val="visible"/>
+                                      </p:to>
+                                    </p:set>
+                                    <p:anim calcmode="lin" valueType="num">
+                                      <p:cBhvr>
+                                        <p:cTn id="26" dur="500" fill="hold"/>
+                                        <p:tgtEl>
+                                          <p:spTgt spid="33"/>
+                                        </p:tgtEl>
+                                        <p:attrNameLst>
+                                          <p:attrName>ppt_w</p:attrName>
+                                        </p:attrNameLst>
+                                      </p:cBhvr>
+                                      <p:tavLst>
+                                        <p:tav tm="0">
+                                          <p:val>
+                                            <p:fltVal val="0"/>
+                                          </p:val>
+                                        </p:tav>
+                                        <p:tav tm="100000">
+                                          <p:val>
+                                            <p:strVal val="#ppt_w"/>
+                                          </p:val>
+                                        </p:tav>
+                                      </p:tavLst>
+                                    </p:anim>
+                                    <p:anim calcmode="lin" valueType="num">
+                                      <p:cBhvr>
+                                        <p:cTn id="27" dur="500" fill="hold"/>
+                                        <p:tgtEl>
+                                          <p:spTgt spid="33"/>
+                                        </p:tgtEl>
+                                        <p:attrNameLst>
+                                          <p:attrName>ppt_h</p:attrName>
+                                        </p:attrNameLst>
+                                      </p:cBhvr>
+                                      <p:tavLst>
+                                        <p:tav tm="0">
+                                          <p:val>
+                                            <p:fltVal val="0"/>
+                                          </p:val>
+                                        </p:tav>
+                                        <p:tav tm="100000">
+                                          <p:val>
+                                            <p:strVal val="#ppt_h"/>
+                                          </p:val>
+                                        </p:tav>
+                                      </p:tavLst>
+                                    </p:anim>
+                                    <p:animEffect transition="in" filter="fade">
+                                      <p:cBhvr>
+                                        <p:cTn id="28" dur="500"/>
+                                        <p:tgtEl>
+                                          <p:spTgt spid="33"/>
+                                        </p:tgtEl>
+                                      </p:cBhvr>
+                                    </p:animEffect>
+                                  </p:childTnLst>
+                                </p:cTn>
+                              </p:par>
+                              <p:par>
+                                <p:cTn id="29" presetID="10" presetClass="entr" presetSubtype="0" fill="hold" nodeType="withEffect">
+                                  <p:stCondLst>
+                                    <p:cond delay="0"/>
+                                  </p:stCondLst>
+                                  <p:childTnLst>
+                                    <p:set>
+                                      <p:cBhvr>
+                                        <p:cTn id="30" dur="1" fill="hold">
+                                          <p:stCondLst>
+                                            <p:cond delay="0"/>
+                                          </p:stCondLst>
+                                        </p:cTn>
+                                        <p:tgtEl>
+                                          <p:spTgt spid="6"/>
+                                        </p:tgtEl>
+                                        <p:attrNameLst>
+                                          <p:attrName>style.visibility</p:attrName>
+                                        </p:attrNameLst>
+                                      </p:cBhvr>
+                                      <p:to>
+                                        <p:strVal val="visible"/>
+                                      </p:to>
+                                    </p:set>
+                                    <p:animEffect transition="in" filter="fade">
+                                      <p:cBhvr>
+                                        <p:cTn id="31" dur="500"/>
+                                        <p:tgtEl>
+                                          <p:spTgt spid="6"/>
+                                        </p:tgtEl>
+                                      </p:cBhvr>
+                                    </p:animEffect>
+                                  </p:childTnLst>
+                                </p:cTn>
+                              </p:par>
+                              <p:par>
+                                <p:cTn id="32" presetID="10" presetClass="entr" presetSubtype="0" fill="hold" grpId="0" nodeType="withEffect">
+                                  <p:stCondLst>
+                                    <p:cond delay="0"/>
+                                  </p:stCondLst>
+                                  <p:childTnLst>
+                                    <p:set>
+                                      <p:cBhvr>
+                                        <p:cTn id="33" dur="1" fill="hold">
+                                          <p:stCondLst>
+                                            <p:cond delay="0"/>
+                                          </p:stCondLst>
+                                        </p:cTn>
+                                        <p:tgtEl>
+                                          <p:spTgt spid="26"/>
+                                        </p:tgtEl>
+                                        <p:attrNameLst>
+                                          <p:attrName>style.visibility</p:attrName>
+                                        </p:attrNameLst>
+                                      </p:cBhvr>
+                                      <p:to>
+                                        <p:strVal val="visible"/>
+                                      </p:to>
+                                    </p:set>
+                                    <p:animEffect transition="in" filter="fade">
+                                      <p:cBhvr>
+                                        <p:cTn id="34" dur="500"/>
+                                        <p:tgtEl>
+                                          <p:spTgt spid="26"/>
+                                        </p:tgtEl>
+                                      </p:cBhvr>
+                                    </p:animEffect>
+                                  </p:childTnLst>
+                                </p:cTn>
+                              </p:par>
+                              <p:par>
+                                <p:cTn id="35" presetID="10" presetClass="entr" presetSubtype="0" fill="hold" nodeType="withEffect">
+                                  <p:stCondLst>
+                                    <p:cond delay="0"/>
+                                  </p:stCondLst>
+                                  <p:childTnLst>
+                                    <p:set>
+                                      <p:cBhvr>
+                                        <p:cTn id="36" dur="1" fill="hold">
+                                          <p:stCondLst>
+                                            <p:cond delay="0"/>
+                                          </p:stCondLst>
+                                        </p:cTn>
+                                        <p:tgtEl>
+                                          <p:spTgt spid="11"/>
+                                        </p:tgtEl>
+                                        <p:attrNameLst>
+                                          <p:attrName>style.visibility</p:attrName>
+                                        </p:attrNameLst>
+                                      </p:cBhvr>
+                                      <p:to>
+                                        <p:strVal val="visible"/>
+                                      </p:to>
+                                    </p:set>
+                                    <p:animEffect transition="in" filter="fade">
+                                      <p:cBhvr>
+                                        <p:cTn id="37" dur="500"/>
+                                        <p:tgtEl>
+                                          <p:spTgt spid="11"/>
+                                        </p:tgtEl>
+                                      </p:cBhvr>
+                                    </p:animEffect>
+                                  </p:childTnLst>
+                                </p:cTn>
+                              </p:par>
+                              <p:par>
+                                <p:cTn id="38" presetID="10" presetClass="entr" presetSubtype="0" fill="hold" grpId="0" nodeType="withEffect">
+                                  <p:stCondLst>
+                                    <p:cond delay="0"/>
+                                  </p:stCondLst>
+                                  <p:childTnLst>
+                                    <p:set>
+                                      <p:cBhvr>
+                                        <p:cTn id="39" dur="1" fill="hold">
+                                          <p:stCondLst>
+                                            <p:cond delay="0"/>
+                                          </p:stCondLst>
+                                        </p:cTn>
+                                        <p:tgtEl>
+                                          <p:spTgt spid="28"/>
+                                        </p:tgtEl>
+                                        <p:attrNameLst>
+                                          <p:attrName>style.visibility</p:attrName>
+                                        </p:attrNameLst>
+                                      </p:cBhvr>
+                                      <p:to>
+                                        <p:strVal val="visible"/>
+                                      </p:to>
+                                    </p:set>
+                                    <p:animEffect transition="in" filter="fade">
+                                      <p:cBhvr>
+                                        <p:cTn id="40" dur="500"/>
+                                        <p:tgtEl>
+                                          <p:spTgt spid="28"/>
+                                        </p:tgtEl>
+                                      </p:cBhvr>
+                                    </p:animEffect>
+                                  </p:childTnLst>
+                                </p:cTn>
+                              </p:par>
+                              <p:par>
+                                <p:cTn id="41" presetID="10" presetClass="entr" presetSubtype="0" fill="hold" nodeType="withEffect">
+                                  <p:stCondLst>
+                                    <p:cond delay="0"/>
+                                  </p:stCondLst>
+                                  <p:childTnLst>
+                                    <p:set>
+                                      <p:cBhvr>
+                                        <p:cTn id="42" dur="1" fill="hold">
+                                          <p:stCondLst>
+                                            <p:cond delay="0"/>
+                                          </p:stCondLst>
+                                        </p:cTn>
+                                        <p:tgtEl>
+                                          <p:spTgt spid="13"/>
+                                        </p:tgtEl>
+                                        <p:attrNameLst>
+                                          <p:attrName>style.visibility</p:attrName>
+                                        </p:attrNameLst>
+                                      </p:cBhvr>
+                                      <p:to>
+                                        <p:strVal val="visible"/>
+                                      </p:to>
+                                    </p:set>
+                                    <p:animEffect transition="in" filter="fade">
+                                      <p:cBhvr>
+                                        <p:cTn id="43" dur="500"/>
+                                        <p:tgtEl>
+                                          <p:spTgt spid="13"/>
+                                        </p:tgtEl>
+                                      </p:cBhvr>
+                                    </p:animEffect>
+                                  </p:childTnLst>
+                                </p:cTn>
+                              </p:par>
+                              <p:par>
+                                <p:cTn id="44" presetID="10" presetClass="entr" presetSubtype="0" fill="hold" grpId="0" nodeType="withEffect">
+                                  <p:stCondLst>
+                                    <p:cond delay="0"/>
+                                  </p:stCondLst>
+                                  <p:childTnLst>
+                                    <p:set>
+                                      <p:cBhvr>
+                                        <p:cTn id="45" dur="1" fill="hold">
+                                          <p:stCondLst>
+                                            <p:cond delay="0"/>
+                                          </p:stCondLst>
+                                        </p:cTn>
+                                        <p:tgtEl>
+                                          <p:spTgt spid="35"/>
+                                        </p:tgtEl>
+                                        <p:attrNameLst>
+                                          <p:attrName>style.visibility</p:attrName>
+                                        </p:attrNameLst>
+                                      </p:cBhvr>
+                                      <p:to>
+                                        <p:strVal val="visible"/>
+                                      </p:to>
+                                    </p:set>
+                                    <p:animEffect transition="in" filter="fade">
+                                      <p:cBhvr>
+                                        <p:cTn id="46" dur="500"/>
+                                        <p:tgtEl>
+                                          <p:spTgt spid="35"/>
+                                        </p:tgtEl>
+                                      </p:cBhvr>
+                                    </p:animEffect>
+                                  </p:childTnLst>
+                                </p:cTn>
+                              </p:par>
+                              <p:par>
+                                <p:cTn id="47" presetID="10" presetClass="entr" presetSubtype="0" fill="hold" grpId="0" nodeType="withEffect">
+                                  <p:stCondLst>
+                                    <p:cond delay="0"/>
+                                  </p:stCondLst>
+                                  <p:childTnLst>
+                                    <p:set>
+                                      <p:cBhvr>
+                                        <p:cTn id="48" dur="1" fill="hold">
+                                          <p:stCondLst>
+                                            <p:cond delay="0"/>
+                                          </p:stCondLst>
+                                        </p:cTn>
+                                        <p:tgtEl>
+                                          <p:spTgt spid="38"/>
+                                        </p:tgtEl>
+                                        <p:attrNameLst>
+                                          <p:attrName>style.visibility</p:attrName>
+                                        </p:attrNameLst>
+                                      </p:cBhvr>
+                                      <p:to>
+                                        <p:strVal val="visible"/>
+                                      </p:to>
+                                    </p:set>
+                                    <p:animEffect transition="in" filter="fade">
+                                      <p:cBhvr>
+                                        <p:cTn id="49" dur="500"/>
+                                        <p:tgtEl>
+                                          <p:spTgt spid="38"/>
+                                        </p:tgtEl>
+                                      </p:cBhvr>
+                                    </p:animEffect>
+                                  </p:childTnLst>
+                                </p:cTn>
+                              </p:par>
+                              <p:par>
+                                <p:cTn id="50" presetID="10" presetClass="entr" presetSubtype="0" fill="hold" nodeType="withEffect">
+                                  <p:stCondLst>
+                                    <p:cond delay="0"/>
+                                  </p:stCondLst>
+                                  <p:childTnLst>
+                                    <p:set>
+                                      <p:cBhvr>
+                                        <p:cTn id="51" dur="1" fill="hold">
+                                          <p:stCondLst>
+                                            <p:cond delay="0"/>
+                                          </p:stCondLst>
+                                        </p:cTn>
+                                        <p:tgtEl>
+                                          <p:spTgt spid="19"/>
+                                        </p:tgtEl>
+                                        <p:attrNameLst>
+                                          <p:attrName>style.visibility</p:attrName>
+                                        </p:attrNameLst>
+                                      </p:cBhvr>
+                                      <p:to>
+                                        <p:strVal val="visible"/>
+                                      </p:to>
+                                    </p:set>
+                                    <p:animEffect transition="in" filter="fade">
+                                      <p:cBhvr>
+                                        <p:cTn id="52" dur="500"/>
+                                        <p:tgtEl>
+                                          <p:spTgt spid="19"/>
+                                        </p:tgtEl>
+                                      </p:cBhvr>
+                                    </p:animEffect>
+                                  </p:childTnLst>
+                                </p:cTn>
+                              </p:par>
+                              <p:par>
+                                <p:cTn id="53" presetID="10" presetClass="entr" presetSubtype="0" fill="hold" grpId="0" nodeType="withEffect">
+                                  <p:stCondLst>
+                                    <p:cond delay="0"/>
+                                  </p:stCondLst>
+                                  <p:childTnLst>
+                                    <p:set>
+                                      <p:cBhvr>
+                                        <p:cTn id="54" dur="1" fill="hold">
+                                          <p:stCondLst>
+                                            <p:cond delay="0"/>
+                                          </p:stCondLst>
+                                        </p:cTn>
+                                        <p:tgtEl>
+                                          <p:spTgt spid="42"/>
+                                        </p:tgtEl>
+                                        <p:attrNameLst>
+                                          <p:attrName>style.visibility</p:attrName>
+                                        </p:attrNameLst>
+                                      </p:cBhvr>
+                                      <p:to>
+                                        <p:strVal val="visible"/>
+                                      </p:to>
+                                    </p:set>
+                                    <p:animEffect transition="in" filter="fade">
+                                      <p:cBhvr>
+                                        <p:cTn id="55" dur="500"/>
+                                        <p:tgtEl>
+                                          <p:spTgt spid="42"/>
+                                        </p:tgtEl>
+                                      </p:cBhvr>
+                                    </p:animEffect>
+                                  </p:childTnLst>
+                                </p:cTn>
+                              </p:par>
+                              <p:par>
+                                <p:cTn id="56" presetID="10" presetClass="entr" presetSubtype="0" fill="hold" grpId="0" nodeType="withEffect">
+                                  <p:stCondLst>
+                                    <p:cond delay="0"/>
+                                  </p:stCondLst>
+                                  <p:childTnLst>
+                                    <p:set>
+                                      <p:cBhvr>
+                                        <p:cTn id="57" dur="1" fill="hold">
+                                          <p:stCondLst>
+                                            <p:cond delay="0"/>
+                                          </p:stCondLst>
+                                        </p:cTn>
+                                        <p:tgtEl>
+                                          <p:spTgt spid="41"/>
+                                        </p:tgtEl>
+                                        <p:attrNameLst>
+                                          <p:attrName>style.visibility</p:attrName>
+                                        </p:attrNameLst>
+                                      </p:cBhvr>
+                                      <p:to>
+                                        <p:strVal val="visible"/>
+                                      </p:to>
+                                    </p:set>
+                                    <p:animEffect transition="in" filter="fade">
+                                      <p:cBhvr>
+                                        <p:cTn id="58" dur="500"/>
+                                        <p:tgtEl>
+                                          <p:spTgt spid="41"/>
+                                        </p:tgtEl>
+                                      </p:cBhvr>
+                                    </p:animEffect>
+                                  </p:childTnLst>
+                                </p:cTn>
+                              </p:par>
+                              <p:par>
+                                <p:cTn id="59" presetID="10" presetClass="entr" presetSubtype="0" fill="hold" nodeType="withEffect">
+                                  <p:stCondLst>
+                                    <p:cond delay="0"/>
+                                  </p:stCondLst>
+                                  <p:childTnLst>
+                                    <p:set>
+                                      <p:cBhvr>
+                                        <p:cTn id="60" dur="1" fill="hold">
+                                          <p:stCondLst>
+                                            <p:cond delay="0"/>
+                                          </p:stCondLst>
+                                        </p:cTn>
+                                        <p:tgtEl>
+                                          <p:spTgt spid="24"/>
+                                        </p:tgtEl>
+                                        <p:attrNameLst>
+                                          <p:attrName>style.visibility</p:attrName>
+                                        </p:attrNameLst>
+                                      </p:cBhvr>
+                                      <p:to>
+                                        <p:strVal val="visible"/>
+                                      </p:to>
+                                    </p:set>
+                                    <p:animEffect transition="in" filter="fade">
+                                      <p:cBhvr>
+                                        <p:cTn id="61" dur="500"/>
+                                        <p:tgtEl>
+                                          <p:spTgt spid="24"/>
+                                        </p:tgtEl>
+                                      </p:cBhvr>
+                                    </p:animEffect>
+                                  </p:childTnLst>
+                                </p:cTn>
+                              </p:par>
+                              <p:par>
+                                <p:cTn id="62" presetID="10" presetClass="entr" presetSubtype="0" fill="hold" grpId="0" nodeType="withEffect">
+                                  <p:stCondLst>
+                                    <p:cond delay="0"/>
+                                  </p:stCondLst>
+                                  <p:childTnLst>
+                                    <p:set>
+                                      <p:cBhvr>
+                                        <p:cTn id="63" dur="1" fill="hold">
+                                          <p:stCondLst>
+                                            <p:cond delay="0"/>
+                                          </p:stCondLst>
+                                        </p:cTn>
+                                        <p:tgtEl>
+                                          <p:spTgt spid="44"/>
+                                        </p:tgtEl>
+                                        <p:attrNameLst>
+                                          <p:attrName>style.visibility</p:attrName>
+                                        </p:attrNameLst>
+                                      </p:cBhvr>
+                                      <p:to>
+                                        <p:strVal val="visible"/>
+                                      </p:to>
+                                    </p:set>
+                                    <p:animEffect transition="in" filter="fade">
+                                      <p:cBhvr>
+                                        <p:cTn id="64" dur="500"/>
+                                        <p:tgtEl>
+                                          <p:spTgt spid="44"/>
+                                        </p:tgtEl>
+                                      </p:cBhvr>
+                                    </p:animEffect>
+                                  </p:childTnLst>
+                                </p:cTn>
+                              </p:par>
+                              <p:par>
+                                <p:cTn id="65" presetID="10" presetClass="entr" presetSubtype="0" fill="hold" grpId="0" nodeType="withEffect">
+                                  <p:stCondLst>
+                                    <p:cond delay="0"/>
+                                  </p:stCondLst>
+                                  <p:childTnLst>
+                                    <p:set>
+                                      <p:cBhvr>
+                                        <p:cTn id="66" dur="1" fill="hold">
+                                          <p:stCondLst>
+                                            <p:cond delay="0"/>
+                                          </p:stCondLst>
+                                        </p:cTn>
+                                        <p:tgtEl>
+                                          <p:spTgt spid="45"/>
+                                        </p:tgtEl>
+                                        <p:attrNameLst>
+                                          <p:attrName>style.visibility</p:attrName>
+                                        </p:attrNameLst>
+                                      </p:cBhvr>
+                                      <p:to>
+                                        <p:strVal val="visible"/>
+                                      </p:to>
+                                    </p:set>
+                                    <p:animEffect transition="in" filter="fade">
+                                      <p:cBhvr>
+                                        <p:cTn id="67" dur="500"/>
+                                        <p:tgtEl>
+                                          <p:spTgt spid="45"/>
+                                        </p:tgtEl>
+                                      </p:cBhvr>
+                                    </p:animEffect>
+                                  </p:childTnLst>
+                                </p:cTn>
+                              </p:par>
+                              <p:par>
+                                <p:cTn id="68" presetID="10" presetClass="entr" presetSubtype="0" fill="hold" nodeType="withEffect">
+                                  <p:stCondLst>
+                                    <p:cond delay="0"/>
+                                  </p:stCondLst>
+                                  <p:childTnLst>
+                                    <p:set>
+                                      <p:cBhvr>
+                                        <p:cTn id="69" dur="1" fill="hold">
+                                          <p:stCondLst>
+                                            <p:cond delay="0"/>
+                                          </p:stCondLst>
+                                        </p:cTn>
+                                        <p:tgtEl>
+                                          <p:spTgt spid="43"/>
+                                        </p:tgtEl>
+                                        <p:attrNameLst>
+                                          <p:attrName>style.visibility</p:attrName>
+                                        </p:attrNameLst>
+                                      </p:cBhvr>
+                                      <p:to>
+                                        <p:strVal val="visible"/>
+                                      </p:to>
+                                    </p:set>
+                                    <p:animEffect transition="in" filter="fade">
+                                      <p:cBhvr>
+                                        <p:cTn id="70" dur="500"/>
+                                        <p:tgtEl>
+                                          <p:spTgt spid="43"/>
+                                        </p:tgtEl>
+                                      </p:cBhvr>
+                                    </p:animEffect>
+                                  </p:childTnLst>
+                                </p:cTn>
+                              </p:par>
+                              <p:par>
+                                <p:cTn id="71" presetID="10" presetClass="entr" presetSubtype="0" fill="hold" grpId="0" nodeType="withEffect">
+                                  <p:stCondLst>
+                                    <p:cond delay="0"/>
+                                  </p:stCondLst>
+                                  <p:childTnLst>
+                                    <p:set>
+                                      <p:cBhvr>
+                                        <p:cTn id="72" dur="1" fill="hold">
+                                          <p:stCondLst>
+                                            <p:cond delay="0"/>
+                                          </p:stCondLst>
+                                        </p:cTn>
+                                        <p:tgtEl>
+                                          <p:spTgt spid="49"/>
+                                        </p:tgtEl>
+                                        <p:attrNameLst>
+                                          <p:attrName>style.visibility</p:attrName>
+                                        </p:attrNameLst>
+                                      </p:cBhvr>
+                                      <p:to>
+                                        <p:strVal val="visible"/>
+                                      </p:to>
+                                    </p:set>
+                                    <p:animEffect transition="in" filter="fade">
+                                      <p:cBhvr>
+                                        <p:cTn id="73" dur="500"/>
+                                        <p:tgtEl>
+                                          <p:spTgt spid="49"/>
+                                        </p:tgtEl>
+                                      </p:cBhvr>
+                                    </p:animEffect>
+                                  </p:childTnLst>
+                                </p:cTn>
+                              </p:par>
+                              <p:par>
+                                <p:cTn id="74" presetID="10" presetClass="entr" presetSubtype="0" fill="hold" grpId="0" nodeType="withEffect">
+                                  <p:stCondLst>
+                                    <p:cond delay="0"/>
+                                  </p:stCondLst>
+                                  <p:childTnLst>
+                                    <p:set>
+                                      <p:cBhvr>
+                                        <p:cTn id="75" dur="1" fill="hold">
+                                          <p:stCondLst>
+                                            <p:cond delay="0"/>
+                                          </p:stCondLst>
+                                        </p:cTn>
+                                        <p:tgtEl>
+                                          <p:spTgt spid="50"/>
+                                        </p:tgtEl>
+                                        <p:attrNameLst>
+                                          <p:attrName>style.visibility</p:attrName>
+                                        </p:attrNameLst>
+                                      </p:cBhvr>
+                                      <p:to>
+                                        <p:strVal val="visible"/>
+                                      </p:to>
+                                    </p:set>
+                                    <p:animEffect transition="in" filter="fade">
+                                      <p:cBhvr>
+                                        <p:cTn id="76" dur="500"/>
+                                        <p:tgtEl>
+                                          <p:spTgt spid="50"/>
+                                        </p:tgtEl>
+                                      </p:cBhvr>
+                                    </p:animEffect>
+                                  </p:childTnLst>
+                                </p:cTn>
+                              </p:par>
+                              <p:par>
+                                <p:cTn id="77" presetID="10" presetClass="entr" presetSubtype="0" fill="hold" nodeType="withEffect">
+                                  <p:stCondLst>
+                                    <p:cond delay="0"/>
+                                  </p:stCondLst>
+                                  <p:childTnLst>
+                                    <p:set>
+                                      <p:cBhvr>
+                                        <p:cTn id="78" dur="1" fill="hold">
+                                          <p:stCondLst>
+                                            <p:cond delay="0"/>
+                                          </p:stCondLst>
+                                        </p:cTn>
+                                        <p:tgtEl>
+                                          <p:spTgt spid="48"/>
+                                        </p:tgtEl>
+                                        <p:attrNameLst>
+                                          <p:attrName>style.visibility</p:attrName>
+                                        </p:attrNameLst>
+                                      </p:cBhvr>
+                                      <p:to>
+                                        <p:strVal val="visible"/>
+                                      </p:to>
+                                    </p:set>
+                                    <p:animEffect transition="in" filter="fade">
+                                      <p:cBhvr>
+                                        <p:cTn id="79" dur="500"/>
+                                        <p:tgtEl>
+                                          <p:spTgt spid="48"/>
+                                        </p:tgtEl>
+                                      </p:cBhvr>
+                                    </p:animEffect>
+                                  </p:childTnLst>
+                                </p:cTn>
+                              </p:par>
+                            </p:childTnLst>
+                          </p:cTn>
+                        </p:par>
+                      </p:childTnLst>
+                    </p:cTn>
+                  </p:par>
+                </p:childTnLst>
+              </p:cTn>
+              <p:prevCondLst>
+                <p:cond evt="onPrev" delay="0">
+                  <p:tgtEl>
+                    <p:sldTgt/>
+                  </p:tgtEl>
+                </p:cond>
+              </p:prevCondLst>
+              <p:nextCondLst>
+                <p:cond evt="onNext" delay="0">
+                  <p:tgtEl>
+                    <p:sldTgt/>
+                  </p:tgtEl>
+                </p:cond>
+              </p:nextCondLst>
+            </p:seq>
+          </p:childTnLst>
+        </p:cTn>
+      </p:par>
+    </p:tnLst>
+    <p:bldLst>
+      <p:bldP spid="157" grpId="0" animBg="1"/>
+      <p:bldP spid="158" grpId="0" animBg="1"/>
+      <p:bldP spid="17" grpId="0" animBg="1"/>
+      <p:bldP spid="18" grpId="0" animBg="1"/>
+      <p:bldP spid="3" grpId="0"/>
+      <p:bldP spid="33" grpId="0"/>
+      <p:bldP spid="26" grpId="0"/>
+      <p:bldP spid="28" grpId="0"/>
+      <p:bldP spid="35" grpId="0"/>
+      <p:bldP spid="38" grpId="0"/>
+      <p:bldP spid="41" grpId="0" animBg="1"/>
+      <p:bldP spid="42" grpId="0"/>
+      <p:bldP spid="44" grpId="0"/>
+      <p:bldP spid="45" grpId="0" animBg="1"/>
+      <p:bldP spid="49" grpId="0"/>
+      <p:bldP spid="50" grpId="0" animBg="1"/>
+    </p:bldLst>
+  </p:timing>
+</p:sld>
+</file>
+
+<file path=ppt/slides/slide7.xml><?xml version="1.0" encoding="utf-8"?>
+<p:sld xmlns:a="http://schemas.openxmlformats.org/drawingml/2006/main" xmlns:r="http://schemas.openxmlformats.org/officeDocument/2006/relationships" xmlns:p="http://schemas.openxmlformats.org/presentationml/2006/main">
+  <p:cSld>
+    <p:spTree>
+      <p:nvGrpSpPr>
+        <p:cNvPr id="1" name=""/>
+        <p:cNvGrpSpPr/>
+        <p:nvPr/>
+      </p:nvGrpSpPr>
+      <p:grpSpPr>
+        <a:xfrm>
+          <a:off x="0" y="0"/>
+          <a:ext cx="0" cy="0"/>
+          <a:chOff x="0" y="0"/>
+          <a:chExt cx="0" cy="0"/>
+        </a:xfrm>
+      </p:grpSpPr>
+      <p:sp>
+        <p:nvSpPr>
+          <p:cNvPr id="157" name="Shape 157"/>
+          <p:cNvSpPr/>
+          <p:nvPr/>
+        </p:nvSpPr>
+        <p:spPr>
+          <a:xfrm>
+            <a:off x="0" y="5692740"/>
+            <a:ext cx="12196520" cy="1168698"/>
+          </a:xfrm>
+          <a:custGeom>
+            <a:avLst/>
+            <a:gdLst/>
+            <a:ahLst/>
+            <a:cxnLst>
+              <a:cxn ang="0">
+                <a:pos x="wd2" y="hd2"/>
+              </a:cxn>
+              <a:cxn ang="5400000">
+                <a:pos x="wd2" y="hd2"/>
+              </a:cxn>
+              <a:cxn ang="10800000">
+                <a:pos x="wd2" y="hd2"/>
+              </a:cxn>
+              <a:cxn ang="16200000">
+                <a:pos x="wd2" y="hd2"/>
+              </a:cxn>
+            </a:cxnLst>
+            <a:rect l="0" t="0" r="r" b="b"/>
+            <a:pathLst>
+              <a:path w="21600" h="21600" extrusionOk="0">
+                <a:moveTo>
+                  <a:pt x="0" y="0"/>
+                </a:moveTo>
+                <a:lnTo>
+                  <a:pt x="21600" y="21600"/>
+                </a:lnTo>
+                <a:lnTo>
+                  <a:pt x="0" y="21600"/>
+                </a:lnTo>
+                <a:close/>
+              </a:path>
+            </a:pathLst>
+          </a:custGeom>
+          <a:solidFill>
+            <a:srgbClr val="2E75B5"/>
+          </a:solidFill>
+          <a:ln w="12700">
+            <a:miter lim="400000"/>
+          </a:ln>
+        </p:spPr>
+        <p:txBody>
+          <a:bodyPr lIns="43371" tIns="43371" rIns="43371" bIns="43371" anchor="ctr"/>
+          <a:lstStyle/>
+          <a:p>
+            <a:pPr defTabSz="867796">
+              <a:defRPr sz="3400">
+                <a:solidFill>
+                  <a:srgbClr val="FFFFFF"/>
+                </a:solidFill>
+                <a:latin typeface="Calibri"/>
+                <a:ea typeface="Calibri"/>
+                <a:cs typeface="Calibri"/>
+                <a:sym typeface="Calibri"/>
+              </a:defRPr>
+            </a:pPr>
+            <a:endParaRPr sz="1700" dirty="0"/>
+          </a:p>
+        </p:txBody>
+      </p:sp>
+      <p:sp>
+        <p:nvSpPr>
+          <p:cNvPr id="158" name="Shape 158"/>
+          <p:cNvSpPr/>
+          <p:nvPr/>
+        </p:nvSpPr>
+        <p:spPr>
+          <a:xfrm flipH="1">
+            <a:off x="4664898" y="6301211"/>
+            <a:ext cx="7527101" cy="560459"/>
+          </a:xfrm>
+          <a:custGeom>
+            <a:avLst/>
+            <a:gdLst/>
+            <a:ahLst/>
+            <a:cxnLst>
+              <a:cxn ang="0">
+                <a:pos x="wd2" y="hd2"/>
+              </a:cxn>
+              <a:cxn ang="5400000">
+                <a:pos x="wd2" y="hd2"/>
+              </a:cxn>
+              <a:cxn ang="10800000">
+                <a:pos x="wd2" y="hd2"/>
+              </a:cxn>
+              <a:cxn ang="16200000">
+                <a:pos x="wd2" y="hd2"/>
+              </a:cxn>
+            </a:cxnLst>
+            <a:rect l="0" t="0" r="r" b="b"/>
+            <a:pathLst>
+              <a:path w="21600" h="21600" extrusionOk="0">
+                <a:moveTo>
+                  <a:pt x="0" y="0"/>
+                </a:moveTo>
+                <a:lnTo>
+                  <a:pt x="21600" y="21600"/>
+                </a:lnTo>
+                <a:lnTo>
+                  <a:pt x="0" y="21600"/>
+                </a:lnTo>
+                <a:close/>
+              </a:path>
+            </a:pathLst>
+          </a:custGeom>
+          <a:solidFill>
+            <a:srgbClr val="7EBF2F">
+              <a:alpha val="72536"/>
+            </a:srgbClr>
+          </a:solidFill>
+          <a:ln w="12700">
+            <a:miter lim="400000"/>
+          </a:ln>
+        </p:spPr>
+        <p:txBody>
+          <a:bodyPr lIns="25400" tIns="25400" rIns="25400" bIns="25400" anchor="ctr"/>
+          <a:lstStyle/>
+          <a:p>
+            <a:pPr>
+              <a:defRPr sz="3200">
+                <a:solidFill>
+                  <a:srgbClr val="FFFFFF"/>
+                </a:solidFill>
+                <a:latin typeface="Helvetica Light"/>
+                <a:ea typeface="Helvetica Light"/>
+                <a:cs typeface="Helvetica Light"/>
+                <a:sym typeface="Helvetica Light"/>
+              </a:defRPr>
+            </a:pPr>
+            <a:endParaRPr sz="1600"/>
+          </a:p>
+        </p:txBody>
+      </p:sp>
+      <p:sp>
+        <p:nvSpPr>
+          <p:cNvPr id="17" name="Shape 281">
+            <a:extLst>
+              <a:ext uri="{FF2B5EF4-FFF2-40B4-BE49-F238E27FC236}">
+                <a16:creationId xmlns:a16="http://schemas.microsoft.com/office/drawing/2014/main" id="{540302EC-6EA3-4B8C-9941-34877E3223C7}"/>
+              </a:ext>
+            </a:extLst>
+          </p:cNvPr>
+          <p:cNvSpPr/>
+          <p:nvPr/>
+        </p:nvSpPr>
+        <p:spPr>
+          <a:xfrm>
+            <a:off x="441430" y="343380"/>
+            <a:ext cx="7341562" cy="543739"/>
+          </a:xfrm>
+          <a:prstGeom prst="rect">
+            <a:avLst/>
+          </a:prstGeom>
+          <a:ln w="12700">
+            <a:miter lim="400000"/>
+          </a:ln>
+          <a:extLst>
+            <a:ext uri="{C572A759-6A51-4108-AA02-DFA0A04FC94B}">
+              <ma14:wrappingTextBoxFlag xmlns="" xmlns:ma14="http://schemas.microsoft.com/office/mac/drawingml/2011/main" val="1"/>
+            </a:ext>
+          </a:extLst>
+        </p:spPr>
+        <p:txBody>
+          <a:bodyPr wrap="none" lIns="25400" tIns="25400" rIns="25400" bIns="25400" anchor="ctr">
+            <a:spAutoFit/>
+          </a:bodyPr>
+          <a:lstStyle>
+            <a:lvl1pPr>
+              <a:defRPr sz="9600">
+                <a:solidFill>
+                  <a:srgbClr val="000000"/>
+                </a:solidFill>
+                <a:latin typeface="Heiti SC Medium"/>
+                <a:ea typeface="Heiti SC Medium"/>
+                <a:cs typeface="Heiti SC Medium"/>
+                <a:sym typeface="Heiti SC Medium"/>
+              </a:defRPr>
+            </a:lvl1pPr>
+          </a:lstStyle>
+          <a:p>
+            <a:r>
+              <a:rPr lang="en-US" altLang="zh-CN" sz="3200" dirty="0">
+                <a:latin typeface="Open Sans ExtraBold" panose="020B0906030804020204" pitchFamily="34" charset="0"/>
+                <a:ea typeface="Open Sans ExtraBold" panose="020B0906030804020204" pitchFamily="34" charset="0"/>
+                <a:cs typeface="Open Sans ExtraBold" panose="020B0906030804020204" pitchFamily="34" charset="0"/>
+              </a:rPr>
+              <a:t>Feature Fusion Attention Network</a:t>
+            </a:r>
+          </a:p>
+        </p:txBody>
+      </p:sp>
+      <p:sp>
+        <p:nvSpPr>
+          <p:cNvPr id="18" name="Shape 337">
+            <a:extLst>
+              <a:ext uri="{FF2B5EF4-FFF2-40B4-BE49-F238E27FC236}">
+                <a16:creationId xmlns:a16="http://schemas.microsoft.com/office/drawing/2014/main" id="{E5A8EBA0-E223-4689-80EC-BF3239A1EEAF}"/>
+              </a:ext>
+            </a:extLst>
+          </p:cNvPr>
+          <p:cNvSpPr/>
+          <p:nvPr/>
+        </p:nvSpPr>
+        <p:spPr>
+          <a:xfrm>
+            <a:off x="510537" y="1049091"/>
+            <a:ext cx="10967429" cy="52112"/>
+          </a:xfrm>
+          <a:prstGeom prst="rect">
+            <a:avLst/>
+          </a:prstGeom>
+          <a:solidFill>
+            <a:srgbClr val="2E75B5"/>
+          </a:solidFill>
+          <a:ln w="12700">
+            <a:miter lim="400000"/>
+          </a:ln>
+        </p:spPr>
+        <p:txBody>
+          <a:bodyPr lIns="43371" tIns="43371" rIns="43371" bIns="43371" anchor="ctr"/>
+          <a:lstStyle/>
+          <a:p>
+            <a:pPr defTabSz="867796">
+              <a:defRPr sz="3400">
+                <a:solidFill>
+                  <a:srgbClr val="FFFFFF"/>
+                </a:solidFill>
+                <a:latin typeface="Calibri"/>
+                <a:ea typeface="Calibri"/>
+                <a:cs typeface="Calibri"/>
+                <a:sym typeface="Calibri"/>
+              </a:defRPr>
+            </a:pPr>
+            <a:endParaRPr sz="1700">
+              <a:latin typeface="Open Sans ExtraBold" panose="020B0906030804020204" pitchFamily="34" charset="0"/>
+              <a:ea typeface="Open Sans ExtraBold" panose="020B0906030804020204" pitchFamily="34" charset="0"/>
+              <a:cs typeface="Open Sans ExtraBold" panose="020B0906030804020204" pitchFamily="34" charset="0"/>
+            </a:endParaRPr>
+          </a:p>
+        </p:txBody>
+      </p:sp>
+      <p:sp>
+        <p:nvSpPr>
+          <p:cNvPr id="3" name="文本框 2">
+            <a:extLst>
+              <a:ext uri="{FF2B5EF4-FFF2-40B4-BE49-F238E27FC236}">
+                <a16:creationId xmlns:a16="http://schemas.microsoft.com/office/drawing/2014/main" id="{D4C67F39-7201-41BD-83DF-97922C35A9E3}"/>
+              </a:ext>
+            </a:extLst>
+          </p:cNvPr>
+          <p:cNvSpPr txBox="1"/>
+          <p:nvPr/>
+        </p:nvSpPr>
+        <p:spPr>
+          <a:xfrm>
+            <a:off x="510537" y="1484894"/>
+            <a:ext cx="2930610" cy="369332"/>
+          </a:xfrm>
+          <a:prstGeom prst="rect">
+            <a:avLst/>
+          </a:prstGeom>
+          <a:noFill/>
+        </p:spPr>
+        <p:txBody>
+          <a:bodyPr wrap="none" rtlCol="0">
+            <a:spAutoFit/>
+          </a:bodyPr>
+          <a:lstStyle/>
+          <a:p>
+            <a:r>
+              <a:rPr lang="en-US" altLang="zh-CN" b="1" dirty="0">
+                <a:latin typeface="Georgia" panose="02040502050405020303" pitchFamily="18" charset="0"/>
+              </a:rPr>
+              <a:t>FFA-Net architecture</a:t>
+            </a:r>
+            <a:r>
+              <a:rPr lang="zh-CN" altLang="en-US" b="1" dirty="0">
+                <a:latin typeface="Georgia" panose="02040502050405020303" pitchFamily="18" charset="0"/>
+              </a:rPr>
+              <a:t>：</a:t>
+            </a:r>
+          </a:p>
+        </p:txBody>
+      </p:sp>
+      <p:pic>
+        <p:nvPicPr>
+          <p:cNvPr id="4" name="图片 3">
+            <a:extLst>
+              <a:ext uri="{FF2B5EF4-FFF2-40B4-BE49-F238E27FC236}">
+                <a16:creationId xmlns:a16="http://schemas.microsoft.com/office/drawing/2014/main" id="{DAE37CAE-3362-4B88-8955-BDC6B0F8AAE7}"/>
+              </a:ext>
+            </a:extLst>
+          </p:cNvPr>
+          <p:cNvPicPr>
+            <a:picLocks noChangeAspect="1"/>
+          </p:cNvPicPr>
+          <p:nvPr/>
+        </p:nvPicPr>
+        <p:blipFill>
+          <a:blip r:embed="rId2"/>
+          <a:stretch>
+            <a:fillRect/>
+          </a:stretch>
+        </p:blipFill>
+        <p:spPr>
+          <a:xfrm>
+            <a:off x="1329570" y="1975239"/>
+            <a:ext cx="9532860" cy="3596488"/>
+          </a:xfrm>
+          <a:prstGeom prst="rect">
+            <a:avLst/>
+          </a:prstGeom>
+        </p:spPr>
+      </p:pic>
+    </p:spTree>
+    <p:extLst>
+      <p:ext uri="{BB962C8B-B14F-4D97-AF65-F5344CB8AC3E}">
+        <p14:creationId xmlns:p14="http://schemas.microsoft.com/office/powerpoint/2010/main" val="789532808"/>
+      </p:ext>
+    </p:extLst>
+  </p:cSld>
+  <p:clrMapOvr>
+    <a:masterClrMapping/>
+  </p:clrMapOvr>
+  <mc:AlternateContent xmlns:mc="http://schemas.openxmlformats.org/markup-compatibility/2006" xmlns:p14="http://schemas.microsoft.com/office/powerpoint/2010/main">
+    <mc:Choice Requires="p14">
+      <p:transition p14:dur="300">
+        <p:fade/>
+      </p:transition>
+    </mc:Choice>
+    <mc:Fallback xmlns="">
+      <p:transition>
+        <p:fade/>
+      </p:transition>
+    </mc:Fallback>
+  </mc:AlternateContent>
+  <p:timing>
+    <p:tnLst>
+      <p:par>
+        <p:cTn id="1" dur="indefinite" restart="never" nodeType="tmRoot">
+          <p:childTnLst>
+            <p:seq concurrent="1" nextAc="seek">
+              <p:cTn id="2" dur="indefinite" nodeType="mainSeq">
+                <p:childTnLst>
+                  <p:par>
+                    <p:cTn id="3" fill="hold">
+                      <p:stCondLst>
+                        <p:cond delay="indefinite"/>
+                        <p:cond evt="onBegin" delay="0">
+                          <p:tn val="2"/>
+                        </p:cond>
+                      </p:stCondLst>
+                      <p:childTnLst>
+                        <p:par>
+                          <p:cTn id="4" fill="hold">
+                            <p:stCondLst>
+                              <p:cond delay="0"/>
+                            </p:stCondLst>
+                            <p:childTnLst>
+                              <p:par>
+                                <p:cTn id="5" presetID="2" presetClass="entr" presetSubtype="8" decel="100000" fill="hold" grpId="0" nodeType="withEffect">
+                                  <p:stCondLst>
+                                    <p:cond delay="0"/>
+                                  </p:stCondLst>
+                                  <p:childTnLst>
+                                    <p:set>
+                                      <p:cBhvr>
+                                        <p:cTn id="6" dur="1" fill="hold">
+                                          <p:stCondLst>
+                                            <p:cond delay="0"/>
+                                          </p:stCondLst>
+                                        </p:cTn>
+                                        <p:tgtEl>
+                                          <p:spTgt spid="157"/>
+                                        </p:tgtEl>
+                                        <p:attrNameLst>
+                                          <p:attrName>style.visibility</p:attrName>
+                                        </p:attrNameLst>
+                                      </p:cBhvr>
+                                      <p:to>
+                                        <p:strVal val="visible"/>
+                                      </p:to>
+                                    </p:set>
+                                    <p:anim calcmode="lin" valueType="num">
+                                      <p:cBhvr additive="base">
+                                        <p:cTn id="7" dur="500" fill="hold"/>
+                                        <p:tgtEl>
+                                          <p:spTgt spid="157"/>
+                                        </p:tgtEl>
+                                        <p:attrNameLst>
+                                          <p:attrName>ppt_x</p:attrName>
+                                        </p:attrNameLst>
+                                      </p:cBhvr>
+                                      <p:tavLst>
+                                        <p:tav tm="0">
+                                          <p:val>
+                                            <p:strVal val="0-#ppt_w/2"/>
+                                          </p:val>
+                                        </p:tav>
+                                        <p:tav tm="100000">
+                                          <p:val>
+                                            <p:strVal val="#ppt_x"/>
+                                          </p:val>
+                                        </p:tav>
+                                      </p:tavLst>
+                                    </p:anim>
+                                    <p:anim calcmode="lin" valueType="num">
+                                      <p:cBhvr additive="base">
+                                        <p:cTn id="8" dur="500" fill="hold"/>
+                                        <p:tgtEl>
+                                          <p:spTgt spid="157"/>
+                                        </p:tgtEl>
+                                        <p:attrNameLst>
+                                          <p:attrName>ppt_y</p:attrName>
+                                        </p:attrNameLst>
+                                      </p:cBhvr>
+                                      <p:tavLst>
+                                        <p:tav tm="0">
+                                          <p:val>
+                                            <p:strVal val="#ppt_y"/>
+                                          </p:val>
+                                        </p:tav>
+                                        <p:tav tm="100000">
+                                          <p:val>
+                                            <p:strVal val="#ppt_y"/>
+                                          </p:val>
+                                        </p:tav>
+                                      </p:tavLst>
+                                    </p:anim>
+                                  </p:childTnLst>
+                                </p:cTn>
+                              </p:par>
+                              <p:par>
+                                <p:cTn id="9" presetID="2" presetClass="entr" presetSubtype="2" decel="100000" fill="hold" grpId="0" nodeType="withEffect">
+                                  <p:stCondLst>
+                                    <p:cond delay="0"/>
+                                  </p:stCondLst>
+                                  <p:childTnLst>
+                                    <p:set>
+                                      <p:cBhvr>
+                                        <p:cTn id="10" dur="1" fill="hold">
+                                          <p:stCondLst>
+                                            <p:cond delay="0"/>
+                                          </p:stCondLst>
+                                        </p:cTn>
+                                        <p:tgtEl>
+                                          <p:spTgt spid="158"/>
+                                        </p:tgtEl>
+                                        <p:attrNameLst>
+                                          <p:attrName>style.visibility</p:attrName>
+                                        </p:attrNameLst>
+                                      </p:cBhvr>
+                                      <p:to>
+                                        <p:strVal val="visible"/>
+                                      </p:to>
+                                    </p:set>
+                                    <p:anim calcmode="lin" valueType="num">
+                                      <p:cBhvr additive="base">
+                                        <p:cTn id="11" dur="500" fill="hold"/>
+                                        <p:tgtEl>
+                                          <p:spTgt spid="158"/>
+                                        </p:tgtEl>
+                                        <p:attrNameLst>
+                                          <p:attrName>ppt_x</p:attrName>
+                                        </p:attrNameLst>
+                                      </p:cBhvr>
+                                      <p:tavLst>
+                                        <p:tav tm="0">
+                                          <p:val>
+                                            <p:strVal val="1+#ppt_w/2"/>
+                                          </p:val>
+                                        </p:tav>
+                                        <p:tav tm="100000">
+                                          <p:val>
+                                            <p:strVal val="#ppt_x"/>
+                                          </p:val>
+                                        </p:tav>
+                                      </p:tavLst>
+                                    </p:anim>
+                                    <p:anim calcmode="lin" valueType="num">
+                                      <p:cBhvr additive="base">
+                                        <p:cTn id="12" dur="500" fill="hold"/>
+                                        <p:tgtEl>
+                                          <p:spTgt spid="158"/>
+                                        </p:tgtEl>
+                                        <p:attrNameLst>
+                                          <p:attrName>ppt_y</p:attrName>
+                                        </p:attrNameLst>
+                                      </p:cBhvr>
+                                      <p:tavLst>
+                                        <p:tav tm="0">
+                                          <p:val>
+                                            <p:strVal val="#ppt_y"/>
+                                          </p:val>
+                                        </p:tav>
+                                        <p:tav tm="100000">
+                                          <p:val>
+                                            <p:strVal val="#ppt_y"/>
+                                          </p:val>
+                                        </p:tav>
+                                      </p:tavLst>
+                                    </p:anim>
+                                  </p:childTnLst>
+                                </p:cTn>
+                              </p:par>
+                              <p:par>
+                                <p:cTn id="13" presetID="22" presetClass="entr" presetSubtype="8" fill="hold" grpId="0" nodeType="withEffect">
+                                  <p:stCondLst>
+                                    <p:cond delay="0"/>
+                                  </p:stCondLst>
+                                  <p:childTnLst>
+                                    <p:set>
+                                      <p:cBhvr>
+                                        <p:cTn id="14" dur="1" fill="hold">
+                                          <p:stCondLst>
+                                            <p:cond delay="0"/>
+                                          </p:stCondLst>
+                                        </p:cTn>
+                                        <p:tgtEl>
+                                          <p:spTgt spid="18"/>
+                                        </p:tgtEl>
+                                        <p:attrNameLst>
+                                          <p:attrName>style.visibility</p:attrName>
+                                        </p:attrNameLst>
+                                      </p:cBhvr>
+                                      <p:to>
+                                        <p:strVal val="visible"/>
+                                      </p:to>
+                                    </p:set>
+                                    <p:animEffect transition="in" filter="wipe(left)">
+                                      <p:cBhvr>
+                                        <p:cTn id="15" dur="500"/>
+                                        <p:tgtEl>
+                                          <p:spTgt spid="18"/>
+                                        </p:tgtEl>
+                                      </p:cBhvr>
+                                    </p:animEffect>
+                                  </p:childTnLst>
+                                </p:cTn>
+                              </p:par>
+                              <p:par>
+                                <p:cTn id="16" presetID="53" presetClass="entr" presetSubtype="16" fill="hold" grpId="0" nodeType="withEffect">
+                                  <p:stCondLst>
+                                    <p:cond delay="0"/>
+                                  </p:stCondLst>
+                                  <p:iterate type="lt">
+                                    <p:tmPct val="10000"/>
+                                  </p:iterate>
+                                  <p:childTnLst>
+                                    <p:set>
+                                      <p:cBhvr>
+                                        <p:cTn id="17" dur="1" fill="hold">
+                                          <p:stCondLst>
+                                            <p:cond delay="0"/>
+                                          </p:stCondLst>
+                                        </p:cTn>
+                                        <p:tgtEl>
+                                          <p:spTgt spid="17"/>
+                                        </p:tgtEl>
+                                        <p:attrNameLst>
+                                          <p:attrName>style.visibility</p:attrName>
+                                        </p:attrNameLst>
+                                      </p:cBhvr>
+                                      <p:to>
+                                        <p:strVal val="visible"/>
+                                      </p:to>
+                                    </p:set>
+                                    <p:anim calcmode="lin" valueType="num">
+                                      <p:cBhvr>
+                                        <p:cTn id="18" dur="500" fill="hold"/>
+                                        <p:tgtEl>
+                                          <p:spTgt spid="17"/>
+                                        </p:tgtEl>
+                                        <p:attrNameLst>
+                                          <p:attrName>ppt_w</p:attrName>
+                                        </p:attrNameLst>
+                                      </p:cBhvr>
+                                      <p:tavLst>
+                                        <p:tav tm="0">
+                                          <p:val>
+                                            <p:fltVal val="0"/>
+                                          </p:val>
+                                        </p:tav>
+                                        <p:tav tm="100000">
+                                          <p:val>
+                                            <p:strVal val="#ppt_w"/>
+                                          </p:val>
+                                        </p:tav>
+                                      </p:tavLst>
+                                    </p:anim>
+                                    <p:anim calcmode="lin" valueType="num">
+                                      <p:cBhvr>
+                                        <p:cTn id="19" dur="500" fill="hold"/>
+                                        <p:tgtEl>
+                                          <p:spTgt spid="17"/>
+                                        </p:tgtEl>
+                                        <p:attrNameLst>
+                                          <p:attrName>ppt_h</p:attrName>
+                                        </p:attrNameLst>
+                                      </p:cBhvr>
+                                      <p:tavLst>
+                                        <p:tav tm="0">
+                                          <p:val>
+                                            <p:fltVal val="0"/>
+                                          </p:val>
+                                        </p:tav>
+                                        <p:tav tm="100000">
+                                          <p:val>
+                                            <p:strVal val="#ppt_h"/>
+                                          </p:val>
+                                        </p:tav>
+                                      </p:tavLst>
+                                    </p:anim>
+                                    <p:animEffect transition="in" filter="fade">
+                                      <p:cBhvr>
+                                        <p:cTn id="20" dur="500"/>
+                                        <p:tgtEl>
+                                          <p:spTgt spid="17"/>
+                                        </p:tgtEl>
+                                      </p:cBhvr>
+                                    </p:animEffect>
+                                  </p:childTnLst>
+                                </p:cTn>
+                              </p:par>
+                              <p:par>
+                                <p:cTn id="21" presetID="10" presetClass="entr" presetSubtype="0" fill="hold" grpId="0" nodeType="withEffect">
+                                  <p:stCondLst>
+                                    <p:cond delay="0"/>
+                                  </p:stCondLst>
+                                  <p:childTnLst>
+                                    <p:set>
+                                      <p:cBhvr>
+                                        <p:cTn id="22" dur="1" fill="hold">
+                                          <p:stCondLst>
+                                            <p:cond delay="0"/>
+                                          </p:stCondLst>
+                                        </p:cTn>
+                                        <p:tgtEl>
+                                          <p:spTgt spid="3"/>
+                                        </p:tgtEl>
+                                        <p:attrNameLst>
+                                          <p:attrName>style.visibility</p:attrName>
+                                        </p:attrNameLst>
+                                      </p:cBhvr>
+                                      <p:to>
+                                        <p:strVal val="visible"/>
+                                      </p:to>
+                                    </p:set>
+                                    <p:animEffect transition="in" filter="fade">
+                                      <p:cBhvr>
+                                        <p:cTn id="23" dur="500"/>
+                                        <p:tgtEl>
+                                          <p:spTgt spid="3"/>
+                                        </p:tgtEl>
+                                      </p:cBhvr>
+                                    </p:animEffect>
+                                  </p:childTnLst>
+                                </p:cTn>
+                              </p:par>
+                              <p:par>
+                                <p:cTn id="24" presetID="10" presetClass="entr" presetSubtype="0" fill="hold" nodeType="withEffect">
+                                  <p:stCondLst>
+                                    <p:cond delay="0"/>
+                                  </p:stCondLst>
+                                  <p:childTnLst>
+                                    <p:set>
+                                      <p:cBhvr>
+                                        <p:cTn id="25" dur="1" fill="hold">
+                                          <p:stCondLst>
+                                            <p:cond delay="0"/>
+                                          </p:stCondLst>
+                                        </p:cTn>
+                                        <p:tgtEl>
+                                          <p:spTgt spid="4"/>
+                                        </p:tgtEl>
+                                        <p:attrNameLst>
+                                          <p:attrName>style.visibility</p:attrName>
+                                        </p:attrNameLst>
+                                      </p:cBhvr>
+                                      <p:to>
+                                        <p:strVal val="visible"/>
+                                      </p:to>
+                                    </p:set>
+                                    <p:animEffect transition="in" filter="fade">
+                                      <p:cBhvr>
+                                        <p:cTn id="26" dur="500"/>
+                                        <p:tgtEl>
+                                          <p:spTgt spid="4"/>
+                                        </p:tgtEl>
+                                      </p:cBhvr>
+                                    </p:animEffect>
+                                  </p:childTnLst>
+                                </p:cTn>
+                              </p:par>
+                            </p:childTnLst>
+                          </p:cTn>
+                        </p:par>
+                      </p:childTnLst>
+                    </p:cTn>
+                  </p:par>
+                </p:childTnLst>
+              </p:cTn>
+              <p:prevCondLst>
+                <p:cond evt="onPrev" delay="0">
+                  <p:tgtEl>
+                    <p:sldTgt/>
+                  </p:tgtEl>
+                </p:cond>
+              </p:prevCondLst>
+              <p:nextCondLst>
+                <p:cond evt="onNext" delay="0">
+                  <p:tgtEl>
+                    <p:sldTgt/>
+                  </p:tgtEl>
+                </p:cond>
+              </p:nextCondLst>
+            </p:seq>
+          </p:childTnLst>
+        </p:cTn>
+      </p:par>
+    </p:tnLst>
+    <p:bldLst>
+      <p:bldP spid="157" grpId="0" animBg="1"/>
+      <p:bldP spid="158" grpId="0" animBg="1"/>
+      <p:bldP spid="17" grpId="0" animBg="1"/>
+      <p:bldP spid="18" grpId="0" animBg="1"/>
+      <p:bldP spid="3" grpId="0"/>
+    </p:bldLst>
+  </p:timing>
+</p:sld>
+</file>
+
+<file path=ppt/slides/slide8.xml><?xml version="1.0" encoding="utf-8"?>
+<p:sld xmlns:a="http://schemas.openxmlformats.org/drawingml/2006/main" xmlns:r="http://schemas.openxmlformats.org/officeDocument/2006/relationships" xmlns:p="http://schemas.openxmlformats.org/presentationml/2006/main">
+  <p:cSld>
+    <p:spTree>
+      <p:nvGrpSpPr>
+        <p:cNvPr id="1" name=""/>
+        <p:cNvGrpSpPr/>
+        <p:nvPr/>
+      </p:nvGrpSpPr>
+      <p:grpSpPr>
+        <a:xfrm>
+          <a:off x="0" y="0"/>
+          <a:ext cx="0" cy="0"/>
+          <a:chOff x="0" y="0"/>
+          <a:chExt cx="0" cy="0"/>
+        </a:xfrm>
+      </p:grpSpPr>
+      <p:pic>
+        <p:nvPicPr>
+          <p:cNvPr id="9" name="图片 8">
+            <a:extLst>
+              <a:ext uri="{FF2B5EF4-FFF2-40B4-BE49-F238E27FC236}">
+                <a16:creationId xmlns:a16="http://schemas.microsoft.com/office/drawing/2014/main" id="{B0262A91-FEF7-4E7D-83E8-7805C7DEB4BB}"/>
+              </a:ext>
+            </a:extLst>
+          </p:cNvPr>
+          <p:cNvPicPr>
+            <a:picLocks noChangeAspect="1"/>
+          </p:cNvPicPr>
+          <p:nvPr/>
+        </p:nvPicPr>
+        <p:blipFill>
+          <a:blip r:embed="rId2"/>
+          <a:stretch>
+            <a:fillRect/>
+          </a:stretch>
+        </p:blipFill>
+        <p:spPr>
+          <a:xfrm>
+            <a:off x="3386446" y="2107295"/>
+            <a:ext cx="1298868" cy="430933"/>
+          </a:xfrm>
+          <a:prstGeom prst="rect">
+            <a:avLst/>
+          </a:prstGeom>
+        </p:spPr>
+      </p:pic>
+      <p:sp>
+        <p:nvSpPr>
+          <p:cNvPr id="157" name="Shape 157"/>
+          <p:cNvSpPr/>
+          <p:nvPr/>
+        </p:nvSpPr>
+        <p:spPr>
+          <a:xfrm>
+            <a:off x="0" y="5692740"/>
+            <a:ext cx="12196520" cy="1168698"/>
+          </a:xfrm>
+          <a:custGeom>
+            <a:avLst/>
+            <a:gdLst/>
+            <a:ahLst/>
+            <a:cxnLst>
+              <a:cxn ang="0">
+                <a:pos x="wd2" y="hd2"/>
+              </a:cxn>
+              <a:cxn ang="5400000">
+                <a:pos x="wd2" y="hd2"/>
+              </a:cxn>
+              <a:cxn ang="10800000">
+                <a:pos x="wd2" y="hd2"/>
+              </a:cxn>
+              <a:cxn ang="16200000">
+                <a:pos x="wd2" y="hd2"/>
+              </a:cxn>
+            </a:cxnLst>
+            <a:rect l="0" t="0" r="r" b="b"/>
+            <a:pathLst>
+              <a:path w="21600" h="21600" extrusionOk="0">
+                <a:moveTo>
+                  <a:pt x="0" y="0"/>
+                </a:moveTo>
+                <a:lnTo>
+                  <a:pt x="21600" y="21600"/>
+                </a:lnTo>
+                <a:lnTo>
+                  <a:pt x="0" y="21600"/>
+                </a:lnTo>
+                <a:close/>
+              </a:path>
+            </a:pathLst>
+          </a:custGeom>
+          <a:solidFill>
+            <a:srgbClr val="2E75B5"/>
+          </a:solidFill>
+          <a:ln w="12700">
+            <a:miter lim="400000"/>
+          </a:ln>
+        </p:spPr>
+        <p:txBody>
+          <a:bodyPr lIns="43371" tIns="43371" rIns="43371" bIns="43371" anchor="ctr"/>
+          <a:lstStyle/>
+          <a:p>
+            <a:pPr defTabSz="867796">
+              <a:defRPr sz="3400">
+                <a:solidFill>
+                  <a:srgbClr val="FFFFFF"/>
+                </a:solidFill>
+                <a:latin typeface="Calibri"/>
+                <a:ea typeface="Calibri"/>
+                <a:cs typeface="Calibri"/>
+                <a:sym typeface="Calibri"/>
+              </a:defRPr>
+            </a:pPr>
+            <a:endParaRPr sz="1700" dirty="0"/>
+          </a:p>
+        </p:txBody>
+      </p:sp>
+      <p:sp>
+        <p:nvSpPr>
+          <p:cNvPr id="158" name="Shape 158"/>
+          <p:cNvSpPr/>
+          <p:nvPr/>
+        </p:nvSpPr>
+        <p:spPr>
+          <a:xfrm flipH="1">
+            <a:off x="4664898" y="6301211"/>
+            <a:ext cx="7527101" cy="560459"/>
+          </a:xfrm>
+          <a:custGeom>
+            <a:avLst/>
+            <a:gdLst/>
+            <a:ahLst/>
+            <a:cxnLst>
+              <a:cxn ang="0">
+                <a:pos x="wd2" y="hd2"/>
+              </a:cxn>
+              <a:cxn ang="5400000">
+                <a:pos x="wd2" y="hd2"/>
+              </a:cxn>
+              <a:cxn ang="10800000">
+                <a:pos x="wd2" y="hd2"/>
+              </a:cxn>
+              <a:cxn ang="16200000">
+                <a:pos x="wd2" y="hd2"/>
+              </a:cxn>
+            </a:cxnLst>
+            <a:rect l="0" t="0" r="r" b="b"/>
+            <a:pathLst>
+              <a:path w="21600" h="21600" extrusionOk="0">
+                <a:moveTo>
+                  <a:pt x="0" y="0"/>
+                </a:moveTo>
+                <a:lnTo>
+                  <a:pt x="21600" y="21600"/>
+                </a:lnTo>
+                <a:lnTo>
+                  <a:pt x="0" y="21600"/>
+                </a:lnTo>
+                <a:close/>
+              </a:path>
+            </a:pathLst>
+          </a:custGeom>
+          <a:solidFill>
+            <a:srgbClr val="7EBF2F">
+              <a:alpha val="72536"/>
+            </a:srgbClr>
+          </a:solidFill>
+          <a:ln w="12700">
+            <a:miter lim="400000"/>
+          </a:ln>
+        </p:spPr>
+        <p:txBody>
+          <a:bodyPr lIns="25400" tIns="25400" rIns="25400" bIns="25400" anchor="ctr"/>
+          <a:lstStyle/>
+          <a:p>
+            <a:pPr>
+              <a:defRPr sz="3200">
+                <a:solidFill>
+                  <a:srgbClr val="FFFFFF"/>
+                </a:solidFill>
+                <a:latin typeface="Helvetica Light"/>
+                <a:ea typeface="Helvetica Light"/>
+                <a:cs typeface="Helvetica Light"/>
+                <a:sym typeface="Helvetica Light"/>
+              </a:defRPr>
+            </a:pPr>
+            <a:endParaRPr sz="1600"/>
+          </a:p>
+        </p:txBody>
+      </p:sp>
+      <p:sp>
+        <p:nvSpPr>
+          <p:cNvPr id="17" name="Shape 281">
+            <a:extLst>
+              <a:ext uri="{FF2B5EF4-FFF2-40B4-BE49-F238E27FC236}">
+                <a16:creationId xmlns:a16="http://schemas.microsoft.com/office/drawing/2014/main" id="{540302EC-6EA3-4B8C-9941-34877E3223C7}"/>
+              </a:ext>
+            </a:extLst>
+          </p:cNvPr>
+          <p:cNvSpPr/>
+          <p:nvPr/>
+        </p:nvSpPr>
+        <p:spPr>
+          <a:xfrm>
+            <a:off x="441430" y="343380"/>
+            <a:ext cx="7341562" cy="543739"/>
+          </a:xfrm>
+          <a:prstGeom prst="rect">
+            <a:avLst/>
+          </a:prstGeom>
+          <a:ln w="12700">
+            <a:miter lim="400000"/>
+          </a:ln>
+          <a:extLst>
+            <a:ext uri="{C572A759-6A51-4108-AA02-DFA0A04FC94B}">
+              <ma14:wrappingTextBoxFlag xmlns="" xmlns:ma14="http://schemas.microsoft.com/office/mac/drawingml/2011/main" val="1"/>
+            </a:ext>
+          </a:extLst>
+        </p:spPr>
+        <p:txBody>
+          <a:bodyPr wrap="none" lIns="25400" tIns="25400" rIns="25400" bIns="25400" anchor="ctr">
+            <a:spAutoFit/>
+          </a:bodyPr>
+          <a:lstStyle>
+            <a:lvl1pPr>
+              <a:defRPr sz="9600">
+                <a:solidFill>
+                  <a:srgbClr val="000000"/>
+                </a:solidFill>
+                <a:latin typeface="Heiti SC Medium"/>
+                <a:ea typeface="Heiti SC Medium"/>
+                <a:cs typeface="Heiti SC Medium"/>
+                <a:sym typeface="Heiti SC Medium"/>
+              </a:defRPr>
+            </a:lvl1pPr>
+          </a:lstStyle>
+          <a:p>
+            <a:r>
+              <a:rPr lang="en-US" altLang="zh-CN" sz="3200" dirty="0">
+                <a:latin typeface="Open Sans ExtraBold" panose="020B0906030804020204" pitchFamily="34" charset="0"/>
+                <a:ea typeface="Open Sans ExtraBold" panose="020B0906030804020204" pitchFamily="34" charset="0"/>
+                <a:cs typeface="Open Sans ExtraBold" panose="020B0906030804020204" pitchFamily="34" charset="0"/>
+              </a:rPr>
+              <a:t>Feature Fusion Attention Network</a:t>
+            </a:r>
+          </a:p>
+        </p:txBody>
+      </p:sp>
+      <p:sp>
+        <p:nvSpPr>
+          <p:cNvPr id="18" name="Shape 337">
+            <a:extLst>
+              <a:ext uri="{FF2B5EF4-FFF2-40B4-BE49-F238E27FC236}">
+                <a16:creationId xmlns:a16="http://schemas.microsoft.com/office/drawing/2014/main" id="{E5A8EBA0-E223-4689-80EC-BF3239A1EEAF}"/>
+              </a:ext>
+            </a:extLst>
+          </p:cNvPr>
+          <p:cNvSpPr/>
+          <p:nvPr/>
+        </p:nvSpPr>
+        <p:spPr>
+          <a:xfrm>
+            <a:off x="510537" y="1049091"/>
+            <a:ext cx="10967429" cy="52112"/>
+          </a:xfrm>
+          <a:prstGeom prst="rect">
+            <a:avLst/>
+          </a:prstGeom>
+          <a:solidFill>
+            <a:srgbClr val="2E75B5"/>
+          </a:solidFill>
+          <a:ln w="12700">
+            <a:miter lim="400000"/>
+          </a:ln>
+        </p:spPr>
+        <p:txBody>
+          <a:bodyPr lIns="43371" tIns="43371" rIns="43371" bIns="43371" anchor="ctr"/>
+          <a:lstStyle/>
+          <a:p>
+            <a:pPr defTabSz="867796">
+              <a:defRPr sz="3400">
+                <a:solidFill>
+                  <a:srgbClr val="FFFFFF"/>
+                </a:solidFill>
+                <a:latin typeface="Calibri"/>
+                <a:ea typeface="Calibri"/>
+                <a:cs typeface="Calibri"/>
+                <a:sym typeface="Calibri"/>
+              </a:defRPr>
+            </a:pPr>
+            <a:endParaRPr sz="1700">
+              <a:latin typeface="Open Sans ExtraBold" panose="020B0906030804020204" pitchFamily="34" charset="0"/>
+              <a:ea typeface="Open Sans ExtraBold" panose="020B0906030804020204" pitchFamily="34" charset="0"/>
+              <a:cs typeface="Open Sans ExtraBold" panose="020B0906030804020204" pitchFamily="34" charset="0"/>
+            </a:endParaRPr>
+          </a:p>
+        </p:txBody>
+      </p:sp>
+      <p:sp>
+        <p:nvSpPr>
+          <p:cNvPr id="3" name="文本框 2">
+            <a:extLst>
+              <a:ext uri="{FF2B5EF4-FFF2-40B4-BE49-F238E27FC236}">
+                <a16:creationId xmlns:a16="http://schemas.microsoft.com/office/drawing/2014/main" id="{D4C67F39-7201-41BD-83DF-97922C35A9E3}"/>
+              </a:ext>
+            </a:extLst>
+          </p:cNvPr>
+          <p:cNvSpPr txBox="1"/>
+          <p:nvPr/>
+        </p:nvSpPr>
+        <p:spPr>
+          <a:xfrm>
+            <a:off x="510537" y="1484894"/>
+            <a:ext cx="3485249" cy="369332"/>
+          </a:xfrm>
+          <a:prstGeom prst="rect">
+            <a:avLst/>
+          </a:prstGeom>
+          <a:noFill/>
+        </p:spPr>
+        <p:txBody>
+          <a:bodyPr wrap="none" rtlCol="0">
+            <a:spAutoFit/>
+          </a:bodyPr>
+          <a:lstStyle/>
+          <a:p>
+            <a:r>
+              <a:rPr lang="en-US" altLang="zh-CN" b="1" dirty="0">
+                <a:latin typeface="Georgia" panose="02040502050405020303" pitchFamily="18" charset="0"/>
+              </a:rPr>
+              <a:t>Feature Attention module</a:t>
+            </a:r>
+            <a:r>
+              <a:rPr lang="zh-CN" altLang="en-US" b="1" dirty="0">
+                <a:latin typeface="Georgia" panose="02040502050405020303" pitchFamily="18" charset="0"/>
+              </a:rPr>
+              <a:t>：</a:t>
+            </a:r>
+          </a:p>
+        </p:txBody>
+      </p:sp>
+      <p:pic>
+        <p:nvPicPr>
+          <p:cNvPr id="5" name="图片 4">
+            <a:extLst>
+              <a:ext uri="{FF2B5EF4-FFF2-40B4-BE49-F238E27FC236}">
+                <a16:creationId xmlns:a16="http://schemas.microsoft.com/office/drawing/2014/main" id="{EB12112D-1A4F-4DD5-A8A2-0AA117F2D779}"/>
+              </a:ext>
+            </a:extLst>
+          </p:cNvPr>
+          <p:cNvPicPr>
+            <a:picLocks noChangeAspect="1"/>
+          </p:cNvPicPr>
+          <p:nvPr/>
+        </p:nvPicPr>
+        <p:blipFill>
+          <a:blip r:embed="rId3"/>
+          <a:stretch>
+            <a:fillRect/>
+          </a:stretch>
+        </p:blipFill>
+        <p:spPr>
+          <a:xfrm>
+            <a:off x="819463" y="2462567"/>
+            <a:ext cx="4376791" cy="2910539"/>
+          </a:xfrm>
+          <a:prstGeom prst="rect">
+            <a:avLst/>
+          </a:prstGeom>
+        </p:spPr>
+      </p:pic>
+      <p:pic>
+        <p:nvPicPr>
+          <p:cNvPr id="7" name="图片 6">
+            <a:extLst>
+              <a:ext uri="{FF2B5EF4-FFF2-40B4-BE49-F238E27FC236}">
+                <a16:creationId xmlns:a16="http://schemas.microsoft.com/office/drawing/2014/main" id="{90C2EBCA-280D-46AB-AC2A-CDF3EDEDA473}"/>
+              </a:ext>
+            </a:extLst>
+          </p:cNvPr>
+          <p:cNvPicPr>
+            <a:picLocks noChangeAspect="1"/>
+          </p:cNvPicPr>
+          <p:nvPr/>
+        </p:nvPicPr>
+        <p:blipFill>
+          <a:blip r:embed="rId4"/>
+          <a:stretch>
+            <a:fillRect/>
+          </a:stretch>
+        </p:blipFill>
+        <p:spPr>
+          <a:xfrm>
+            <a:off x="1274158" y="2107295"/>
+            <a:ext cx="1461127" cy="395843"/>
+          </a:xfrm>
+          <a:prstGeom prst="rect">
+            <a:avLst/>
+          </a:prstGeom>
+        </p:spPr>
+      </p:pic>
+      <p:pic>
+        <p:nvPicPr>
+          <p:cNvPr id="11" name="图片 10">
+            <a:extLst>
+              <a:ext uri="{FF2B5EF4-FFF2-40B4-BE49-F238E27FC236}">
+                <a16:creationId xmlns:a16="http://schemas.microsoft.com/office/drawing/2014/main" id="{B7DE7E07-3E91-4629-A3E0-5CB7004CA0CD}"/>
+              </a:ext>
+            </a:extLst>
+          </p:cNvPr>
+          <p:cNvPicPr>
+            <a:picLocks noChangeAspect="1"/>
+          </p:cNvPicPr>
+          <p:nvPr/>
+        </p:nvPicPr>
+        <p:blipFill>
+          <a:blip r:embed="rId5"/>
+          <a:stretch>
+            <a:fillRect/>
+          </a:stretch>
+        </p:blipFill>
+        <p:spPr>
+          <a:xfrm>
+            <a:off x="6382264" y="2262897"/>
+            <a:ext cx="4776265" cy="2437756"/>
+          </a:xfrm>
+          <a:prstGeom prst="rect">
+            <a:avLst/>
+          </a:prstGeom>
+        </p:spPr>
+      </p:pic>
+      <p:sp>
+        <p:nvSpPr>
+          <p:cNvPr id="19" name="文本框 18">
+            <a:extLst>
+              <a:ext uri="{FF2B5EF4-FFF2-40B4-BE49-F238E27FC236}">
+                <a16:creationId xmlns:a16="http://schemas.microsoft.com/office/drawing/2014/main" id="{646E0CC4-D071-4EEE-9B72-DF4C914CE470}"/>
+              </a:ext>
+            </a:extLst>
+          </p:cNvPr>
+          <p:cNvSpPr txBox="1"/>
+          <p:nvPr/>
+        </p:nvSpPr>
+        <p:spPr>
+          <a:xfrm>
+            <a:off x="6096000" y="1509874"/>
+            <a:ext cx="2980303" cy="369332"/>
+          </a:xfrm>
+          <a:prstGeom prst="rect">
+            <a:avLst/>
+          </a:prstGeom>
+          <a:noFill/>
+        </p:spPr>
+        <p:txBody>
+          <a:bodyPr wrap="none" rtlCol="0">
+            <a:spAutoFit/>
+          </a:bodyPr>
+          <a:lstStyle>
+            <a:defPPr>
+              <a:defRPr lang="zh-CN"/>
+            </a:defPPr>
+            <a:lvl1pPr>
+              <a:defRPr b="1">
+                <a:latin typeface="Georgia" panose="02040502050405020303" pitchFamily="18" charset="0"/>
+              </a:defRPr>
+            </a:lvl1pPr>
+          </a:lstStyle>
+          <a:p>
+            <a:r>
+              <a:rPr lang="en-US" altLang="zh-CN" dirty="0"/>
+              <a:t>Basic Block Structure</a:t>
+            </a:r>
+            <a:r>
+              <a:rPr lang="zh-CN" altLang="en-US" dirty="0"/>
+              <a:t>：</a:t>
+            </a:r>
+          </a:p>
+        </p:txBody>
+      </p:sp>
+    </p:spTree>
+    <p:extLst>
+      <p:ext uri="{BB962C8B-B14F-4D97-AF65-F5344CB8AC3E}">
+        <p14:creationId xmlns:p14="http://schemas.microsoft.com/office/powerpoint/2010/main" val="4223033065"/>
+      </p:ext>
+    </p:extLst>
+  </p:cSld>
+  <p:clrMapOvr>
+    <a:masterClrMapping/>
+  </p:clrMapOvr>
+  <mc:AlternateContent xmlns:mc="http://schemas.openxmlformats.org/markup-compatibility/2006" xmlns:p14="http://schemas.microsoft.com/office/powerpoint/2010/main">
+    <mc:Choice Requires="p14">
+      <p:transition p14:dur="300">
+        <p:fade/>
+      </p:transition>
+    </mc:Choice>
+    <mc:Fallback xmlns="">
+      <p:transition>
+        <p:fade/>
+      </p:transition>
+    </mc:Fallback>
+  </mc:AlternateContent>
+  <p:timing>
+    <p:tnLst>
+      <p:par>
+        <p:cTn id="1" dur="indefinite" restart="never" nodeType="tmRoot">
+          <p:childTnLst>
+            <p:seq concurrent="1" nextAc="seek">
+              <p:cTn id="2" dur="indefinite" nodeType="mainSeq">
+                <p:childTnLst>
+                  <p:par>
+                    <p:cTn id="3" fill="hold">
+                      <p:stCondLst>
+                        <p:cond delay="indefinite"/>
+                        <p:cond evt="onBegin" delay="0">
+                          <p:tn val="2"/>
+                        </p:cond>
+                      </p:stCondLst>
+                      <p:childTnLst>
+                        <p:par>
+                          <p:cTn id="4" fill="hold">
+                            <p:stCondLst>
+                              <p:cond delay="0"/>
+                            </p:stCondLst>
+                            <p:childTnLst>
+                              <p:par>
+                                <p:cTn id="5" presetID="2" presetClass="entr" presetSubtype="8" decel="100000" fill="hold" grpId="0" nodeType="withEffect">
+                                  <p:stCondLst>
+                                    <p:cond delay="0"/>
+                                  </p:stCondLst>
+                                  <p:childTnLst>
+                                    <p:set>
+                                      <p:cBhvr>
+                                        <p:cTn id="6" dur="1" fill="hold">
+                                          <p:stCondLst>
+                                            <p:cond delay="0"/>
+                                          </p:stCondLst>
+                                        </p:cTn>
+                                        <p:tgtEl>
+                                          <p:spTgt spid="157"/>
+                                        </p:tgtEl>
+                                        <p:attrNameLst>
+                                          <p:attrName>style.visibility</p:attrName>
+                                        </p:attrNameLst>
+                                      </p:cBhvr>
+                                      <p:to>
+                                        <p:strVal val="visible"/>
+                                      </p:to>
+                                    </p:set>
+                                    <p:anim calcmode="lin" valueType="num">
+                                      <p:cBhvr additive="base">
+                                        <p:cTn id="7" dur="500" fill="hold"/>
+                                        <p:tgtEl>
+                                          <p:spTgt spid="157"/>
+                                        </p:tgtEl>
+                                        <p:attrNameLst>
+                                          <p:attrName>ppt_x</p:attrName>
+                                        </p:attrNameLst>
+                                      </p:cBhvr>
+                                      <p:tavLst>
+                                        <p:tav tm="0">
+                                          <p:val>
+                                            <p:strVal val="0-#ppt_w/2"/>
+                                          </p:val>
+                                        </p:tav>
+                                        <p:tav tm="100000">
+                                          <p:val>
+                                            <p:strVal val="#ppt_x"/>
+                                          </p:val>
+                                        </p:tav>
+                                      </p:tavLst>
+                                    </p:anim>
+                                    <p:anim calcmode="lin" valueType="num">
+                                      <p:cBhvr additive="base">
+                                        <p:cTn id="8" dur="500" fill="hold"/>
+                                        <p:tgtEl>
+                                          <p:spTgt spid="157"/>
+                                        </p:tgtEl>
+                                        <p:attrNameLst>
+                                          <p:attrName>ppt_y</p:attrName>
+                                        </p:attrNameLst>
+                                      </p:cBhvr>
+                                      <p:tavLst>
+                                        <p:tav tm="0">
+                                          <p:val>
+                                            <p:strVal val="#ppt_y"/>
+                                          </p:val>
+                                        </p:tav>
+                                        <p:tav tm="100000">
+                                          <p:val>
+                                            <p:strVal val="#ppt_y"/>
+                                          </p:val>
+                                        </p:tav>
+                                      </p:tavLst>
+                                    </p:anim>
+                                  </p:childTnLst>
+                                </p:cTn>
+                              </p:par>
+                              <p:par>
+                                <p:cTn id="9" presetID="2" presetClass="entr" presetSubtype="2" decel="100000" fill="hold" grpId="0" nodeType="withEffect">
+                                  <p:stCondLst>
+                                    <p:cond delay="0"/>
+                                  </p:stCondLst>
+                                  <p:childTnLst>
+                                    <p:set>
+                                      <p:cBhvr>
+                                        <p:cTn id="10" dur="1" fill="hold">
+                                          <p:stCondLst>
+                                            <p:cond delay="0"/>
+                                          </p:stCondLst>
+                                        </p:cTn>
+                                        <p:tgtEl>
+                                          <p:spTgt spid="158"/>
+                                        </p:tgtEl>
+                                        <p:attrNameLst>
+                                          <p:attrName>style.visibility</p:attrName>
+                                        </p:attrNameLst>
+                                      </p:cBhvr>
+                                      <p:to>
+                                        <p:strVal val="visible"/>
+                                      </p:to>
+                                    </p:set>
+                                    <p:anim calcmode="lin" valueType="num">
+                                      <p:cBhvr additive="base">
+                                        <p:cTn id="11" dur="500" fill="hold"/>
+                                        <p:tgtEl>
+                                          <p:spTgt spid="158"/>
+                                        </p:tgtEl>
+                                        <p:attrNameLst>
+                                          <p:attrName>ppt_x</p:attrName>
+                                        </p:attrNameLst>
+                                      </p:cBhvr>
+                                      <p:tavLst>
+                                        <p:tav tm="0">
+                                          <p:val>
+                                            <p:strVal val="1+#ppt_w/2"/>
+                                          </p:val>
+                                        </p:tav>
+                                        <p:tav tm="100000">
+                                          <p:val>
+                                            <p:strVal val="#ppt_x"/>
+                                          </p:val>
+                                        </p:tav>
+                                      </p:tavLst>
+                                    </p:anim>
+                                    <p:anim calcmode="lin" valueType="num">
+                                      <p:cBhvr additive="base">
+                                        <p:cTn id="12" dur="500" fill="hold"/>
+                                        <p:tgtEl>
+                                          <p:spTgt spid="158"/>
+                                        </p:tgtEl>
+                                        <p:attrNameLst>
+                                          <p:attrName>ppt_y</p:attrName>
+                                        </p:attrNameLst>
+                                      </p:cBhvr>
+                                      <p:tavLst>
+                                        <p:tav tm="0">
+                                          <p:val>
+                                            <p:strVal val="#ppt_y"/>
+                                          </p:val>
+                                        </p:tav>
+                                        <p:tav tm="100000">
+                                          <p:val>
+                                            <p:strVal val="#ppt_y"/>
+                                          </p:val>
+                                        </p:tav>
+                                      </p:tavLst>
+                                    </p:anim>
+                                  </p:childTnLst>
+                                </p:cTn>
+                              </p:par>
+                              <p:par>
+                                <p:cTn id="13" presetID="22" presetClass="entr" presetSubtype="8" fill="hold" grpId="0" nodeType="withEffect">
+                                  <p:stCondLst>
+                                    <p:cond delay="0"/>
+                                  </p:stCondLst>
+                                  <p:childTnLst>
+                                    <p:set>
+                                      <p:cBhvr>
+                                        <p:cTn id="14" dur="1" fill="hold">
+                                          <p:stCondLst>
+                                            <p:cond delay="0"/>
+                                          </p:stCondLst>
+                                        </p:cTn>
+                                        <p:tgtEl>
+                                          <p:spTgt spid="18"/>
+                                        </p:tgtEl>
+                                        <p:attrNameLst>
+                                          <p:attrName>style.visibility</p:attrName>
+                                        </p:attrNameLst>
+                                      </p:cBhvr>
+                                      <p:to>
+                                        <p:strVal val="visible"/>
+                                      </p:to>
+                                    </p:set>
+                                    <p:animEffect transition="in" filter="wipe(left)">
+                                      <p:cBhvr>
+                                        <p:cTn id="15" dur="500"/>
+                                        <p:tgtEl>
+                                          <p:spTgt spid="18"/>
+                                        </p:tgtEl>
+                                      </p:cBhvr>
+                                    </p:animEffect>
+                                  </p:childTnLst>
+                                </p:cTn>
+                              </p:par>
+                              <p:par>
+                                <p:cTn id="16" presetID="53" presetClass="entr" presetSubtype="16" fill="hold" grpId="0" nodeType="withEffect">
+                                  <p:stCondLst>
+                                    <p:cond delay="0"/>
+                                  </p:stCondLst>
+                                  <p:iterate type="lt">
+                                    <p:tmPct val="10000"/>
+                                  </p:iterate>
+                                  <p:childTnLst>
+                                    <p:set>
+                                      <p:cBhvr>
+                                        <p:cTn id="17" dur="1" fill="hold">
+                                          <p:stCondLst>
+                                            <p:cond delay="0"/>
+                                          </p:stCondLst>
+                                        </p:cTn>
+                                        <p:tgtEl>
+                                          <p:spTgt spid="17"/>
+                                        </p:tgtEl>
+                                        <p:attrNameLst>
+                                          <p:attrName>style.visibility</p:attrName>
+                                        </p:attrNameLst>
+                                      </p:cBhvr>
+                                      <p:to>
+                                        <p:strVal val="visible"/>
+                                      </p:to>
+                                    </p:set>
+                                    <p:anim calcmode="lin" valueType="num">
+                                      <p:cBhvr>
+                                        <p:cTn id="18" dur="500" fill="hold"/>
+                                        <p:tgtEl>
+                                          <p:spTgt spid="17"/>
+                                        </p:tgtEl>
+                                        <p:attrNameLst>
+                                          <p:attrName>ppt_w</p:attrName>
+                                        </p:attrNameLst>
+                                      </p:cBhvr>
+                                      <p:tavLst>
+                                        <p:tav tm="0">
+                                          <p:val>
+                                            <p:fltVal val="0"/>
+                                          </p:val>
+                                        </p:tav>
+                                        <p:tav tm="100000">
+                                          <p:val>
+                                            <p:strVal val="#ppt_w"/>
+                                          </p:val>
+                                        </p:tav>
+                                      </p:tavLst>
+                                    </p:anim>
+                                    <p:anim calcmode="lin" valueType="num">
+                                      <p:cBhvr>
+                                        <p:cTn id="19" dur="500" fill="hold"/>
+                                        <p:tgtEl>
+                                          <p:spTgt spid="17"/>
+                                        </p:tgtEl>
+                                        <p:attrNameLst>
+                                          <p:attrName>ppt_h</p:attrName>
+                                        </p:attrNameLst>
+                                      </p:cBhvr>
+                                      <p:tavLst>
+                                        <p:tav tm="0">
+                                          <p:val>
+                                            <p:fltVal val="0"/>
+                                          </p:val>
+                                        </p:tav>
+                                        <p:tav tm="100000">
+                                          <p:val>
+                                            <p:strVal val="#ppt_h"/>
+                                          </p:val>
+                                        </p:tav>
+                                      </p:tavLst>
+                                    </p:anim>
+                                    <p:animEffect transition="in" filter="fade">
+                                      <p:cBhvr>
+                                        <p:cTn id="20" dur="500"/>
+                                        <p:tgtEl>
+                                          <p:spTgt spid="17"/>
+                                        </p:tgtEl>
+                                      </p:cBhvr>
+                                    </p:animEffect>
+                                  </p:childTnLst>
+                                </p:cTn>
+                              </p:par>
+                              <p:par>
+                                <p:cTn id="21" presetID="10" presetClass="entr" presetSubtype="0" fill="hold" grpId="0" nodeType="withEffect">
+                                  <p:stCondLst>
+                                    <p:cond delay="0"/>
+                                  </p:stCondLst>
+                                  <p:childTnLst>
+                                    <p:set>
+                                      <p:cBhvr>
+                                        <p:cTn id="22" dur="1" fill="hold">
+                                          <p:stCondLst>
+                                            <p:cond delay="0"/>
+                                          </p:stCondLst>
+                                        </p:cTn>
+                                        <p:tgtEl>
+                                          <p:spTgt spid="3"/>
+                                        </p:tgtEl>
+                                        <p:attrNameLst>
+                                          <p:attrName>style.visibility</p:attrName>
+                                        </p:attrNameLst>
+                                      </p:cBhvr>
+                                      <p:to>
+                                        <p:strVal val="visible"/>
+                                      </p:to>
+                                    </p:set>
+                                    <p:animEffect transition="in" filter="fade">
+                                      <p:cBhvr>
+                                        <p:cTn id="23" dur="500"/>
+                                        <p:tgtEl>
+                                          <p:spTgt spid="3"/>
+                                        </p:tgtEl>
+                                      </p:cBhvr>
+                                    </p:animEffect>
+                                  </p:childTnLst>
+                                </p:cTn>
+                              </p:par>
+                              <p:par>
+                                <p:cTn id="24" presetID="10" presetClass="entr" presetSubtype="0" fill="hold" nodeType="withEffect">
+                                  <p:stCondLst>
+                                    <p:cond delay="0"/>
+                                  </p:stCondLst>
+                                  <p:childTnLst>
+                                    <p:set>
+                                      <p:cBhvr>
+                                        <p:cTn id="25" dur="1" fill="hold">
+                                          <p:stCondLst>
+                                            <p:cond delay="0"/>
+                                          </p:stCondLst>
+                                        </p:cTn>
+                                        <p:tgtEl>
+                                          <p:spTgt spid="5"/>
+                                        </p:tgtEl>
+                                        <p:attrNameLst>
+                                          <p:attrName>style.visibility</p:attrName>
+                                        </p:attrNameLst>
+                                      </p:cBhvr>
+                                      <p:to>
+                                        <p:strVal val="visible"/>
+                                      </p:to>
+                                    </p:set>
+                                    <p:animEffect transition="in" filter="fade">
+                                      <p:cBhvr>
+                                        <p:cTn id="26" dur="500"/>
+                                        <p:tgtEl>
+                                          <p:spTgt spid="5"/>
+                                        </p:tgtEl>
+                                      </p:cBhvr>
+                                    </p:animEffect>
+                                  </p:childTnLst>
+                                </p:cTn>
+                              </p:par>
+                              <p:par>
+                                <p:cTn id="27" presetID="10" presetClass="entr" presetSubtype="0" fill="hold" nodeType="withEffect">
+                                  <p:stCondLst>
+                                    <p:cond delay="0"/>
+                                  </p:stCondLst>
+                                  <p:childTnLst>
+                                    <p:set>
+                                      <p:cBhvr>
+                                        <p:cTn id="28" dur="1" fill="hold">
+                                          <p:stCondLst>
+                                            <p:cond delay="0"/>
+                                          </p:stCondLst>
+                                        </p:cTn>
+                                        <p:tgtEl>
+                                          <p:spTgt spid="7"/>
+                                        </p:tgtEl>
+                                        <p:attrNameLst>
+                                          <p:attrName>style.visibility</p:attrName>
+                                        </p:attrNameLst>
+                                      </p:cBhvr>
+                                      <p:to>
+                                        <p:strVal val="visible"/>
+                                      </p:to>
+                                    </p:set>
+                                    <p:animEffect transition="in" filter="fade">
+                                      <p:cBhvr>
+                                        <p:cTn id="29" dur="500"/>
+                                        <p:tgtEl>
+                                          <p:spTgt spid="7"/>
+                                        </p:tgtEl>
+                                      </p:cBhvr>
+                                    </p:animEffect>
+                                  </p:childTnLst>
+                                </p:cTn>
+                              </p:par>
+                              <p:par>
+                                <p:cTn id="30" presetID="10" presetClass="entr" presetSubtype="0" fill="hold" nodeType="withEffect">
+                                  <p:stCondLst>
+                                    <p:cond delay="0"/>
+                                  </p:stCondLst>
+                                  <p:childTnLst>
+                                    <p:set>
+                                      <p:cBhvr>
+                                        <p:cTn id="31" dur="1" fill="hold">
+                                          <p:stCondLst>
+                                            <p:cond delay="0"/>
+                                          </p:stCondLst>
+                                        </p:cTn>
+                                        <p:tgtEl>
+                                          <p:spTgt spid="9"/>
+                                        </p:tgtEl>
+                                        <p:attrNameLst>
+                                          <p:attrName>style.visibility</p:attrName>
+                                        </p:attrNameLst>
+                                      </p:cBhvr>
+                                      <p:to>
+                                        <p:strVal val="visible"/>
+                                      </p:to>
+                                    </p:set>
+                                    <p:animEffect transition="in" filter="fade">
+                                      <p:cBhvr>
+                                        <p:cTn id="32" dur="500"/>
+                                        <p:tgtEl>
+                                          <p:spTgt spid="9"/>
+                                        </p:tgtEl>
+                                      </p:cBhvr>
+                                    </p:animEffect>
+                                  </p:childTnLst>
+                                </p:cTn>
+                              </p:par>
+                              <p:par>
+                                <p:cTn id="33" presetID="10" presetClass="entr" presetSubtype="0" fill="hold" grpId="0" nodeType="withEffect">
+                                  <p:stCondLst>
+                                    <p:cond delay="0"/>
+                                  </p:stCondLst>
+                                  <p:childTnLst>
+                                    <p:set>
+                                      <p:cBhvr>
+                                        <p:cTn id="34" dur="1" fill="hold">
+                                          <p:stCondLst>
+                                            <p:cond delay="0"/>
+                                          </p:stCondLst>
+                                        </p:cTn>
+                                        <p:tgtEl>
+                                          <p:spTgt spid="19"/>
+                                        </p:tgtEl>
+                                        <p:attrNameLst>
+                                          <p:attrName>style.visibility</p:attrName>
+                                        </p:attrNameLst>
+                                      </p:cBhvr>
+                                      <p:to>
+                                        <p:strVal val="visible"/>
+                                      </p:to>
+                                    </p:set>
+                                    <p:animEffect transition="in" filter="fade">
+                                      <p:cBhvr>
+                                        <p:cTn id="35" dur="500"/>
+                                        <p:tgtEl>
+                                          <p:spTgt spid="19"/>
+                                        </p:tgtEl>
+                                      </p:cBhvr>
+                                    </p:animEffect>
+                                  </p:childTnLst>
+                                </p:cTn>
+                              </p:par>
+                              <p:par>
+                                <p:cTn id="36" presetID="10" presetClass="entr" presetSubtype="0" fill="hold" nodeType="withEffect">
+                                  <p:stCondLst>
+                                    <p:cond delay="0"/>
+                                  </p:stCondLst>
+                                  <p:childTnLst>
+                                    <p:set>
+                                      <p:cBhvr>
+                                        <p:cTn id="37" dur="1" fill="hold">
+                                          <p:stCondLst>
+                                            <p:cond delay="0"/>
+                                          </p:stCondLst>
+                                        </p:cTn>
+                                        <p:tgtEl>
+                                          <p:spTgt spid="11"/>
+                                        </p:tgtEl>
+                                        <p:attrNameLst>
+                                          <p:attrName>style.visibility</p:attrName>
+                                        </p:attrNameLst>
+                                      </p:cBhvr>
+                                      <p:to>
+                                        <p:strVal val="visible"/>
+                                      </p:to>
+                                    </p:set>
+                                    <p:animEffect transition="in" filter="fade">
+                                      <p:cBhvr>
+                                        <p:cTn id="38" dur="500"/>
+                                        <p:tgtEl>
+                                          <p:spTgt spid="11"/>
+                                        </p:tgtEl>
+                                      </p:cBhvr>
+                                    </p:animEffect>
+                                  </p:childTnLst>
+                                </p:cTn>
+                              </p:par>
+                            </p:childTnLst>
+                          </p:cTn>
+                        </p:par>
+                      </p:childTnLst>
+                    </p:cTn>
+                  </p:par>
+                </p:childTnLst>
+              </p:cTn>
+              <p:prevCondLst>
+                <p:cond evt="onPrev" delay="0">
+                  <p:tgtEl>
+                    <p:sldTgt/>
+                  </p:tgtEl>
+                </p:cond>
+              </p:prevCondLst>
+              <p:nextCondLst>
+                <p:cond evt="onNext" delay="0">
+                  <p:tgtEl>
+                    <p:sldTgt/>
+                  </p:tgtEl>
+                </p:cond>
+              </p:nextCondLst>
+            </p:seq>
+          </p:childTnLst>
+        </p:cTn>
+      </p:par>
+    </p:tnLst>
+    <p:bldLst>
+      <p:bldP spid="157" grpId="0" animBg="1"/>
+      <p:bldP spid="158" grpId="0" animBg="1"/>
+      <p:bldP spid="17" grpId="0" animBg="1"/>
+      <p:bldP spid="18" grpId="0" animBg="1"/>
+      <p:bldP spid="3" grpId="0"/>
+      <p:bldP spid="19" grpId="0"/>
     </p:bldLst>
   </p:timing>
 </p:sld>
